--- a/Trabalho 1/Trabalho 1.pptx
+++ b/Trabalho 1/Trabalho 1.pptx
@@ -10,6 +10,33 @@
     <p:sldId id="257" r:id="rId5"/>
     <p:sldId id="258" r:id="rId6"/>
     <p:sldId id="259" r:id="rId7"/>
+    <p:sldId id="260" r:id="rId8"/>
+    <p:sldId id="261" r:id="rId9"/>
+    <p:sldId id="262" r:id="rId10"/>
+    <p:sldId id="263" r:id="rId11"/>
+    <p:sldId id="264" r:id="rId12"/>
+    <p:sldId id="265" r:id="rId13"/>
+    <p:sldId id="266" r:id="rId14"/>
+    <p:sldId id="267" r:id="rId15"/>
+    <p:sldId id="268" r:id="rId16"/>
+    <p:sldId id="269" r:id="rId17"/>
+    <p:sldId id="270" r:id="rId18"/>
+    <p:sldId id="271" r:id="rId19"/>
+    <p:sldId id="272" r:id="rId20"/>
+    <p:sldId id="273" r:id="rId21"/>
+    <p:sldId id="274" r:id="rId22"/>
+    <p:sldId id="275" r:id="rId23"/>
+    <p:sldId id="276" r:id="rId24"/>
+    <p:sldId id="277" r:id="rId25"/>
+    <p:sldId id="278" r:id="rId26"/>
+    <p:sldId id="279" r:id="rId27"/>
+    <p:sldId id="280" r:id="rId28"/>
+    <p:sldId id="281" r:id="rId29"/>
+    <p:sldId id="282" r:id="rId30"/>
+    <p:sldId id="283" r:id="rId31"/>
+    <p:sldId id="284" r:id="rId32"/>
+    <p:sldId id="285" r:id="rId33"/>
+    <p:sldId id="286" r:id="rId34"/>
   </p:sldIdLst>
   <p:sldSz cx="10080625" cy="5670550"/>
   <p:notesSz cx="7559675" cy="10691812"/>
@@ -57,7 +84,7 @@
       </p:grpSpPr>
       <p:sp>
         <p:nvSpPr>
-          <p:cNvPr id="28" name="PlaceHolder 1"/>
+          <p:cNvPr id="25" name="PlaceHolder 1"/>
           <p:cNvSpPr>
             <a:spLocks noGrp="1"/>
           </p:cNvSpPr>
@@ -68,7 +95,7 @@
         <p:spPr>
           <a:xfrm>
             <a:off x="504000" y="565560"/>
-            <a:ext cx="9071640" cy="946440"/>
+            <a:ext cx="9071280" cy="946080"/>
           </a:xfrm>
           <a:prstGeom prst="rect">
             <a:avLst/>
@@ -77,18 +104,16 @@
         <p:txBody>
           <a:bodyPr lIns="0" rIns="0" tIns="0" bIns="0" anchor="ctr"/>
           <a:p>
+            <a:pPr algn="ctr"/>
             <a:endParaRPr b="0" lang="pt-BR" sz="4400" spc="-1" strike="noStrike">
-              <a:solidFill>
-                <a:srgbClr val="c7243a"/>
-              </a:solidFill>
-              <a:latin typeface="Arial"/>
-            </a:endParaRPr>
-          </a:p>
-        </p:txBody>
-      </p:sp>
-      <p:sp>
-        <p:nvSpPr>
-          <p:cNvPr id="29" name="PlaceHolder 2"/>
+              <a:latin typeface="Arial"/>
+            </a:endParaRPr>
+          </a:p>
+        </p:txBody>
+      </p:sp>
+      <p:sp>
+        <p:nvSpPr>
+          <p:cNvPr id="26" name="PlaceHolder 2"/>
           <p:cNvSpPr>
             <a:spLocks noGrp="1"/>
           </p:cNvSpPr>
@@ -98,8 +123,8 @@
         </p:nvSpPr>
         <p:spPr>
           <a:xfrm>
-            <a:off x="504000" y="1656000"/>
-            <a:ext cx="9071640" cy="1411200"/>
+            <a:off x="504000" y="1326600"/>
+            <a:ext cx="9072000" cy="1568520"/>
           </a:xfrm>
           <a:prstGeom prst="rect">
             <a:avLst/>
@@ -118,7 +143,7 @@
       </p:sp>
       <p:sp>
         <p:nvSpPr>
-          <p:cNvPr id="30" name="PlaceHolder 3"/>
+          <p:cNvPr id="27" name="PlaceHolder 3"/>
           <p:cNvSpPr>
             <a:spLocks noGrp="1"/>
           </p:cNvSpPr>
@@ -128,8 +153,8 @@
         </p:nvSpPr>
         <p:spPr>
           <a:xfrm>
-            <a:off x="504000" y="3201480"/>
-            <a:ext cx="9071640" cy="1411200"/>
+            <a:off x="504000" y="3044520"/>
+            <a:ext cx="9072000" cy="1568520"/>
           </a:xfrm>
           <a:prstGeom prst="rect">
             <a:avLst/>
@@ -170,7 +195,7 @@
       </p:grpSpPr>
       <p:sp>
         <p:nvSpPr>
-          <p:cNvPr id="31" name="PlaceHolder 1"/>
+          <p:cNvPr id="28" name="PlaceHolder 1"/>
           <p:cNvSpPr>
             <a:spLocks noGrp="1"/>
           </p:cNvSpPr>
@@ -181,7 +206,7 @@
         <p:spPr>
           <a:xfrm>
             <a:off x="504000" y="565560"/>
-            <a:ext cx="9071640" cy="946440"/>
+            <a:ext cx="9071280" cy="946080"/>
           </a:xfrm>
           <a:prstGeom prst="rect">
             <a:avLst/>
@@ -190,18 +215,16 @@
         <p:txBody>
           <a:bodyPr lIns="0" rIns="0" tIns="0" bIns="0" anchor="ctr"/>
           <a:p>
+            <a:pPr algn="ctr"/>
             <a:endParaRPr b="0" lang="pt-BR" sz="4400" spc="-1" strike="noStrike">
-              <a:solidFill>
-                <a:srgbClr val="c7243a"/>
-              </a:solidFill>
-              <a:latin typeface="Arial"/>
-            </a:endParaRPr>
-          </a:p>
-        </p:txBody>
-      </p:sp>
-      <p:sp>
-        <p:nvSpPr>
-          <p:cNvPr id="32" name="PlaceHolder 2"/>
+              <a:latin typeface="Arial"/>
+            </a:endParaRPr>
+          </a:p>
+        </p:txBody>
+      </p:sp>
+      <p:sp>
+        <p:nvSpPr>
+          <p:cNvPr id="29" name="PlaceHolder 2"/>
           <p:cNvSpPr>
             <a:spLocks noGrp="1"/>
           </p:cNvSpPr>
@@ -211,8 +234,8 @@
         </p:nvSpPr>
         <p:spPr>
           <a:xfrm>
-            <a:off x="504000" y="1656000"/>
-            <a:ext cx="4426920" cy="1411200"/>
+            <a:off x="504000" y="1326600"/>
+            <a:ext cx="4426920" cy="1568520"/>
           </a:xfrm>
           <a:prstGeom prst="rect">
             <a:avLst/>
@@ -231,7 +254,7 @@
       </p:sp>
       <p:sp>
         <p:nvSpPr>
-          <p:cNvPr id="33" name="PlaceHolder 3"/>
+          <p:cNvPr id="30" name="PlaceHolder 3"/>
           <p:cNvSpPr>
             <a:spLocks noGrp="1"/>
           </p:cNvSpPr>
@@ -241,8 +264,8 @@
         </p:nvSpPr>
         <p:spPr>
           <a:xfrm>
-            <a:off x="5152680" y="1656000"/>
-            <a:ext cx="4426920" cy="1411200"/>
+            <a:off x="5152680" y="1326600"/>
+            <a:ext cx="4426920" cy="1568520"/>
           </a:xfrm>
           <a:prstGeom prst="rect">
             <a:avLst/>
@@ -261,7 +284,7 @@
       </p:sp>
       <p:sp>
         <p:nvSpPr>
-          <p:cNvPr id="34" name="PlaceHolder 4"/>
+          <p:cNvPr id="31" name="PlaceHolder 4"/>
           <p:cNvSpPr>
             <a:spLocks noGrp="1"/>
           </p:cNvSpPr>
@@ -271,8 +294,8 @@
         </p:nvSpPr>
         <p:spPr>
           <a:xfrm>
-            <a:off x="504000" y="3201480"/>
-            <a:ext cx="4426920" cy="1411200"/>
+            <a:off x="504000" y="3044520"/>
+            <a:ext cx="4426920" cy="1568520"/>
           </a:xfrm>
           <a:prstGeom prst="rect">
             <a:avLst/>
@@ -291,7 +314,7 @@
       </p:sp>
       <p:sp>
         <p:nvSpPr>
-          <p:cNvPr id="35" name="PlaceHolder 5"/>
+          <p:cNvPr id="32" name="PlaceHolder 5"/>
           <p:cNvSpPr>
             <a:spLocks noGrp="1"/>
           </p:cNvSpPr>
@@ -301,8 +324,8 @@
         </p:nvSpPr>
         <p:spPr>
           <a:xfrm>
-            <a:off x="5152680" y="3201480"/>
-            <a:ext cx="4426920" cy="1411200"/>
+            <a:off x="5152680" y="3044520"/>
+            <a:ext cx="4426920" cy="1568520"/>
           </a:xfrm>
           <a:prstGeom prst="rect">
             <a:avLst/>
@@ -343,7 +366,7 @@
       </p:grpSpPr>
       <p:sp>
         <p:nvSpPr>
-          <p:cNvPr id="36" name="PlaceHolder 1"/>
+          <p:cNvPr id="33" name="PlaceHolder 1"/>
           <p:cNvSpPr>
             <a:spLocks noGrp="1"/>
           </p:cNvSpPr>
@@ -354,7 +377,7 @@
         <p:spPr>
           <a:xfrm>
             <a:off x="504000" y="565560"/>
-            <a:ext cx="9071640" cy="946440"/>
+            <a:ext cx="9071280" cy="946080"/>
           </a:xfrm>
           <a:prstGeom prst="rect">
             <a:avLst/>
@@ -363,18 +386,16 @@
         <p:txBody>
           <a:bodyPr lIns="0" rIns="0" tIns="0" bIns="0" anchor="ctr"/>
           <a:p>
+            <a:pPr algn="ctr"/>
             <a:endParaRPr b="0" lang="pt-BR" sz="4400" spc="-1" strike="noStrike">
-              <a:solidFill>
-                <a:srgbClr val="c7243a"/>
-              </a:solidFill>
-              <a:latin typeface="Arial"/>
-            </a:endParaRPr>
-          </a:p>
-        </p:txBody>
-      </p:sp>
-      <p:sp>
-        <p:nvSpPr>
-          <p:cNvPr id="37" name="PlaceHolder 2"/>
+              <a:latin typeface="Arial"/>
+            </a:endParaRPr>
+          </a:p>
+        </p:txBody>
+      </p:sp>
+      <p:sp>
+        <p:nvSpPr>
+          <p:cNvPr id="34" name="PlaceHolder 2"/>
           <p:cNvSpPr>
             <a:spLocks noGrp="1"/>
           </p:cNvSpPr>
@@ -384,8 +405,8 @@
         </p:nvSpPr>
         <p:spPr>
           <a:xfrm>
-            <a:off x="504000" y="1656000"/>
-            <a:ext cx="2920680" cy="1411200"/>
+            <a:off x="504000" y="1326600"/>
+            <a:ext cx="2921040" cy="1568520"/>
           </a:xfrm>
           <a:prstGeom prst="rect">
             <a:avLst/>
@@ -404,7 +425,7 @@
       </p:sp>
       <p:sp>
         <p:nvSpPr>
-          <p:cNvPr id="38" name="PlaceHolder 3"/>
+          <p:cNvPr id="35" name="PlaceHolder 3"/>
           <p:cNvSpPr>
             <a:spLocks noGrp="1"/>
           </p:cNvSpPr>
@@ -414,8 +435,8 @@
         </p:nvSpPr>
         <p:spPr>
           <a:xfrm>
-            <a:off x="3571200" y="1656000"/>
-            <a:ext cx="2920680" cy="1411200"/>
+            <a:off x="3571560" y="1326600"/>
+            <a:ext cx="2921040" cy="1568520"/>
           </a:xfrm>
           <a:prstGeom prst="rect">
             <a:avLst/>
@@ -434,7 +455,7 @@
       </p:sp>
       <p:sp>
         <p:nvSpPr>
-          <p:cNvPr id="39" name="PlaceHolder 4"/>
+          <p:cNvPr id="36" name="PlaceHolder 4"/>
           <p:cNvSpPr>
             <a:spLocks noGrp="1"/>
           </p:cNvSpPr>
@@ -444,8 +465,8 @@
         </p:nvSpPr>
         <p:spPr>
           <a:xfrm>
-            <a:off x="6638040" y="1656000"/>
-            <a:ext cx="2920680" cy="1411200"/>
+            <a:off x="6639120" y="1326600"/>
+            <a:ext cx="2921040" cy="1568520"/>
           </a:xfrm>
           <a:prstGeom prst="rect">
             <a:avLst/>
@@ -464,7 +485,7 @@
       </p:sp>
       <p:sp>
         <p:nvSpPr>
-          <p:cNvPr id="40" name="PlaceHolder 5"/>
+          <p:cNvPr id="37" name="PlaceHolder 5"/>
           <p:cNvSpPr>
             <a:spLocks noGrp="1"/>
           </p:cNvSpPr>
@@ -474,8 +495,8 @@
         </p:nvSpPr>
         <p:spPr>
           <a:xfrm>
-            <a:off x="504000" y="3201480"/>
-            <a:ext cx="2920680" cy="1411200"/>
+            <a:off x="504000" y="3044520"/>
+            <a:ext cx="2921040" cy="1568520"/>
           </a:xfrm>
           <a:prstGeom prst="rect">
             <a:avLst/>
@@ -494,7 +515,7 @@
       </p:sp>
       <p:sp>
         <p:nvSpPr>
-          <p:cNvPr id="41" name="PlaceHolder 6"/>
+          <p:cNvPr id="38" name="PlaceHolder 6"/>
           <p:cNvSpPr>
             <a:spLocks noGrp="1"/>
           </p:cNvSpPr>
@@ -504,8 +525,8 @@
         </p:nvSpPr>
         <p:spPr>
           <a:xfrm>
-            <a:off x="3571200" y="3201480"/>
-            <a:ext cx="2920680" cy="1411200"/>
+            <a:off x="3571560" y="3044520"/>
+            <a:ext cx="2921040" cy="1568520"/>
           </a:xfrm>
           <a:prstGeom prst="rect">
             <a:avLst/>
@@ -524,7 +545,7 @@
       </p:sp>
       <p:sp>
         <p:nvSpPr>
-          <p:cNvPr id="42" name="PlaceHolder 7"/>
+          <p:cNvPr id="39" name="PlaceHolder 7"/>
           <p:cNvSpPr>
             <a:spLocks noGrp="1"/>
           </p:cNvSpPr>
@@ -534,8 +555,8 @@
         </p:nvSpPr>
         <p:spPr>
           <a:xfrm>
-            <a:off x="6638040" y="3201480"/>
-            <a:ext cx="2920680" cy="1411200"/>
+            <a:off x="6639120" y="3044520"/>
+            <a:ext cx="2921040" cy="1568520"/>
           </a:xfrm>
           <a:prstGeom prst="rect">
             <a:avLst/>
@@ -598,7 +619,7 @@
       </p:grpSpPr>
       <p:sp>
         <p:nvSpPr>
-          <p:cNvPr id="51" name="PlaceHolder 1"/>
+          <p:cNvPr id="47" name="PlaceHolder 1"/>
           <p:cNvSpPr>
             <a:spLocks noGrp="1"/>
           </p:cNvSpPr>
@@ -609,7 +630,7 @@
         <p:spPr>
           <a:xfrm>
             <a:off x="504000" y="565560"/>
-            <a:ext cx="9071640" cy="946440"/>
+            <a:ext cx="9071280" cy="946080"/>
           </a:xfrm>
           <a:prstGeom prst="rect">
             <a:avLst/>
@@ -618,18 +639,16 @@
         <p:txBody>
           <a:bodyPr lIns="0" rIns="0" tIns="0" bIns="0" anchor="ctr"/>
           <a:p>
+            <a:pPr algn="ctr"/>
             <a:endParaRPr b="0" lang="pt-BR" sz="4400" spc="-1" strike="noStrike">
-              <a:solidFill>
-                <a:srgbClr val="c7243a"/>
-              </a:solidFill>
-              <a:latin typeface="Arial"/>
-            </a:endParaRPr>
-          </a:p>
-        </p:txBody>
-      </p:sp>
-      <p:sp>
-        <p:nvSpPr>
-          <p:cNvPr id="52" name="PlaceHolder 2"/>
+              <a:latin typeface="Arial"/>
+            </a:endParaRPr>
+          </a:p>
+        </p:txBody>
+      </p:sp>
+      <p:sp>
+        <p:nvSpPr>
+          <p:cNvPr id="48" name="PlaceHolder 2"/>
           <p:cNvSpPr>
             <a:spLocks noGrp="1"/>
           </p:cNvSpPr>
@@ -639,8 +658,8 @@
         </p:nvSpPr>
         <p:spPr>
           <a:xfrm>
-            <a:off x="504000" y="1656000"/>
-            <a:ext cx="9071640" cy="2958840"/>
+            <a:off x="504000" y="1326600"/>
+            <a:ext cx="9072000" cy="3288600"/>
           </a:xfrm>
           <a:prstGeom prst="rect">
             <a:avLst/>
@@ -680,7 +699,7 @@
       </p:grpSpPr>
       <p:sp>
         <p:nvSpPr>
-          <p:cNvPr id="53" name="PlaceHolder 1"/>
+          <p:cNvPr id="49" name="PlaceHolder 1"/>
           <p:cNvSpPr>
             <a:spLocks noGrp="1"/>
           </p:cNvSpPr>
@@ -691,7 +710,7 @@
         <p:spPr>
           <a:xfrm>
             <a:off x="504000" y="565560"/>
-            <a:ext cx="9071640" cy="946440"/>
+            <a:ext cx="9071280" cy="946080"/>
           </a:xfrm>
           <a:prstGeom prst="rect">
             <a:avLst/>
@@ -700,18 +719,16 @@
         <p:txBody>
           <a:bodyPr lIns="0" rIns="0" tIns="0" bIns="0" anchor="ctr"/>
           <a:p>
+            <a:pPr algn="ctr"/>
             <a:endParaRPr b="0" lang="pt-BR" sz="4400" spc="-1" strike="noStrike">
-              <a:solidFill>
-                <a:srgbClr val="c7243a"/>
-              </a:solidFill>
-              <a:latin typeface="Arial"/>
-            </a:endParaRPr>
-          </a:p>
-        </p:txBody>
-      </p:sp>
-      <p:sp>
-        <p:nvSpPr>
-          <p:cNvPr id="54" name="PlaceHolder 2"/>
+              <a:latin typeface="Arial"/>
+            </a:endParaRPr>
+          </a:p>
+        </p:txBody>
+      </p:sp>
+      <p:sp>
+        <p:nvSpPr>
+          <p:cNvPr id="50" name="PlaceHolder 2"/>
           <p:cNvSpPr>
             <a:spLocks noGrp="1"/>
           </p:cNvSpPr>
@@ -721,8 +738,8 @@
         </p:nvSpPr>
         <p:spPr>
           <a:xfrm>
-            <a:off x="504000" y="1656000"/>
-            <a:ext cx="9071640" cy="2958840"/>
+            <a:off x="504000" y="1326600"/>
+            <a:ext cx="9072000" cy="3288600"/>
           </a:xfrm>
           <a:prstGeom prst="rect">
             <a:avLst/>
@@ -763,7 +780,7 @@
       </p:grpSpPr>
       <p:sp>
         <p:nvSpPr>
-          <p:cNvPr id="55" name="PlaceHolder 1"/>
+          <p:cNvPr id="51" name="PlaceHolder 1"/>
           <p:cNvSpPr>
             <a:spLocks noGrp="1"/>
           </p:cNvSpPr>
@@ -774,7 +791,7 @@
         <p:spPr>
           <a:xfrm>
             <a:off x="504000" y="565560"/>
-            <a:ext cx="9071640" cy="946440"/>
+            <a:ext cx="9071280" cy="946080"/>
           </a:xfrm>
           <a:prstGeom prst="rect">
             <a:avLst/>
@@ -783,18 +800,16 @@
         <p:txBody>
           <a:bodyPr lIns="0" rIns="0" tIns="0" bIns="0" anchor="ctr"/>
           <a:p>
+            <a:pPr algn="ctr"/>
             <a:endParaRPr b="0" lang="pt-BR" sz="4400" spc="-1" strike="noStrike">
-              <a:solidFill>
-                <a:srgbClr val="c7243a"/>
-              </a:solidFill>
-              <a:latin typeface="Arial"/>
-            </a:endParaRPr>
-          </a:p>
-        </p:txBody>
-      </p:sp>
-      <p:sp>
-        <p:nvSpPr>
-          <p:cNvPr id="56" name="PlaceHolder 2"/>
+              <a:latin typeface="Arial"/>
+            </a:endParaRPr>
+          </a:p>
+        </p:txBody>
+      </p:sp>
+      <p:sp>
+        <p:nvSpPr>
+          <p:cNvPr id="52" name="PlaceHolder 2"/>
           <p:cNvSpPr>
             <a:spLocks noGrp="1"/>
           </p:cNvSpPr>
@@ -804,8 +819,8 @@
         </p:nvSpPr>
         <p:spPr>
           <a:xfrm>
-            <a:off x="504000" y="1656000"/>
-            <a:ext cx="4426920" cy="2958840"/>
+            <a:off x="504000" y="1326600"/>
+            <a:ext cx="4426920" cy="3288600"/>
           </a:xfrm>
           <a:prstGeom prst="rect">
             <a:avLst/>
@@ -824,7 +839,7 @@
       </p:sp>
       <p:sp>
         <p:nvSpPr>
-          <p:cNvPr id="57" name="PlaceHolder 3"/>
+          <p:cNvPr id="53" name="PlaceHolder 3"/>
           <p:cNvSpPr>
             <a:spLocks noGrp="1"/>
           </p:cNvSpPr>
@@ -834,8 +849,8 @@
         </p:nvSpPr>
         <p:spPr>
           <a:xfrm>
-            <a:off x="5152680" y="1656000"/>
-            <a:ext cx="4426920" cy="2958840"/>
+            <a:off x="5152680" y="1326600"/>
+            <a:ext cx="4426920" cy="3288600"/>
           </a:xfrm>
           <a:prstGeom prst="rect">
             <a:avLst/>
@@ -876,7 +891,7 @@
       </p:grpSpPr>
       <p:sp>
         <p:nvSpPr>
-          <p:cNvPr id="58" name="PlaceHolder 1"/>
+          <p:cNvPr id="54" name="PlaceHolder 1"/>
           <p:cNvSpPr>
             <a:spLocks noGrp="1"/>
           </p:cNvSpPr>
@@ -887,7 +902,7 @@
         <p:spPr>
           <a:xfrm>
             <a:off x="504000" y="565560"/>
-            <a:ext cx="9071640" cy="946440"/>
+            <a:ext cx="9071280" cy="946080"/>
           </a:xfrm>
           <a:prstGeom prst="rect">
             <a:avLst/>
@@ -896,10 +911,8 @@
         <p:txBody>
           <a:bodyPr lIns="0" rIns="0" tIns="0" bIns="0" anchor="ctr"/>
           <a:p>
+            <a:pPr algn="ctr"/>
             <a:endParaRPr b="0" lang="pt-BR" sz="4400" spc="-1" strike="noStrike">
-              <a:solidFill>
-                <a:srgbClr val="c7243a"/>
-              </a:solidFill>
               <a:latin typeface="Arial"/>
             </a:endParaRPr>
           </a:p>
@@ -929,7 +942,7 @@
       </p:grpSpPr>
       <p:sp>
         <p:nvSpPr>
-          <p:cNvPr id="59" name="PlaceHolder 1"/>
+          <p:cNvPr id="55" name="PlaceHolder 1"/>
           <p:cNvSpPr>
             <a:spLocks noGrp="1"/>
           </p:cNvSpPr>
@@ -940,7 +953,7 @@
         <p:spPr>
           <a:xfrm>
             <a:off x="504000" y="565560"/>
-            <a:ext cx="9071640" cy="4388400"/>
+            <a:ext cx="9071280" cy="4386600"/>
           </a:xfrm>
           <a:prstGeom prst="rect">
             <a:avLst/>
@@ -980,7 +993,7 @@
       </p:grpSpPr>
       <p:sp>
         <p:nvSpPr>
-          <p:cNvPr id="60" name="PlaceHolder 1"/>
+          <p:cNvPr id="56" name="PlaceHolder 1"/>
           <p:cNvSpPr>
             <a:spLocks noGrp="1"/>
           </p:cNvSpPr>
@@ -991,7 +1004,7 @@
         <p:spPr>
           <a:xfrm>
             <a:off x="504000" y="565560"/>
-            <a:ext cx="9071640" cy="946440"/>
+            <a:ext cx="9071280" cy="946080"/>
           </a:xfrm>
           <a:prstGeom prst="rect">
             <a:avLst/>
@@ -1000,18 +1013,16 @@
         <p:txBody>
           <a:bodyPr lIns="0" rIns="0" tIns="0" bIns="0" anchor="ctr"/>
           <a:p>
+            <a:pPr algn="ctr"/>
             <a:endParaRPr b="0" lang="pt-BR" sz="4400" spc="-1" strike="noStrike">
-              <a:solidFill>
-                <a:srgbClr val="c7243a"/>
-              </a:solidFill>
-              <a:latin typeface="Arial"/>
-            </a:endParaRPr>
-          </a:p>
-        </p:txBody>
-      </p:sp>
-      <p:sp>
-        <p:nvSpPr>
-          <p:cNvPr id="61" name="PlaceHolder 2"/>
+              <a:latin typeface="Arial"/>
+            </a:endParaRPr>
+          </a:p>
+        </p:txBody>
+      </p:sp>
+      <p:sp>
+        <p:nvSpPr>
+          <p:cNvPr id="57" name="PlaceHolder 2"/>
           <p:cNvSpPr>
             <a:spLocks noGrp="1"/>
           </p:cNvSpPr>
@@ -1021,8 +1032,8 @@
         </p:nvSpPr>
         <p:spPr>
           <a:xfrm>
-            <a:off x="504000" y="1656000"/>
-            <a:ext cx="4426920" cy="1411200"/>
+            <a:off x="504000" y="1326600"/>
+            <a:ext cx="4426920" cy="1568520"/>
           </a:xfrm>
           <a:prstGeom prst="rect">
             <a:avLst/>
@@ -1041,7 +1052,7 @@
       </p:sp>
       <p:sp>
         <p:nvSpPr>
-          <p:cNvPr id="62" name="PlaceHolder 3"/>
+          <p:cNvPr id="58" name="PlaceHolder 3"/>
           <p:cNvSpPr>
             <a:spLocks noGrp="1"/>
           </p:cNvSpPr>
@@ -1051,8 +1062,8 @@
         </p:nvSpPr>
         <p:spPr>
           <a:xfrm>
-            <a:off x="5152680" y="1656000"/>
-            <a:ext cx="4426920" cy="2958840"/>
+            <a:off x="5152680" y="1326600"/>
+            <a:ext cx="4426920" cy="3288600"/>
           </a:xfrm>
           <a:prstGeom prst="rect">
             <a:avLst/>
@@ -1071,7 +1082,7 @@
       </p:sp>
       <p:sp>
         <p:nvSpPr>
-          <p:cNvPr id="63" name="PlaceHolder 4"/>
+          <p:cNvPr id="59" name="PlaceHolder 4"/>
           <p:cNvSpPr>
             <a:spLocks noGrp="1"/>
           </p:cNvSpPr>
@@ -1081,8 +1092,8 @@
         </p:nvSpPr>
         <p:spPr>
           <a:xfrm>
-            <a:off x="504000" y="3201480"/>
-            <a:ext cx="4426920" cy="1411200"/>
+            <a:off x="504000" y="3044520"/>
+            <a:ext cx="4426920" cy="1568520"/>
           </a:xfrm>
           <a:prstGeom prst="rect">
             <a:avLst/>
@@ -1123,7 +1134,7 @@
       </p:grpSpPr>
       <p:sp>
         <p:nvSpPr>
-          <p:cNvPr id="7" name="PlaceHolder 1"/>
+          <p:cNvPr id="4" name="PlaceHolder 1"/>
           <p:cNvSpPr>
             <a:spLocks noGrp="1"/>
           </p:cNvSpPr>
@@ -1134,7 +1145,7 @@
         <p:spPr>
           <a:xfrm>
             <a:off x="504000" y="565560"/>
-            <a:ext cx="9071640" cy="946440"/>
+            <a:ext cx="9071280" cy="946080"/>
           </a:xfrm>
           <a:prstGeom prst="rect">
             <a:avLst/>
@@ -1143,18 +1154,16 @@
         <p:txBody>
           <a:bodyPr lIns="0" rIns="0" tIns="0" bIns="0" anchor="ctr"/>
           <a:p>
+            <a:pPr algn="ctr"/>
             <a:endParaRPr b="0" lang="pt-BR" sz="4400" spc="-1" strike="noStrike">
-              <a:solidFill>
-                <a:srgbClr val="c7243a"/>
-              </a:solidFill>
-              <a:latin typeface="Arial"/>
-            </a:endParaRPr>
-          </a:p>
-        </p:txBody>
-      </p:sp>
-      <p:sp>
-        <p:nvSpPr>
-          <p:cNvPr id="8" name="PlaceHolder 2"/>
+              <a:latin typeface="Arial"/>
+            </a:endParaRPr>
+          </a:p>
+        </p:txBody>
+      </p:sp>
+      <p:sp>
+        <p:nvSpPr>
+          <p:cNvPr id="5" name="PlaceHolder 2"/>
           <p:cNvSpPr>
             <a:spLocks noGrp="1"/>
           </p:cNvSpPr>
@@ -1164,8 +1173,8 @@
         </p:nvSpPr>
         <p:spPr>
           <a:xfrm>
-            <a:off x="504000" y="1656000"/>
-            <a:ext cx="9071640" cy="2958840"/>
+            <a:off x="504000" y="1326600"/>
+            <a:ext cx="9072000" cy="3288600"/>
           </a:xfrm>
           <a:prstGeom prst="rect">
             <a:avLst/>
@@ -1205,7 +1214,7 @@
       </p:grpSpPr>
       <p:sp>
         <p:nvSpPr>
-          <p:cNvPr id="64" name="PlaceHolder 1"/>
+          <p:cNvPr id="60" name="PlaceHolder 1"/>
           <p:cNvSpPr>
             <a:spLocks noGrp="1"/>
           </p:cNvSpPr>
@@ -1216,7 +1225,7 @@
         <p:spPr>
           <a:xfrm>
             <a:off x="504000" y="565560"/>
-            <a:ext cx="9071640" cy="946440"/>
+            <a:ext cx="9071280" cy="946080"/>
           </a:xfrm>
           <a:prstGeom prst="rect">
             <a:avLst/>
@@ -1225,18 +1234,16 @@
         <p:txBody>
           <a:bodyPr lIns="0" rIns="0" tIns="0" bIns="0" anchor="ctr"/>
           <a:p>
+            <a:pPr algn="ctr"/>
             <a:endParaRPr b="0" lang="pt-BR" sz="4400" spc="-1" strike="noStrike">
-              <a:solidFill>
-                <a:srgbClr val="c7243a"/>
-              </a:solidFill>
-              <a:latin typeface="Arial"/>
-            </a:endParaRPr>
-          </a:p>
-        </p:txBody>
-      </p:sp>
-      <p:sp>
-        <p:nvSpPr>
-          <p:cNvPr id="65" name="PlaceHolder 2"/>
+              <a:latin typeface="Arial"/>
+            </a:endParaRPr>
+          </a:p>
+        </p:txBody>
+      </p:sp>
+      <p:sp>
+        <p:nvSpPr>
+          <p:cNvPr id="61" name="PlaceHolder 2"/>
           <p:cNvSpPr>
             <a:spLocks noGrp="1"/>
           </p:cNvSpPr>
@@ -1246,8 +1253,8 @@
         </p:nvSpPr>
         <p:spPr>
           <a:xfrm>
-            <a:off x="504000" y="1656000"/>
-            <a:ext cx="4426920" cy="2958840"/>
+            <a:off x="504000" y="1326600"/>
+            <a:ext cx="4426920" cy="3288600"/>
           </a:xfrm>
           <a:prstGeom prst="rect">
             <a:avLst/>
@@ -1266,7 +1273,7 @@
       </p:sp>
       <p:sp>
         <p:nvSpPr>
-          <p:cNvPr id="66" name="PlaceHolder 3"/>
+          <p:cNvPr id="62" name="PlaceHolder 3"/>
           <p:cNvSpPr>
             <a:spLocks noGrp="1"/>
           </p:cNvSpPr>
@@ -1276,8 +1283,8 @@
         </p:nvSpPr>
         <p:spPr>
           <a:xfrm>
-            <a:off x="5152680" y="1656000"/>
-            <a:ext cx="4426920" cy="1411200"/>
+            <a:off x="5152680" y="1326600"/>
+            <a:ext cx="4426920" cy="1568520"/>
           </a:xfrm>
           <a:prstGeom prst="rect">
             <a:avLst/>
@@ -1296,7 +1303,7 @@
       </p:sp>
       <p:sp>
         <p:nvSpPr>
-          <p:cNvPr id="67" name="PlaceHolder 4"/>
+          <p:cNvPr id="63" name="PlaceHolder 4"/>
           <p:cNvSpPr>
             <a:spLocks noGrp="1"/>
           </p:cNvSpPr>
@@ -1306,8 +1313,8 @@
         </p:nvSpPr>
         <p:spPr>
           <a:xfrm>
-            <a:off x="5152680" y="3201480"/>
-            <a:ext cx="4426920" cy="1411200"/>
+            <a:off x="5152680" y="3044520"/>
+            <a:ext cx="4426920" cy="1568520"/>
           </a:xfrm>
           <a:prstGeom prst="rect">
             <a:avLst/>
@@ -1348,7 +1355,7 @@
       </p:grpSpPr>
       <p:sp>
         <p:nvSpPr>
-          <p:cNvPr id="68" name="PlaceHolder 1"/>
+          <p:cNvPr id="64" name="PlaceHolder 1"/>
           <p:cNvSpPr>
             <a:spLocks noGrp="1"/>
           </p:cNvSpPr>
@@ -1359,7 +1366,7 @@
         <p:spPr>
           <a:xfrm>
             <a:off x="504000" y="565560"/>
-            <a:ext cx="9071640" cy="946440"/>
+            <a:ext cx="9071280" cy="946080"/>
           </a:xfrm>
           <a:prstGeom prst="rect">
             <a:avLst/>
@@ -1368,18 +1375,16 @@
         <p:txBody>
           <a:bodyPr lIns="0" rIns="0" tIns="0" bIns="0" anchor="ctr"/>
           <a:p>
+            <a:pPr algn="ctr"/>
             <a:endParaRPr b="0" lang="pt-BR" sz="4400" spc="-1" strike="noStrike">
-              <a:solidFill>
-                <a:srgbClr val="c7243a"/>
-              </a:solidFill>
-              <a:latin typeface="Arial"/>
-            </a:endParaRPr>
-          </a:p>
-        </p:txBody>
-      </p:sp>
-      <p:sp>
-        <p:nvSpPr>
-          <p:cNvPr id="69" name="PlaceHolder 2"/>
+              <a:latin typeface="Arial"/>
+            </a:endParaRPr>
+          </a:p>
+        </p:txBody>
+      </p:sp>
+      <p:sp>
+        <p:nvSpPr>
+          <p:cNvPr id="65" name="PlaceHolder 2"/>
           <p:cNvSpPr>
             <a:spLocks noGrp="1"/>
           </p:cNvSpPr>
@@ -1389,8 +1394,8 @@
         </p:nvSpPr>
         <p:spPr>
           <a:xfrm>
-            <a:off x="504000" y="1656000"/>
-            <a:ext cx="4426920" cy="1411200"/>
+            <a:off x="504000" y="1326600"/>
+            <a:ext cx="4426920" cy="1568520"/>
           </a:xfrm>
           <a:prstGeom prst="rect">
             <a:avLst/>
@@ -1409,7 +1414,7 @@
       </p:sp>
       <p:sp>
         <p:nvSpPr>
-          <p:cNvPr id="70" name="PlaceHolder 3"/>
+          <p:cNvPr id="66" name="PlaceHolder 3"/>
           <p:cNvSpPr>
             <a:spLocks noGrp="1"/>
           </p:cNvSpPr>
@@ -1419,8 +1424,8 @@
         </p:nvSpPr>
         <p:spPr>
           <a:xfrm>
-            <a:off x="5152680" y="1656000"/>
-            <a:ext cx="4426920" cy="1411200"/>
+            <a:off x="5152680" y="1326600"/>
+            <a:ext cx="4426920" cy="1568520"/>
           </a:xfrm>
           <a:prstGeom prst="rect">
             <a:avLst/>
@@ -1439,7 +1444,7 @@
       </p:sp>
       <p:sp>
         <p:nvSpPr>
-          <p:cNvPr id="71" name="PlaceHolder 4"/>
+          <p:cNvPr id="67" name="PlaceHolder 4"/>
           <p:cNvSpPr>
             <a:spLocks noGrp="1"/>
           </p:cNvSpPr>
@@ -1449,8 +1454,8 @@
         </p:nvSpPr>
         <p:spPr>
           <a:xfrm>
-            <a:off x="504000" y="3201480"/>
-            <a:ext cx="9071640" cy="1411200"/>
+            <a:off x="504000" y="3044520"/>
+            <a:ext cx="9072000" cy="1568520"/>
           </a:xfrm>
           <a:prstGeom prst="rect">
             <a:avLst/>
@@ -1491,7 +1496,7 @@
       </p:grpSpPr>
       <p:sp>
         <p:nvSpPr>
-          <p:cNvPr id="72" name="PlaceHolder 1"/>
+          <p:cNvPr id="68" name="PlaceHolder 1"/>
           <p:cNvSpPr>
             <a:spLocks noGrp="1"/>
           </p:cNvSpPr>
@@ -1502,7 +1507,7 @@
         <p:spPr>
           <a:xfrm>
             <a:off x="504000" y="565560"/>
-            <a:ext cx="9071640" cy="946440"/>
+            <a:ext cx="9071280" cy="946080"/>
           </a:xfrm>
           <a:prstGeom prst="rect">
             <a:avLst/>
@@ -1511,18 +1516,16 @@
         <p:txBody>
           <a:bodyPr lIns="0" rIns="0" tIns="0" bIns="0" anchor="ctr"/>
           <a:p>
+            <a:pPr algn="ctr"/>
             <a:endParaRPr b="0" lang="pt-BR" sz="4400" spc="-1" strike="noStrike">
-              <a:solidFill>
-                <a:srgbClr val="c7243a"/>
-              </a:solidFill>
-              <a:latin typeface="Arial"/>
-            </a:endParaRPr>
-          </a:p>
-        </p:txBody>
-      </p:sp>
-      <p:sp>
-        <p:nvSpPr>
-          <p:cNvPr id="73" name="PlaceHolder 2"/>
+              <a:latin typeface="Arial"/>
+            </a:endParaRPr>
+          </a:p>
+        </p:txBody>
+      </p:sp>
+      <p:sp>
+        <p:nvSpPr>
+          <p:cNvPr id="69" name="PlaceHolder 2"/>
           <p:cNvSpPr>
             <a:spLocks noGrp="1"/>
           </p:cNvSpPr>
@@ -1532,8 +1535,8 @@
         </p:nvSpPr>
         <p:spPr>
           <a:xfrm>
-            <a:off x="504000" y="1656000"/>
-            <a:ext cx="9071640" cy="1411200"/>
+            <a:off x="504000" y="1326600"/>
+            <a:ext cx="9072000" cy="1568520"/>
           </a:xfrm>
           <a:prstGeom prst="rect">
             <a:avLst/>
@@ -1552,7 +1555,7 @@
       </p:sp>
       <p:sp>
         <p:nvSpPr>
-          <p:cNvPr id="74" name="PlaceHolder 3"/>
+          <p:cNvPr id="70" name="PlaceHolder 3"/>
           <p:cNvSpPr>
             <a:spLocks noGrp="1"/>
           </p:cNvSpPr>
@@ -1562,8 +1565,8 @@
         </p:nvSpPr>
         <p:spPr>
           <a:xfrm>
-            <a:off x="504000" y="3201480"/>
-            <a:ext cx="9071640" cy="1411200"/>
+            <a:off x="504000" y="3044520"/>
+            <a:ext cx="9072000" cy="1568520"/>
           </a:xfrm>
           <a:prstGeom prst="rect">
             <a:avLst/>
@@ -1604,7 +1607,7 @@
       </p:grpSpPr>
       <p:sp>
         <p:nvSpPr>
-          <p:cNvPr id="75" name="PlaceHolder 1"/>
+          <p:cNvPr id="71" name="PlaceHolder 1"/>
           <p:cNvSpPr>
             <a:spLocks noGrp="1"/>
           </p:cNvSpPr>
@@ -1615,7 +1618,7 @@
         <p:spPr>
           <a:xfrm>
             <a:off x="504000" y="565560"/>
-            <a:ext cx="9071640" cy="946440"/>
+            <a:ext cx="9071280" cy="946080"/>
           </a:xfrm>
           <a:prstGeom prst="rect">
             <a:avLst/>
@@ -1624,18 +1627,16 @@
         <p:txBody>
           <a:bodyPr lIns="0" rIns="0" tIns="0" bIns="0" anchor="ctr"/>
           <a:p>
+            <a:pPr algn="ctr"/>
             <a:endParaRPr b="0" lang="pt-BR" sz="4400" spc="-1" strike="noStrike">
-              <a:solidFill>
-                <a:srgbClr val="c7243a"/>
-              </a:solidFill>
-              <a:latin typeface="Arial"/>
-            </a:endParaRPr>
-          </a:p>
-        </p:txBody>
-      </p:sp>
-      <p:sp>
-        <p:nvSpPr>
-          <p:cNvPr id="76" name="PlaceHolder 2"/>
+              <a:latin typeface="Arial"/>
+            </a:endParaRPr>
+          </a:p>
+        </p:txBody>
+      </p:sp>
+      <p:sp>
+        <p:nvSpPr>
+          <p:cNvPr id="72" name="PlaceHolder 2"/>
           <p:cNvSpPr>
             <a:spLocks noGrp="1"/>
           </p:cNvSpPr>
@@ -1645,8 +1646,8 @@
         </p:nvSpPr>
         <p:spPr>
           <a:xfrm>
-            <a:off x="504000" y="1656000"/>
-            <a:ext cx="4426920" cy="1411200"/>
+            <a:off x="504000" y="1326600"/>
+            <a:ext cx="4426920" cy="1568520"/>
           </a:xfrm>
           <a:prstGeom prst="rect">
             <a:avLst/>
@@ -1665,7 +1666,7 @@
       </p:sp>
       <p:sp>
         <p:nvSpPr>
-          <p:cNvPr id="77" name="PlaceHolder 3"/>
+          <p:cNvPr id="73" name="PlaceHolder 3"/>
           <p:cNvSpPr>
             <a:spLocks noGrp="1"/>
           </p:cNvSpPr>
@@ -1675,8 +1676,8 @@
         </p:nvSpPr>
         <p:spPr>
           <a:xfrm>
-            <a:off x="5152680" y="1656000"/>
-            <a:ext cx="4426920" cy="1411200"/>
+            <a:off x="5152680" y="1326600"/>
+            <a:ext cx="4426920" cy="1568520"/>
           </a:xfrm>
           <a:prstGeom prst="rect">
             <a:avLst/>
@@ -1695,7 +1696,7 @@
       </p:sp>
       <p:sp>
         <p:nvSpPr>
-          <p:cNvPr id="78" name="PlaceHolder 4"/>
+          <p:cNvPr id="74" name="PlaceHolder 4"/>
           <p:cNvSpPr>
             <a:spLocks noGrp="1"/>
           </p:cNvSpPr>
@@ -1705,8 +1706,8 @@
         </p:nvSpPr>
         <p:spPr>
           <a:xfrm>
-            <a:off x="504000" y="3201480"/>
-            <a:ext cx="4426920" cy="1411200"/>
+            <a:off x="504000" y="3044520"/>
+            <a:ext cx="4426920" cy="1568520"/>
           </a:xfrm>
           <a:prstGeom prst="rect">
             <a:avLst/>
@@ -1725,7 +1726,7 @@
       </p:sp>
       <p:sp>
         <p:nvSpPr>
-          <p:cNvPr id="79" name="PlaceHolder 5"/>
+          <p:cNvPr id="75" name="PlaceHolder 5"/>
           <p:cNvSpPr>
             <a:spLocks noGrp="1"/>
           </p:cNvSpPr>
@@ -1735,8 +1736,8 @@
         </p:nvSpPr>
         <p:spPr>
           <a:xfrm>
-            <a:off x="5152680" y="3201480"/>
-            <a:ext cx="4426920" cy="1411200"/>
+            <a:off x="5152680" y="3044520"/>
+            <a:ext cx="4426920" cy="1568520"/>
           </a:xfrm>
           <a:prstGeom prst="rect">
             <a:avLst/>
@@ -1777,7 +1778,7 @@
       </p:grpSpPr>
       <p:sp>
         <p:nvSpPr>
-          <p:cNvPr id="80" name="PlaceHolder 1"/>
+          <p:cNvPr id="76" name="PlaceHolder 1"/>
           <p:cNvSpPr>
             <a:spLocks noGrp="1"/>
           </p:cNvSpPr>
@@ -1788,7 +1789,7 @@
         <p:spPr>
           <a:xfrm>
             <a:off x="504000" y="565560"/>
-            <a:ext cx="9071640" cy="946440"/>
+            <a:ext cx="9071280" cy="946080"/>
           </a:xfrm>
           <a:prstGeom prst="rect">
             <a:avLst/>
@@ -1797,18 +1798,16 @@
         <p:txBody>
           <a:bodyPr lIns="0" rIns="0" tIns="0" bIns="0" anchor="ctr"/>
           <a:p>
+            <a:pPr algn="ctr"/>
             <a:endParaRPr b="0" lang="pt-BR" sz="4400" spc="-1" strike="noStrike">
-              <a:solidFill>
-                <a:srgbClr val="c7243a"/>
-              </a:solidFill>
-              <a:latin typeface="Arial"/>
-            </a:endParaRPr>
-          </a:p>
-        </p:txBody>
-      </p:sp>
-      <p:sp>
-        <p:nvSpPr>
-          <p:cNvPr id="81" name="PlaceHolder 2"/>
+              <a:latin typeface="Arial"/>
+            </a:endParaRPr>
+          </a:p>
+        </p:txBody>
+      </p:sp>
+      <p:sp>
+        <p:nvSpPr>
+          <p:cNvPr id="77" name="PlaceHolder 2"/>
           <p:cNvSpPr>
             <a:spLocks noGrp="1"/>
           </p:cNvSpPr>
@@ -1818,8 +1817,8 @@
         </p:nvSpPr>
         <p:spPr>
           <a:xfrm>
-            <a:off x="504000" y="1656000"/>
-            <a:ext cx="2920680" cy="1411200"/>
+            <a:off x="504000" y="1326600"/>
+            <a:ext cx="2921040" cy="1568520"/>
           </a:xfrm>
           <a:prstGeom prst="rect">
             <a:avLst/>
@@ -1838,7 +1837,7 @@
       </p:sp>
       <p:sp>
         <p:nvSpPr>
-          <p:cNvPr id="82" name="PlaceHolder 3"/>
+          <p:cNvPr id="78" name="PlaceHolder 3"/>
           <p:cNvSpPr>
             <a:spLocks noGrp="1"/>
           </p:cNvSpPr>
@@ -1848,8 +1847,8 @@
         </p:nvSpPr>
         <p:spPr>
           <a:xfrm>
-            <a:off x="3571200" y="1656000"/>
-            <a:ext cx="2920680" cy="1411200"/>
+            <a:off x="3571560" y="1326600"/>
+            <a:ext cx="2921040" cy="1568520"/>
           </a:xfrm>
           <a:prstGeom prst="rect">
             <a:avLst/>
@@ -1868,7 +1867,7 @@
       </p:sp>
       <p:sp>
         <p:nvSpPr>
-          <p:cNvPr id="83" name="PlaceHolder 4"/>
+          <p:cNvPr id="79" name="PlaceHolder 4"/>
           <p:cNvSpPr>
             <a:spLocks noGrp="1"/>
           </p:cNvSpPr>
@@ -1878,8 +1877,8 @@
         </p:nvSpPr>
         <p:spPr>
           <a:xfrm>
-            <a:off x="6638040" y="1656000"/>
-            <a:ext cx="2920680" cy="1411200"/>
+            <a:off x="6639120" y="1326600"/>
+            <a:ext cx="2921040" cy="1568520"/>
           </a:xfrm>
           <a:prstGeom prst="rect">
             <a:avLst/>
@@ -1898,7 +1897,7 @@
       </p:sp>
       <p:sp>
         <p:nvSpPr>
-          <p:cNvPr id="84" name="PlaceHolder 5"/>
+          <p:cNvPr id="80" name="PlaceHolder 5"/>
           <p:cNvSpPr>
             <a:spLocks noGrp="1"/>
           </p:cNvSpPr>
@@ -1908,8 +1907,8 @@
         </p:nvSpPr>
         <p:spPr>
           <a:xfrm>
-            <a:off x="504000" y="3201480"/>
-            <a:ext cx="2920680" cy="1411200"/>
+            <a:off x="504000" y="3044520"/>
+            <a:ext cx="2921040" cy="1568520"/>
           </a:xfrm>
           <a:prstGeom prst="rect">
             <a:avLst/>
@@ -1928,7 +1927,7 @@
       </p:sp>
       <p:sp>
         <p:nvSpPr>
-          <p:cNvPr id="85" name="PlaceHolder 6"/>
+          <p:cNvPr id="81" name="PlaceHolder 6"/>
           <p:cNvSpPr>
             <a:spLocks noGrp="1"/>
           </p:cNvSpPr>
@@ -1938,8 +1937,8 @@
         </p:nvSpPr>
         <p:spPr>
           <a:xfrm>
-            <a:off x="3571200" y="3201480"/>
-            <a:ext cx="2920680" cy="1411200"/>
+            <a:off x="3571560" y="3044520"/>
+            <a:ext cx="2921040" cy="1568520"/>
           </a:xfrm>
           <a:prstGeom prst="rect">
             <a:avLst/>
@@ -1958,7 +1957,7 @@
       </p:sp>
       <p:sp>
         <p:nvSpPr>
-          <p:cNvPr id="86" name="PlaceHolder 7"/>
+          <p:cNvPr id="82" name="PlaceHolder 7"/>
           <p:cNvSpPr>
             <a:spLocks noGrp="1"/>
           </p:cNvSpPr>
@@ -1968,8 +1967,8 @@
         </p:nvSpPr>
         <p:spPr>
           <a:xfrm>
-            <a:off x="6638040" y="3201480"/>
-            <a:ext cx="2920680" cy="1411200"/>
+            <a:off x="6639120" y="3044520"/>
+            <a:ext cx="2921040" cy="1568520"/>
           </a:xfrm>
           <a:prstGeom prst="rect">
             <a:avLst/>
@@ -2010,7 +2009,7 @@
       </p:grpSpPr>
       <p:sp>
         <p:nvSpPr>
-          <p:cNvPr id="9" name="PlaceHolder 1"/>
+          <p:cNvPr id="6" name="PlaceHolder 1"/>
           <p:cNvSpPr>
             <a:spLocks noGrp="1"/>
           </p:cNvSpPr>
@@ -2021,7 +2020,7 @@
         <p:spPr>
           <a:xfrm>
             <a:off x="504000" y="565560"/>
-            <a:ext cx="9071640" cy="946440"/>
+            <a:ext cx="9071280" cy="946080"/>
           </a:xfrm>
           <a:prstGeom prst="rect">
             <a:avLst/>
@@ -2030,18 +2029,16 @@
         <p:txBody>
           <a:bodyPr lIns="0" rIns="0" tIns="0" bIns="0" anchor="ctr"/>
           <a:p>
+            <a:pPr algn="ctr"/>
             <a:endParaRPr b="0" lang="pt-BR" sz="4400" spc="-1" strike="noStrike">
-              <a:solidFill>
-                <a:srgbClr val="c7243a"/>
-              </a:solidFill>
-              <a:latin typeface="Arial"/>
-            </a:endParaRPr>
-          </a:p>
-        </p:txBody>
-      </p:sp>
-      <p:sp>
-        <p:nvSpPr>
-          <p:cNvPr id="10" name="PlaceHolder 2"/>
+              <a:latin typeface="Arial"/>
+            </a:endParaRPr>
+          </a:p>
+        </p:txBody>
+      </p:sp>
+      <p:sp>
+        <p:nvSpPr>
+          <p:cNvPr id="7" name="PlaceHolder 2"/>
           <p:cNvSpPr>
             <a:spLocks noGrp="1"/>
           </p:cNvSpPr>
@@ -2051,8 +2048,8 @@
         </p:nvSpPr>
         <p:spPr>
           <a:xfrm>
-            <a:off x="504000" y="1656000"/>
-            <a:ext cx="9071640" cy="2958840"/>
+            <a:off x="504000" y="1326600"/>
+            <a:ext cx="9072000" cy="3288600"/>
           </a:xfrm>
           <a:prstGeom prst="rect">
             <a:avLst/>
@@ -2093,7 +2090,7 @@
       </p:grpSpPr>
       <p:sp>
         <p:nvSpPr>
-          <p:cNvPr id="11" name="PlaceHolder 1"/>
+          <p:cNvPr id="8" name="PlaceHolder 1"/>
           <p:cNvSpPr>
             <a:spLocks noGrp="1"/>
           </p:cNvSpPr>
@@ -2104,7 +2101,7 @@
         <p:spPr>
           <a:xfrm>
             <a:off x="504000" y="565560"/>
-            <a:ext cx="9071640" cy="946440"/>
+            <a:ext cx="9071280" cy="946080"/>
           </a:xfrm>
           <a:prstGeom prst="rect">
             <a:avLst/>
@@ -2113,18 +2110,16 @@
         <p:txBody>
           <a:bodyPr lIns="0" rIns="0" tIns="0" bIns="0" anchor="ctr"/>
           <a:p>
+            <a:pPr algn="ctr"/>
             <a:endParaRPr b="0" lang="pt-BR" sz="4400" spc="-1" strike="noStrike">
-              <a:solidFill>
-                <a:srgbClr val="c7243a"/>
-              </a:solidFill>
-              <a:latin typeface="Arial"/>
-            </a:endParaRPr>
-          </a:p>
-        </p:txBody>
-      </p:sp>
-      <p:sp>
-        <p:nvSpPr>
-          <p:cNvPr id="12" name="PlaceHolder 2"/>
+              <a:latin typeface="Arial"/>
+            </a:endParaRPr>
+          </a:p>
+        </p:txBody>
+      </p:sp>
+      <p:sp>
+        <p:nvSpPr>
+          <p:cNvPr id="9" name="PlaceHolder 2"/>
           <p:cNvSpPr>
             <a:spLocks noGrp="1"/>
           </p:cNvSpPr>
@@ -2134,8 +2129,8 @@
         </p:nvSpPr>
         <p:spPr>
           <a:xfrm>
-            <a:off x="504000" y="1656000"/>
-            <a:ext cx="4426920" cy="2958840"/>
+            <a:off x="504000" y="1326600"/>
+            <a:ext cx="4426920" cy="3288600"/>
           </a:xfrm>
           <a:prstGeom prst="rect">
             <a:avLst/>
@@ -2154,7 +2149,7 @@
       </p:sp>
       <p:sp>
         <p:nvSpPr>
-          <p:cNvPr id="13" name="PlaceHolder 3"/>
+          <p:cNvPr id="10" name="PlaceHolder 3"/>
           <p:cNvSpPr>
             <a:spLocks noGrp="1"/>
           </p:cNvSpPr>
@@ -2164,8 +2159,8 @@
         </p:nvSpPr>
         <p:spPr>
           <a:xfrm>
-            <a:off x="5152680" y="1656000"/>
-            <a:ext cx="4426920" cy="2958840"/>
+            <a:off x="5152680" y="1326600"/>
+            <a:ext cx="4426920" cy="3288600"/>
           </a:xfrm>
           <a:prstGeom prst="rect">
             <a:avLst/>
@@ -2206,7 +2201,7 @@
       </p:grpSpPr>
       <p:sp>
         <p:nvSpPr>
-          <p:cNvPr id="14" name="PlaceHolder 1"/>
+          <p:cNvPr id="11" name="PlaceHolder 1"/>
           <p:cNvSpPr>
             <a:spLocks noGrp="1"/>
           </p:cNvSpPr>
@@ -2217,7 +2212,7 @@
         <p:spPr>
           <a:xfrm>
             <a:off x="504000" y="565560"/>
-            <a:ext cx="9071640" cy="946440"/>
+            <a:ext cx="9071280" cy="946080"/>
           </a:xfrm>
           <a:prstGeom prst="rect">
             <a:avLst/>
@@ -2226,10 +2221,8 @@
         <p:txBody>
           <a:bodyPr lIns="0" rIns="0" tIns="0" bIns="0" anchor="ctr"/>
           <a:p>
+            <a:pPr algn="ctr"/>
             <a:endParaRPr b="0" lang="pt-BR" sz="4400" spc="-1" strike="noStrike">
-              <a:solidFill>
-                <a:srgbClr val="c7243a"/>
-              </a:solidFill>
               <a:latin typeface="Arial"/>
             </a:endParaRPr>
           </a:p>
@@ -2259,7 +2252,7 @@
       </p:grpSpPr>
       <p:sp>
         <p:nvSpPr>
-          <p:cNvPr id="15" name="PlaceHolder 1"/>
+          <p:cNvPr id="12" name="PlaceHolder 1"/>
           <p:cNvSpPr>
             <a:spLocks noGrp="1"/>
           </p:cNvSpPr>
@@ -2270,7 +2263,7 @@
         <p:spPr>
           <a:xfrm>
             <a:off x="504000" y="565560"/>
-            <a:ext cx="9071640" cy="4388400"/>
+            <a:ext cx="9071280" cy="4386600"/>
           </a:xfrm>
           <a:prstGeom prst="rect">
             <a:avLst/>
@@ -2310,7 +2303,7 @@
       </p:grpSpPr>
       <p:sp>
         <p:nvSpPr>
-          <p:cNvPr id="16" name="PlaceHolder 1"/>
+          <p:cNvPr id="13" name="PlaceHolder 1"/>
           <p:cNvSpPr>
             <a:spLocks noGrp="1"/>
           </p:cNvSpPr>
@@ -2321,7 +2314,7 @@
         <p:spPr>
           <a:xfrm>
             <a:off x="504000" y="565560"/>
-            <a:ext cx="9071640" cy="946440"/>
+            <a:ext cx="9071280" cy="946080"/>
           </a:xfrm>
           <a:prstGeom prst="rect">
             <a:avLst/>
@@ -2330,18 +2323,16 @@
         <p:txBody>
           <a:bodyPr lIns="0" rIns="0" tIns="0" bIns="0" anchor="ctr"/>
           <a:p>
+            <a:pPr algn="ctr"/>
             <a:endParaRPr b="0" lang="pt-BR" sz="4400" spc="-1" strike="noStrike">
-              <a:solidFill>
-                <a:srgbClr val="c7243a"/>
-              </a:solidFill>
-              <a:latin typeface="Arial"/>
-            </a:endParaRPr>
-          </a:p>
-        </p:txBody>
-      </p:sp>
-      <p:sp>
-        <p:nvSpPr>
-          <p:cNvPr id="17" name="PlaceHolder 2"/>
+              <a:latin typeface="Arial"/>
+            </a:endParaRPr>
+          </a:p>
+        </p:txBody>
+      </p:sp>
+      <p:sp>
+        <p:nvSpPr>
+          <p:cNvPr id="14" name="PlaceHolder 2"/>
           <p:cNvSpPr>
             <a:spLocks noGrp="1"/>
           </p:cNvSpPr>
@@ -2351,8 +2342,8 @@
         </p:nvSpPr>
         <p:spPr>
           <a:xfrm>
-            <a:off x="504000" y="1656000"/>
-            <a:ext cx="4426920" cy="1411200"/>
+            <a:off x="504000" y="1326600"/>
+            <a:ext cx="4426920" cy="1568520"/>
           </a:xfrm>
           <a:prstGeom prst="rect">
             <a:avLst/>
@@ -2371,7 +2362,7 @@
       </p:sp>
       <p:sp>
         <p:nvSpPr>
-          <p:cNvPr id="18" name="PlaceHolder 3"/>
+          <p:cNvPr id="15" name="PlaceHolder 3"/>
           <p:cNvSpPr>
             <a:spLocks noGrp="1"/>
           </p:cNvSpPr>
@@ -2381,8 +2372,8 @@
         </p:nvSpPr>
         <p:spPr>
           <a:xfrm>
-            <a:off x="5152680" y="1656000"/>
-            <a:ext cx="4426920" cy="2958840"/>
+            <a:off x="5152680" y="1326600"/>
+            <a:ext cx="4426920" cy="3288600"/>
           </a:xfrm>
           <a:prstGeom prst="rect">
             <a:avLst/>
@@ -2401,7 +2392,7 @@
       </p:sp>
       <p:sp>
         <p:nvSpPr>
-          <p:cNvPr id="19" name="PlaceHolder 4"/>
+          <p:cNvPr id="16" name="PlaceHolder 4"/>
           <p:cNvSpPr>
             <a:spLocks noGrp="1"/>
           </p:cNvSpPr>
@@ -2411,8 +2402,8 @@
         </p:nvSpPr>
         <p:spPr>
           <a:xfrm>
-            <a:off x="504000" y="3201480"/>
-            <a:ext cx="4426920" cy="1411200"/>
+            <a:off x="504000" y="3044520"/>
+            <a:ext cx="4426920" cy="1568520"/>
           </a:xfrm>
           <a:prstGeom prst="rect">
             <a:avLst/>
@@ -2453,7 +2444,7 @@
       </p:grpSpPr>
       <p:sp>
         <p:nvSpPr>
-          <p:cNvPr id="20" name="PlaceHolder 1"/>
+          <p:cNvPr id="17" name="PlaceHolder 1"/>
           <p:cNvSpPr>
             <a:spLocks noGrp="1"/>
           </p:cNvSpPr>
@@ -2464,7 +2455,7 @@
         <p:spPr>
           <a:xfrm>
             <a:off x="504000" y="565560"/>
-            <a:ext cx="9071640" cy="946440"/>
+            <a:ext cx="9071280" cy="946080"/>
           </a:xfrm>
           <a:prstGeom prst="rect">
             <a:avLst/>
@@ -2473,18 +2464,16 @@
         <p:txBody>
           <a:bodyPr lIns="0" rIns="0" tIns="0" bIns="0" anchor="ctr"/>
           <a:p>
+            <a:pPr algn="ctr"/>
             <a:endParaRPr b="0" lang="pt-BR" sz="4400" spc="-1" strike="noStrike">
-              <a:solidFill>
-                <a:srgbClr val="c7243a"/>
-              </a:solidFill>
-              <a:latin typeface="Arial"/>
-            </a:endParaRPr>
-          </a:p>
-        </p:txBody>
-      </p:sp>
-      <p:sp>
-        <p:nvSpPr>
-          <p:cNvPr id="21" name="PlaceHolder 2"/>
+              <a:latin typeface="Arial"/>
+            </a:endParaRPr>
+          </a:p>
+        </p:txBody>
+      </p:sp>
+      <p:sp>
+        <p:nvSpPr>
+          <p:cNvPr id="18" name="PlaceHolder 2"/>
           <p:cNvSpPr>
             <a:spLocks noGrp="1"/>
           </p:cNvSpPr>
@@ -2494,8 +2483,8 @@
         </p:nvSpPr>
         <p:spPr>
           <a:xfrm>
-            <a:off x="504000" y="1656000"/>
-            <a:ext cx="4426920" cy="2958840"/>
+            <a:off x="504000" y="1326600"/>
+            <a:ext cx="4426920" cy="3288600"/>
           </a:xfrm>
           <a:prstGeom prst="rect">
             <a:avLst/>
@@ -2514,7 +2503,7 @@
       </p:sp>
       <p:sp>
         <p:nvSpPr>
-          <p:cNvPr id="22" name="PlaceHolder 3"/>
+          <p:cNvPr id="19" name="PlaceHolder 3"/>
           <p:cNvSpPr>
             <a:spLocks noGrp="1"/>
           </p:cNvSpPr>
@@ -2524,8 +2513,8 @@
         </p:nvSpPr>
         <p:spPr>
           <a:xfrm>
-            <a:off x="5152680" y="1656000"/>
-            <a:ext cx="4426920" cy="1411200"/>
+            <a:off x="5152680" y="1326600"/>
+            <a:ext cx="4426920" cy="1568520"/>
           </a:xfrm>
           <a:prstGeom prst="rect">
             <a:avLst/>
@@ -2544,7 +2533,7 @@
       </p:sp>
       <p:sp>
         <p:nvSpPr>
-          <p:cNvPr id="23" name="PlaceHolder 4"/>
+          <p:cNvPr id="20" name="PlaceHolder 4"/>
           <p:cNvSpPr>
             <a:spLocks noGrp="1"/>
           </p:cNvSpPr>
@@ -2554,8 +2543,8 @@
         </p:nvSpPr>
         <p:spPr>
           <a:xfrm>
-            <a:off x="5152680" y="3201480"/>
-            <a:ext cx="4426920" cy="1411200"/>
+            <a:off x="5152680" y="3044520"/>
+            <a:ext cx="4426920" cy="1568520"/>
           </a:xfrm>
           <a:prstGeom prst="rect">
             <a:avLst/>
@@ -2596,7 +2585,7 @@
       </p:grpSpPr>
       <p:sp>
         <p:nvSpPr>
-          <p:cNvPr id="24" name="PlaceHolder 1"/>
+          <p:cNvPr id="21" name="PlaceHolder 1"/>
           <p:cNvSpPr>
             <a:spLocks noGrp="1"/>
           </p:cNvSpPr>
@@ -2607,7 +2596,7 @@
         <p:spPr>
           <a:xfrm>
             <a:off x="504000" y="565560"/>
-            <a:ext cx="9071640" cy="946440"/>
+            <a:ext cx="9071280" cy="946080"/>
           </a:xfrm>
           <a:prstGeom prst="rect">
             <a:avLst/>
@@ -2616,18 +2605,16 @@
         <p:txBody>
           <a:bodyPr lIns="0" rIns="0" tIns="0" bIns="0" anchor="ctr"/>
           <a:p>
+            <a:pPr algn="ctr"/>
             <a:endParaRPr b="0" lang="pt-BR" sz="4400" spc="-1" strike="noStrike">
-              <a:solidFill>
-                <a:srgbClr val="c7243a"/>
-              </a:solidFill>
-              <a:latin typeface="Arial"/>
-            </a:endParaRPr>
-          </a:p>
-        </p:txBody>
-      </p:sp>
-      <p:sp>
-        <p:nvSpPr>
-          <p:cNvPr id="25" name="PlaceHolder 2"/>
+              <a:latin typeface="Arial"/>
+            </a:endParaRPr>
+          </a:p>
+        </p:txBody>
+      </p:sp>
+      <p:sp>
+        <p:nvSpPr>
+          <p:cNvPr id="22" name="PlaceHolder 2"/>
           <p:cNvSpPr>
             <a:spLocks noGrp="1"/>
           </p:cNvSpPr>
@@ -2637,8 +2624,8 @@
         </p:nvSpPr>
         <p:spPr>
           <a:xfrm>
-            <a:off x="504000" y="1656000"/>
-            <a:ext cx="4426920" cy="1411200"/>
+            <a:off x="504000" y="1326600"/>
+            <a:ext cx="4426920" cy="1568520"/>
           </a:xfrm>
           <a:prstGeom prst="rect">
             <a:avLst/>
@@ -2657,7 +2644,7 @@
       </p:sp>
       <p:sp>
         <p:nvSpPr>
-          <p:cNvPr id="26" name="PlaceHolder 3"/>
+          <p:cNvPr id="23" name="PlaceHolder 3"/>
           <p:cNvSpPr>
             <a:spLocks noGrp="1"/>
           </p:cNvSpPr>
@@ -2667,8 +2654,8 @@
         </p:nvSpPr>
         <p:spPr>
           <a:xfrm>
-            <a:off x="5152680" y="1656000"/>
-            <a:ext cx="4426920" cy="1411200"/>
+            <a:off x="5152680" y="1326600"/>
+            <a:ext cx="4426920" cy="1568520"/>
           </a:xfrm>
           <a:prstGeom prst="rect">
             <a:avLst/>
@@ -2687,7 +2674,7 @@
       </p:sp>
       <p:sp>
         <p:nvSpPr>
-          <p:cNvPr id="27" name="PlaceHolder 4"/>
+          <p:cNvPr id="24" name="PlaceHolder 4"/>
           <p:cNvSpPr>
             <a:spLocks noGrp="1"/>
           </p:cNvSpPr>
@@ -2697,8 +2684,8 @@
         </p:nvSpPr>
         <p:spPr>
           <a:xfrm>
-            <a:off x="504000" y="3201480"/>
-            <a:ext cx="9071640" cy="1411200"/>
+            <a:off x="504000" y="3044520"/>
+            <a:ext cx="9072000" cy="1568520"/>
           </a:xfrm>
           <a:prstGeom prst="rect">
             <a:avLst/>
@@ -2750,7 +2737,7 @@
         <p:spPr>
           <a:xfrm>
             <a:off x="0" y="5104800"/>
-            <a:ext cx="10080000" cy="581040"/>
+            <a:ext cx="10079640" cy="580680"/>
           </a:xfrm>
           <a:prstGeom prst="rect">
             <a:avLst/>
@@ -2760,9 +2747,32 @@
           </a:ln>
         </p:spPr>
       </p:pic>
-      <p:sp>
-        <p:nvSpPr>
-          <p:cNvPr id="1" name="PlaceHolder 1"/>
+      <p:pic>
+        <p:nvPicPr>
+          <p:cNvPr id="1" name="" descr=""/>
+          <p:cNvPicPr/>
+          <p:nvPr/>
+        </p:nvPicPr>
+        <p:blipFill>
+          <a:blip r:embed="rId3"/>
+          <a:stretch/>
+        </p:blipFill>
+        <p:spPr>
+          <a:xfrm>
+            <a:off x="0" y="0"/>
+            <a:ext cx="10079640" cy="323640"/>
+          </a:xfrm>
+          <a:prstGeom prst="rect">
+            <a:avLst/>
+          </a:prstGeom>
+          <a:ln>
+            <a:noFill/>
+          </a:ln>
+        </p:spPr>
+      </p:pic>
+      <p:sp>
+        <p:nvSpPr>
+          <p:cNvPr id="2" name="PlaceHolder 1"/>
           <p:cNvSpPr>
             <a:spLocks noGrp="1"/>
           </p:cNvSpPr>
@@ -2772,37 +2782,31 @@
         </p:nvSpPr>
         <p:spPr>
           <a:xfrm>
-            <a:off x="0" y="648000"/>
-            <a:ext cx="9071640" cy="2736000"/>
-          </a:xfrm>
-          <a:prstGeom prst="rect">
-            <a:avLst/>
-          </a:prstGeom>
-        </p:spPr>
-        <p:txBody>
-          <a:bodyPr lIns="72000" rIns="0" tIns="0" bIns="0" anchor="ctr"/>
+            <a:off x="504000" y="565560"/>
+            <a:ext cx="9071280" cy="946080"/>
+          </a:xfrm>
+          <a:prstGeom prst="rect">
+            <a:avLst/>
+          </a:prstGeom>
+        </p:spPr>
+        <p:txBody>
+          <a:bodyPr lIns="0" rIns="0" tIns="0" bIns="0" anchor="ctr"/>
           <a:p>
             <a:r>
-              <a:rPr b="0" lang="pt-BR" sz="4400" spc="-1" strike="noStrike">
-                <a:solidFill>
-                  <a:srgbClr val="ffffff"/>
-                </a:solidFill>
+              <a:rPr b="0" lang="pt-BR" sz="1800" spc="-1" strike="noStrike">
                 <a:latin typeface="Arial"/>
               </a:rPr>
               <a:t>Clique para editar o formato do texto do título</a:t>
             </a:r>
-            <a:endParaRPr b="0" lang="pt-BR" sz="4400" spc="-1" strike="noStrike">
-              <a:solidFill>
-                <a:srgbClr val="ffffff"/>
-              </a:solidFill>
-              <a:latin typeface="Arial"/>
-            </a:endParaRPr>
-          </a:p>
-        </p:txBody>
-      </p:sp>
-      <p:sp>
-        <p:nvSpPr>
-          <p:cNvPr id="2" name="PlaceHolder 2"/>
+            <a:endParaRPr b="0" lang="pt-BR" sz="1800" spc="-1" strike="noStrike">
+              <a:latin typeface="Arial"/>
+            </a:endParaRPr>
+          </a:p>
+        </p:txBody>
+      </p:sp>
+      <p:sp>
+        <p:nvSpPr>
+          <p:cNvPr id="3" name="PlaceHolder 2"/>
           <p:cNvSpPr>
             <a:spLocks noGrp="1"/>
           </p:cNvSpPr>
@@ -2812,8 +2816,8 @@
         </p:nvSpPr>
         <p:spPr>
           <a:xfrm>
-            <a:off x="3816000" y="3600000"/>
-            <a:ext cx="5255640" cy="1296000"/>
+            <a:off x="504000" y="1326600"/>
+            <a:ext cx="9072000" cy="3288600"/>
           </a:xfrm>
           <a:prstGeom prst="rect">
             <a:avLst/>
@@ -2825,9 +2829,59 @@
           </a:bodyPr>
           <a:p>
             <a:pPr marL="432000" indent="-324000">
-              <a:spcAft>
-                <a:spcPts val="1063"/>
-              </a:spcAft>
+              <a:spcBef>
+                <a:spcPts val="1417"/>
+              </a:spcBef>
+              <a:buClr>
+                <a:srgbClr val="000000"/>
+              </a:buClr>
+              <a:buSzPct val="45000"/>
+              <a:buFont typeface="Wingdings" charset="2"/>
+              <a:buChar char=""/>
+            </a:pPr>
+            <a:r>
+              <a:rPr b="0" lang="pt-BR" sz="3200" spc="-1" strike="noStrike">
+                <a:latin typeface="Arial"/>
+              </a:rPr>
+              <a:t>Clique para editar o formato do texto da </a:t>
+            </a:r>
+            <a:r>
+              <a:rPr b="0" lang="pt-BR" sz="3200" spc="-1" strike="noStrike">
+                <a:latin typeface="Arial"/>
+              </a:rPr>
+              <a:t>estrutura de tópicos</a:t>
+            </a:r>
+            <a:endParaRPr b="0" lang="pt-BR" sz="3200" spc="-1" strike="noStrike">
+              <a:latin typeface="Arial"/>
+            </a:endParaRPr>
+          </a:p>
+          <a:p>
+            <a:pPr lvl="1" marL="864000" indent="-324000">
+              <a:spcBef>
+                <a:spcPts val="1134"/>
+              </a:spcBef>
+              <a:buClr>
+                <a:srgbClr val="000000"/>
+              </a:buClr>
+              <a:buSzPct val="75000"/>
+              <a:buFont typeface="Symbol" charset="2"/>
+              <a:buChar char=""/>
+            </a:pPr>
+            <a:r>
+              <a:rPr b="0" lang="pt-BR" sz="2800" spc="-1" strike="noStrike">
+                <a:latin typeface="Arial"/>
+              </a:rPr>
+              <a:t>2.º nível da estrutura de tópicos</a:t>
+            </a:r>
+            <a:endParaRPr b="0" lang="pt-BR" sz="2800" spc="-1" strike="noStrike">
+              <a:latin typeface="Arial"/>
+            </a:endParaRPr>
+          </a:p>
+          <a:p>
+            <a:pPr lvl="2" marL="1296000" indent="-288000">
+              <a:spcBef>
+                <a:spcPts val="850"/>
+              </a:spcBef>
               <a:buClr>
                 <a:srgbClr val="000000"/>
               </a:buClr>
@@ -2839,17 +2893,17 @@
               <a:rPr b="0" lang="pt-BR" sz="2400" spc="-1" strike="noStrike">
                 <a:latin typeface="Arial"/>
               </a:rPr>
-              <a:t>Clique para editar o formato do texto da estrutura de tópicos</a:t>
+              <a:t>3.º nível da estrutura de tópicos</a:t>
             </a:r>
             <a:endParaRPr b="0" lang="pt-BR" sz="2400" spc="-1" strike="noStrike">
               <a:latin typeface="Arial"/>
             </a:endParaRPr>
           </a:p>
           <a:p>
-            <a:pPr lvl="1" marL="864000" indent="-324000">
-              <a:spcAft>
-                <a:spcPts val="848"/>
-              </a:spcAft>
+            <a:pPr lvl="3" marL="1728000" indent="-216000">
+              <a:spcBef>
+                <a:spcPts val="567"/>
+              </a:spcBef>
               <a:buClr>
                 <a:srgbClr val="000000"/>
               </a:buClr>
@@ -2858,20 +2912,20 @@
               <a:buChar char=""/>
             </a:pPr>
             <a:r>
-              <a:rPr b="0" lang="pt-BR" sz="2100" spc="-1" strike="noStrike">
+              <a:rPr b="0" lang="pt-BR" sz="2000" spc="-1" strike="noStrike">
                 <a:latin typeface="Arial"/>
               </a:rPr>
-              <a:t>2.º nível da estrutura de tópicos</a:t>
+              <a:t>4.º nível da estrutura de tópicos</a:t>
             </a:r>
-            <a:endParaRPr b="0" lang="pt-BR" sz="2100" spc="-1" strike="noStrike">
-              <a:latin typeface="Arial"/>
-            </a:endParaRPr>
-          </a:p>
-          <a:p>
-            <a:pPr lvl="2" marL="1296000" indent="-288000">
-              <a:spcAft>
-                <a:spcPts val="635"/>
-              </a:spcAft>
+            <a:endParaRPr b="0" lang="pt-BR" sz="2000" spc="-1" strike="noStrike">
+              <a:latin typeface="Arial"/>
+            </a:endParaRPr>
+          </a:p>
+          <a:p>
+            <a:pPr lvl="4" marL="2160000" indent="-216000">
+              <a:spcBef>
+                <a:spcPts val="283"/>
+              </a:spcBef>
               <a:buClr>
                 <a:srgbClr val="000000"/>
               </a:buClr>
@@ -2880,42 +2934,20 @@
               <a:buChar char=""/>
             </a:pPr>
             <a:r>
-              <a:rPr b="0" lang="pt-BR" sz="1800" spc="-1" strike="noStrike">
+              <a:rPr b="0" lang="pt-BR" sz="2000" spc="-1" strike="noStrike">
                 <a:latin typeface="Arial"/>
               </a:rPr>
-              <a:t>3.º nível da estrutura de tópicos</a:t>
+              <a:t>5.º nível da estrutura de tópicos</a:t>
             </a:r>
-            <a:endParaRPr b="0" lang="pt-BR" sz="1800" spc="-1" strike="noStrike">
-              <a:latin typeface="Arial"/>
-            </a:endParaRPr>
-          </a:p>
-          <a:p>
-            <a:pPr lvl="3" marL="1728000" indent="-216000">
-              <a:spcAft>
-                <a:spcPts val="422"/>
-              </a:spcAft>
-              <a:buClr>
-                <a:srgbClr val="000000"/>
-              </a:buClr>
-              <a:buSzPct val="75000"/>
-              <a:buFont typeface="Symbol" charset="2"/>
-              <a:buChar char=""/>
-            </a:pPr>
-            <a:r>
-              <a:rPr b="0" lang="pt-BR" sz="1500" spc="-1" strike="noStrike">
-                <a:latin typeface="Arial"/>
-              </a:rPr>
-              <a:t>4.º nível da estrutura de tópicos</a:t>
-            </a:r>
-            <a:endParaRPr b="0" lang="pt-BR" sz="1500" spc="-1" strike="noStrike">
-              <a:latin typeface="Arial"/>
-            </a:endParaRPr>
-          </a:p>
-          <a:p>
-            <a:pPr lvl="4" marL="2160000" indent="-216000">
-              <a:spcAft>
-                <a:spcPts val="210"/>
-              </a:spcAft>
+            <a:endParaRPr b="0" lang="pt-BR" sz="2000" spc="-1" strike="noStrike">
+              <a:latin typeface="Arial"/>
+            </a:endParaRPr>
+          </a:p>
+          <a:p>
+            <a:pPr lvl="5" marL="2592000" indent="-216000">
+              <a:spcBef>
+                <a:spcPts val="283"/>
+              </a:spcBef>
               <a:buClr>
                 <a:srgbClr val="000000"/>
               </a:buClr>
@@ -2924,20 +2956,20 @@
               <a:buChar char=""/>
             </a:pPr>
             <a:r>
-              <a:rPr b="0" lang="pt-BR" sz="1500" spc="-1" strike="noStrike">
+              <a:rPr b="0" lang="pt-BR" sz="2000" spc="-1" strike="noStrike">
                 <a:latin typeface="Arial"/>
               </a:rPr>
-              <a:t>5.º nível da estrutura de tópicos</a:t>
+              <a:t>6.º nível da estrutura de tópicos</a:t>
             </a:r>
-            <a:endParaRPr b="0" lang="pt-BR" sz="1500" spc="-1" strike="noStrike">
-              <a:latin typeface="Arial"/>
-            </a:endParaRPr>
-          </a:p>
-          <a:p>
-            <a:pPr lvl="5" marL="2592000" indent="-216000">
-              <a:spcAft>
-                <a:spcPts val="210"/>
-              </a:spcAft>
+            <a:endParaRPr b="0" lang="pt-BR" sz="2000" spc="-1" strike="noStrike">
+              <a:latin typeface="Arial"/>
+            </a:endParaRPr>
+          </a:p>
+          <a:p>
+            <a:pPr lvl="6" marL="3024000" indent="-216000">
+              <a:spcBef>
+                <a:spcPts val="283"/>
+              </a:spcBef>
               <a:buClr>
                 <a:srgbClr val="000000"/>
               </a:buClr>
@@ -2946,184 +2978,17 @@
               <a:buChar char=""/>
             </a:pPr>
             <a:r>
-              <a:rPr b="0" lang="pt-BR" sz="1500" spc="-1" strike="noStrike">
-                <a:latin typeface="Arial"/>
-              </a:rPr>
-              <a:t>6.º nível da estrutura de tópicos</a:t>
-            </a:r>
-            <a:endParaRPr b="0" lang="pt-BR" sz="1500" spc="-1" strike="noStrike">
-              <a:latin typeface="Arial"/>
-            </a:endParaRPr>
-          </a:p>
-          <a:p>
-            <a:pPr lvl="6" marL="3024000" indent="-216000">
-              <a:spcAft>
-                <a:spcPts val="210"/>
-              </a:spcAft>
-              <a:buClr>
-                <a:srgbClr val="000000"/>
-              </a:buClr>
-              <a:buSzPct val="45000"/>
-              <a:buFont typeface="Wingdings" charset="2"/>
-              <a:buChar char=""/>
-            </a:pPr>
-            <a:r>
-              <a:rPr b="0" lang="pt-BR" sz="1500" spc="-1" strike="noStrike">
+              <a:rPr b="0" lang="pt-BR" sz="2000" spc="-1" strike="noStrike">
                 <a:latin typeface="Arial"/>
               </a:rPr>
               <a:t>7.º nível da estrutura de tópicos</a:t>
             </a:r>
-            <a:endParaRPr b="0" lang="pt-BR" sz="1500" spc="-1" strike="noStrike">
-              <a:latin typeface="Arial"/>
-            </a:endParaRPr>
-          </a:p>
-        </p:txBody>
-      </p:sp>
-      <p:sp>
-        <p:nvSpPr>
-          <p:cNvPr id="3" name="PlaceHolder 3"/>
-          <p:cNvSpPr>
-            <a:spLocks noGrp="1"/>
-          </p:cNvSpPr>
-          <p:nvPr>
-            <p:ph type="dt"/>
-          </p:nvPr>
-        </p:nvSpPr>
-        <p:spPr>
-          <a:xfrm>
-            <a:off x="1728000" y="5284080"/>
-            <a:ext cx="2348280" cy="390960"/>
-          </a:xfrm>
-          <a:prstGeom prst="rect">
-            <a:avLst/>
-          </a:prstGeom>
-        </p:spPr>
-        <p:txBody>
-          <a:bodyPr lIns="0" rIns="0" tIns="0" bIns="0"/>
-          <a:p>
-            <a:r>
-              <a:rPr b="0" lang="pt-BR" sz="1400" spc="-1" strike="noStrike">
-                <a:solidFill>
-                  <a:srgbClr val="ffffff"/>
-                </a:solidFill>
-                <a:latin typeface="Times New Roman"/>
-              </a:rPr>
-              <a:t>&lt;data/hora&gt;</a:t>
-            </a:r>
-            <a:endParaRPr b="0" lang="pt-BR" sz="1400" spc="-1" strike="noStrike">
-              <a:solidFill>
-                <a:srgbClr val="ffffff"/>
-              </a:solidFill>
-              <a:latin typeface="Times New Roman"/>
-            </a:endParaRPr>
-          </a:p>
-        </p:txBody>
-      </p:sp>
-      <p:sp>
-        <p:nvSpPr>
-          <p:cNvPr id="4" name="PlaceHolder 4"/>
-          <p:cNvSpPr>
-            <a:spLocks noGrp="1"/>
-          </p:cNvSpPr>
-          <p:nvPr>
-            <p:ph type="ftr"/>
-          </p:nvPr>
-        </p:nvSpPr>
-        <p:spPr>
-          <a:xfrm>
-            <a:off x="4221000" y="5271840"/>
-            <a:ext cx="3195000" cy="390960"/>
-          </a:xfrm>
-          <a:prstGeom prst="rect">
-            <a:avLst/>
-          </a:prstGeom>
-        </p:spPr>
-        <p:txBody>
-          <a:bodyPr lIns="0" rIns="0" tIns="0" bIns="0"/>
-          <a:p>
-            <a:pPr algn="ctr"/>
-            <a:r>
-              <a:rPr b="0" lang="pt-BR" sz="1400" spc="-1" strike="noStrike">
-                <a:solidFill>
-                  <a:srgbClr val="ffffff"/>
-                </a:solidFill>
-                <a:latin typeface="Times New Roman"/>
-              </a:rPr>
-              <a:t>&lt;rodapé&gt;</a:t>
-            </a:r>
-            <a:endParaRPr b="0" lang="pt-BR" sz="1400" spc="-1" strike="noStrike">
-              <a:solidFill>
-                <a:srgbClr val="ffffff"/>
-              </a:solidFill>
-              <a:latin typeface="Times New Roman"/>
-            </a:endParaRPr>
-          </a:p>
-        </p:txBody>
-      </p:sp>
-      <p:sp>
-        <p:nvSpPr>
-          <p:cNvPr id="5" name="PlaceHolder 5"/>
-          <p:cNvSpPr>
-            <a:spLocks noGrp="1"/>
-          </p:cNvSpPr>
-          <p:nvPr>
-            <p:ph type="sldNum"/>
-          </p:nvPr>
-        </p:nvSpPr>
-        <p:spPr>
-          <a:xfrm>
-            <a:off x="7632000" y="5271840"/>
-            <a:ext cx="2348280" cy="390960"/>
-          </a:xfrm>
-          <a:prstGeom prst="rect">
-            <a:avLst/>
-          </a:prstGeom>
-        </p:spPr>
-        <p:txBody>
-          <a:bodyPr lIns="0" rIns="0" tIns="0" bIns="0"/>
-          <a:p>
-            <a:pPr algn="r"/>
-            <a:fld id="{60A65F50-A91D-4CE0-8D71-2BB016FE1BDD}" type="slidenum">
-              <a:rPr b="0" lang="pt-BR" sz="1400" spc="-1" strike="noStrike">
-                <a:solidFill>
-                  <a:srgbClr val="ffffff"/>
-                </a:solidFill>
-                <a:latin typeface="Times New Roman"/>
-              </a:rPr>
-              <a:t>&lt;número&gt;</a:t>
-            </a:fld>
-            <a:endParaRPr b="0" lang="pt-BR" sz="1400" spc="-1" strike="noStrike">
-              <a:solidFill>
-                <a:srgbClr val="ffffff"/>
-              </a:solidFill>
-              <a:latin typeface="Times New Roman"/>
-            </a:endParaRPr>
-          </a:p>
-        </p:txBody>
-      </p:sp>
-      <p:pic>
-        <p:nvPicPr>
-          <p:cNvPr id="6" name="" descr=""/>
-          <p:cNvPicPr/>
-          <p:nvPr/>
-        </p:nvPicPr>
-        <p:blipFill>
-          <a:blip r:embed="rId3"/>
-          <a:stretch/>
-        </p:blipFill>
-        <p:spPr>
-          <a:xfrm>
-            <a:off x="0" y="0"/>
-            <a:ext cx="10080000" cy="324000"/>
-          </a:xfrm>
-          <a:prstGeom prst="rect">
-            <a:avLst/>
-          </a:prstGeom>
-          <a:ln>
-            <a:noFill/>
-          </a:ln>
-        </p:spPr>
-      </p:pic>
+            <a:endParaRPr b="0" lang="pt-BR" sz="2000" spc="-1" strike="noStrike">
+              <a:latin typeface="Arial"/>
+            </a:endParaRPr>
+          </a:p>
+        </p:txBody>
+      </p:sp>
     </p:spTree>
   </p:cSld>
   <p:clrMap bg1="lt1" bg2="lt2" tx1="dk1" tx2="dk2" accent1="accent1" accent2="accent2" accent3="accent3" accent4="accent4" accent5="accent5" accent6="accent6" hlink="hlink" folHlink="folHlink"/>
@@ -3163,7 +3028,7 @@
       </p:grpSpPr>
       <p:pic>
         <p:nvPicPr>
-          <p:cNvPr id="43" name="" descr=""/>
+          <p:cNvPr id="40" name="" descr=""/>
           <p:cNvPicPr/>
           <p:nvPr/>
         </p:nvPicPr>
@@ -3174,7 +3039,7 @@
         <p:spPr>
           <a:xfrm>
             <a:off x="6120" y="0"/>
-            <a:ext cx="10080000" cy="324000"/>
+            <a:ext cx="10079640" cy="323640"/>
           </a:xfrm>
           <a:prstGeom prst="rect">
             <a:avLst/>
@@ -3186,7 +3051,7 @@
       </p:pic>
       <p:pic>
         <p:nvPicPr>
-          <p:cNvPr id="44" name="" descr=""/>
+          <p:cNvPr id="41" name="" descr=""/>
           <p:cNvPicPr/>
           <p:nvPr/>
         </p:nvPicPr>
@@ -3197,7 +3062,7 @@
         <p:spPr>
           <a:xfrm>
             <a:off x="6120" y="5357160"/>
-            <a:ext cx="10080000" cy="324000"/>
+            <a:ext cx="10079640" cy="323640"/>
           </a:xfrm>
           <a:prstGeom prst="rect">
             <a:avLst/>
@@ -3209,273 +3074,14 @@
       </p:pic>
       <p:sp>
         <p:nvSpPr>
-          <p:cNvPr id="45" name="PlaceHolder 1"/>
-          <p:cNvSpPr>
-            <a:spLocks noGrp="1"/>
-          </p:cNvSpPr>
-          <p:nvPr>
-            <p:ph type="title"/>
-          </p:nvPr>
-        </p:nvSpPr>
-        <p:spPr>
-          <a:xfrm>
-            <a:off x="504000" y="565560"/>
-            <a:ext cx="9071640" cy="946440"/>
-          </a:xfrm>
-          <a:prstGeom prst="rect">
-            <a:avLst/>
-          </a:prstGeom>
-        </p:spPr>
-        <p:txBody>
-          <a:bodyPr lIns="0" rIns="0" tIns="0" bIns="0" anchor="ctr"/>
-          <a:p>
-            <a:r>
-              <a:rPr b="0" lang="pt-BR" sz="4400" spc="-1" strike="noStrike">
-                <a:solidFill>
-                  <a:srgbClr val="c7243a"/>
-                </a:solidFill>
-                <a:latin typeface="Arial"/>
-              </a:rPr>
-              <a:t>Clique para editar o formato do texto do título</a:t>
-            </a:r>
-            <a:endParaRPr b="0" lang="pt-BR" sz="4400" spc="-1" strike="noStrike">
-              <a:solidFill>
-                <a:srgbClr val="c7243a"/>
-              </a:solidFill>
-              <a:latin typeface="Arial"/>
-            </a:endParaRPr>
-          </a:p>
-        </p:txBody>
-      </p:sp>
-      <p:sp>
-        <p:nvSpPr>
-          <p:cNvPr id="46" name="PlaceHolder 2"/>
-          <p:cNvSpPr>
-            <a:spLocks noGrp="1"/>
-          </p:cNvSpPr>
-          <p:nvPr>
-            <p:ph type="body"/>
-          </p:nvPr>
-        </p:nvSpPr>
-        <p:spPr>
-          <a:xfrm>
-            <a:off x="504000" y="1656000"/>
-            <a:ext cx="9071640" cy="2958840"/>
-          </a:xfrm>
-          <a:prstGeom prst="rect">
-            <a:avLst/>
-          </a:prstGeom>
-        </p:spPr>
-        <p:txBody>
-          <a:bodyPr lIns="0" rIns="0" tIns="0" bIns="0">
-            <a:normAutofit/>
-          </a:bodyPr>
-          <a:p>
-            <a:pPr marL="432000" indent="-324000">
-              <a:spcAft>
-                <a:spcPts val="1414"/>
-              </a:spcAft>
-              <a:buClr>
-                <a:srgbClr val="000000"/>
-              </a:buClr>
-              <a:buSzPct val="45000"/>
-              <a:buFont typeface="Wingdings" charset="2"/>
-              <a:buChar char=""/>
-            </a:pPr>
-            <a:r>
-              <a:rPr b="0" lang="pt-BR" sz="3200" spc="-1" strike="noStrike">
-                <a:latin typeface="Arial"/>
-              </a:rPr>
-              <a:t>Clique para editar o formato do texto da </a:t>
-            </a:r>
-            <a:r>
-              <a:rPr b="0" lang="pt-BR" sz="3200" spc="-1" strike="noStrike">
-                <a:latin typeface="Arial"/>
-              </a:rPr>
-              <a:t>estrutura de tópicos</a:t>
-            </a:r>
-            <a:endParaRPr b="0" lang="pt-BR" sz="3200" spc="-1" strike="noStrike">
-              <a:latin typeface="Arial"/>
-            </a:endParaRPr>
-          </a:p>
-          <a:p>
-            <a:pPr lvl="1" marL="864000" indent="-324000">
-              <a:spcAft>
-                <a:spcPts val="1134"/>
-              </a:spcAft>
-              <a:buClr>
-                <a:srgbClr val="000000"/>
-              </a:buClr>
-              <a:buSzPct val="75000"/>
-              <a:buFont typeface="Symbol" charset="2"/>
-              <a:buChar char=""/>
-            </a:pPr>
-            <a:r>
-              <a:rPr b="0" lang="pt-BR" sz="2800" spc="-1" strike="noStrike">
-                <a:latin typeface="Arial"/>
-              </a:rPr>
-              <a:t>2.º nível da estrutura de tópicos</a:t>
-            </a:r>
-            <a:endParaRPr b="0" lang="pt-BR" sz="2800" spc="-1" strike="noStrike">
-              <a:latin typeface="Arial"/>
-            </a:endParaRPr>
-          </a:p>
-          <a:p>
-            <a:pPr lvl="2" marL="1296000" indent="-288000">
-              <a:spcAft>
-                <a:spcPts val="850"/>
-              </a:spcAft>
-              <a:buClr>
-                <a:srgbClr val="000000"/>
-              </a:buClr>
-              <a:buSzPct val="45000"/>
-              <a:buFont typeface="Wingdings" charset="2"/>
-              <a:buChar char=""/>
-            </a:pPr>
-            <a:r>
-              <a:rPr b="0" lang="pt-BR" sz="2400" spc="-1" strike="noStrike">
-                <a:latin typeface="Arial"/>
-              </a:rPr>
-              <a:t>3.º nível da estrutura de tópicos</a:t>
-            </a:r>
-            <a:endParaRPr b="0" lang="pt-BR" sz="2400" spc="-1" strike="noStrike">
-              <a:latin typeface="Arial"/>
-            </a:endParaRPr>
-          </a:p>
-          <a:p>
-            <a:pPr lvl="3" marL="1728000" indent="-216000">
-              <a:spcAft>
-                <a:spcPts val="567"/>
-              </a:spcAft>
-              <a:buClr>
-                <a:srgbClr val="000000"/>
-              </a:buClr>
-              <a:buSzPct val="75000"/>
-              <a:buFont typeface="Symbol" charset="2"/>
-              <a:buChar char=""/>
-            </a:pPr>
-            <a:r>
-              <a:rPr b="0" lang="pt-BR" sz="2000" spc="-1" strike="noStrike">
-                <a:latin typeface="Arial"/>
-              </a:rPr>
-              <a:t>4.º nível da estrutura de tópicos</a:t>
-            </a:r>
-            <a:endParaRPr b="0" lang="pt-BR" sz="2000" spc="-1" strike="noStrike">
-              <a:latin typeface="Arial"/>
-            </a:endParaRPr>
-          </a:p>
-          <a:p>
-            <a:pPr lvl="4" marL="2160000" indent="-216000">
-              <a:spcAft>
-                <a:spcPts val="283"/>
-              </a:spcAft>
-              <a:buClr>
-                <a:srgbClr val="000000"/>
-              </a:buClr>
-              <a:buSzPct val="45000"/>
-              <a:buFont typeface="Wingdings" charset="2"/>
-              <a:buChar char=""/>
-            </a:pPr>
-            <a:r>
-              <a:rPr b="0" lang="pt-BR" sz="2000" spc="-1" strike="noStrike">
-                <a:latin typeface="Arial"/>
-              </a:rPr>
-              <a:t>5.º nível da estrutura de tópicos</a:t>
-            </a:r>
-            <a:endParaRPr b="0" lang="pt-BR" sz="2000" spc="-1" strike="noStrike">
-              <a:latin typeface="Arial"/>
-            </a:endParaRPr>
-          </a:p>
-          <a:p>
-            <a:pPr lvl="5" marL="2592000" indent="-216000">
-              <a:spcAft>
-                <a:spcPts val="283"/>
-              </a:spcAft>
-              <a:buClr>
-                <a:srgbClr val="000000"/>
-              </a:buClr>
-              <a:buSzPct val="45000"/>
-              <a:buFont typeface="Wingdings" charset="2"/>
-              <a:buChar char=""/>
-            </a:pPr>
-            <a:r>
-              <a:rPr b="0" lang="pt-BR" sz="2000" spc="-1" strike="noStrike">
-                <a:latin typeface="Arial"/>
-              </a:rPr>
-              <a:t>6.º nível da estrutura de tópicos</a:t>
-            </a:r>
-            <a:endParaRPr b="0" lang="pt-BR" sz="2000" spc="-1" strike="noStrike">
-              <a:latin typeface="Arial"/>
-            </a:endParaRPr>
-          </a:p>
-          <a:p>
-            <a:pPr lvl="6" marL="3024000" indent="-216000">
-              <a:spcAft>
-                <a:spcPts val="283"/>
-              </a:spcAft>
-              <a:buClr>
-                <a:srgbClr val="000000"/>
-              </a:buClr>
-              <a:buSzPct val="45000"/>
-              <a:buFont typeface="Wingdings" charset="2"/>
-              <a:buChar char=""/>
-            </a:pPr>
-            <a:r>
-              <a:rPr b="0" lang="pt-BR" sz="2000" spc="-1" strike="noStrike">
-                <a:latin typeface="Arial"/>
-              </a:rPr>
-              <a:t>7.º nível da estrutura de tópicos</a:t>
-            </a:r>
-            <a:endParaRPr b="0" lang="pt-BR" sz="2000" spc="-1" strike="noStrike">
-              <a:latin typeface="Arial"/>
-            </a:endParaRPr>
-          </a:p>
-        </p:txBody>
-      </p:sp>
-      <p:sp>
-        <p:nvSpPr>
-          <p:cNvPr id="47" name="PlaceHolder 3"/>
-          <p:cNvSpPr>
-            <a:spLocks noGrp="1"/>
-          </p:cNvSpPr>
-          <p:nvPr>
-            <p:ph type="dt"/>
-          </p:nvPr>
-        </p:nvSpPr>
-        <p:spPr>
-          <a:xfrm>
-            <a:off x="1008000" y="5400720"/>
-            <a:ext cx="2240280" cy="390600"/>
-          </a:xfrm>
-          <a:prstGeom prst="rect">
-            <a:avLst/>
-          </a:prstGeom>
-        </p:spPr>
-        <p:txBody>
-          <a:bodyPr lIns="0" rIns="0" tIns="0" bIns="0"/>
-          <a:p>
-            <a:r>
-              <a:rPr b="0" lang="pt-BR" sz="1400" spc="-1" strike="noStrike">
-                <a:latin typeface="Times New Roman"/>
-              </a:rPr>
-              <a:t> </a:t>
-            </a:r>
-            <a:endParaRPr b="0" lang="pt-BR" sz="1400" spc="-1" strike="noStrike">
-              <a:latin typeface="Times New Roman"/>
-            </a:endParaRPr>
-          </a:p>
-        </p:txBody>
-      </p:sp>
-      <p:sp>
-        <p:nvSpPr>
-          <p:cNvPr id="48" name="TextShape 4"/>
-          <p:cNvSpPr txBox="1"/>
+          <p:cNvPr id="42" name="CustomShape 1"/>
+          <p:cNvSpPr/>
           <p:nvPr/>
         </p:nvSpPr>
         <p:spPr>
           <a:xfrm>
             <a:off x="1728360" y="5400360"/>
-            <a:ext cx="2348280" cy="390960"/>
+            <a:ext cx="2347920" cy="390600"/>
           </a:xfrm>
           <a:prstGeom prst="rect">
             <a:avLst/>
@@ -3485,9 +3091,20 @@
             <a:noFill/>
           </a:ln>
         </p:spPr>
+        <p:style>
+          <a:lnRef idx="0"/>
+          <a:fillRef idx="0"/>
+          <a:effectRef idx="0"/>
+          <a:fontRef idx="minor"/>
+        </p:style>
         <p:txBody>
           <a:bodyPr lIns="0" rIns="0" tIns="0" bIns="0"/>
           <a:p>
+            <a:pPr>
+              <a:lnSpc>
+                <a:spcPct val="100000"/>
+              </a:lnSpc>
+            </a:pPr>
             <a:r>
               <a:rPr b="0" lang="pt-BR" sz="1400" spc="-1" strike="noStrike">
                 <a:solidFill>
@@ -3498,21 +3115,21 @@
               <a:t> </a:t>
             </a:r>
             <a:endParaRPr b="0" lang="pt-BR" sz="1400" spc="-1" strike="noStrike">
-              <a:latin typeface="Times New Roman"/>
-            </a:endParaRPr>
-          </a:p>
-        </p:txBody>
-      </p:sp>
-      <p:sp>
-        <p:nvSpPr>
-          <p:cNvPr id="49" name="TextShape 5"/>
-          <p:cNvSpPr txBox="1"/>
+              <a:latin typeface="Arial"/>
+            </a:endParaRPr>
+          </a:p>
+        </p:txBody>
+      </p:sp>
+      <p:sp>
+        <p:nvSpPr>
+          <p:cNvPr id="43" name="CustomShape 2"/>
+          <p:cNvSpPr/>
           <p:nvPr/>
         </p:nvSpPr>
         <p:spPr>
           <a:xfrm>
             <a:off x="4221360" y="5400360"/>
-            <a:ext cx="3195000" cy="390960"/>
+            <a:ext cx="3194640" cy="390600"/>
           </a:xfrm>
           <a:prstGeom prst="rect">
             <a:avLst/>
@@ -3522,10 +3139,20 @@
             <a:noFill/>
           </a:ln>
         </p:spPr>
+        <p:style>
+          <a:lnRef idx="0"/>
+          <a:fillRef idx="0"/>
+          <a:effectRef idx="0"/>
+          <a:fontRef idx="minor"/>
+        </p:style>
         <p:txBody>
           <a:bodyPr lIns="0" rIns="0" tIns="0" bIns="0"/>
           <a:p>
-            <a:pPr algn="ctr"/>
+            <a:pPr algn="ctr">
+              <a:lnSpc>
+                <a:spcPct val="100000"/>
+              </a:lnSpc>
+            </a:pPr>
             <a:r>
               <a:rPr b="0" lang="pt-BR" sz="1400" spc="-1" strike="noStrike">
                 <a:solidFill>
@@ -3536,21 +3163,21 @@
               <a:t> </a:t>
             </a:r>
             <a:endParaRPr b="0" lang="pt-BR" sz="1400" spc="-1" strike="noStrike">
-              <a:latin typeface="Times New Roman"/>
-            </a:endParaRPr>
-          </a:p>
-        </p:txBody>
-      </p:sp>
-      <p:sp>
-        <p:nvSpPr>
-          <p:cNvPr id="50" name="TextShape 6"/>
-          <p:cNvSpPr txBox="1"/>
+              <a:latin typeface="Arial"/>
+            </a:endParaRPr>
+          </a:p>
+        </p:txBody>
+      </p:sp>
+      <p:sp>
+        <p:nvSpPr>
+          <p:cNvPr id="44" name="CustomShape 3"/>
+          <p:cNvSpPr/>
           <p:nvPr/>
         </p:nvSpPr>
         <p:spPr>
           <a:xfrm>
             <a:off x="7659720" y="5400360"/>
-            <a:ext cx="2348280" cy="390960"/>
+            <a:ext cx="2347920" cy="390600"/>
           </a:xfrm>
           <a:prstGeom prst="rect">
             <a:avLst/>
@@ -3560,11 +3187,21 @@
             <a:noFill/>
           </a:ln>
         </p:spPr>
+        <p:style>
+          <a:lnRef idx="0"/>
+          <a:fillRef idx="0"/>
+          <a:effectRef idx="0"/>
+          <a:fontRef idx="minor"/>
+        </p:style>
         <p:txBody>
           <a:bodyPr lIns="0" rIns="0" tIns="0" bIns="0"/>
           <a:p>
-            <a:pPr algn="r"/>
-            <a:fld id="{A223D29C-D8FA-4838-ADDA-101620262B44}" type="slidenum">
+            <a:pPr algn="r">
+              <a:lnSpc>
+                <a:spcPct val="100000"/>
+              </a:lnSpc>
+            </a:pPr>
+            <a:fld id="{8C58584F-7D75-4BD8-8F4A-627DBC806EF4}" type="slidenum">
               <a:rPr b="0" lang="pt-BR" sz="1400" spc="-1" strike="noStrike">
                 <a:solidFill>
                   <a:srgbClr val="ffffff"/>
@@ -3574,7 +3211,220 @@
               <a:t>1</a:t>
             </a:fld>
             <a:endParaRPr b="0" lang="pt-BR" sz="1400" spc="-1" strike="noStrike">
-              <a:latin typeface="Times New Roman"/>
+              <a:latin typeface="Arial"/>
+            </a:endParaRPr>
+          </a:p>
+        </p:txBody>
+      </p:sp>
+      <p:sp>
+        <p:nvSpPr>
+          <p:cNvPr id="45" name="PlaceHolder 4"/>
+          <p:cNvSpPr>
+            <a:spLocks noGrp="1"/>
+          </p:cNvSpPr>
+          <p:nvPr>
+            <p:ph type="title"/>
+          </p:nvPr>
+        </p:nvSpPr>
+        <p:spPr>
+          <a:xfrm>
+            <a:off x="504000" y="565560"/>
+            <a:ext cx="9071280" cy="946080"/>
+          </a:xfrm>
+          <a:prstGeom prst="rect">
+            <a:avLst/>
+          </a:prstGeom>
+        </p:spPr>
+        <p:txBody>
+          <a:bodyPr lIns="0" rIns="0" tIns="0" bIns="0" anchor="ctr"/>
+          <a:p>
+            <a:r>
+              <a:rPr b="0" lang="pt-BR" sz="1800" spc="-1" strike="noStrike">
+                <a:latin typeface="Arial"/>
+              </a:rPr>
+              <a:t>Clique para editar o formato do texto do título</a:t>
+            </a:r>
+            <a:endParaRPr b="0" lang="pt-BR" sz="1800" spc="-1" strike="noStrike">
+              <a:latin typeface="Arial"/>
+            </a:endParaRPr>
+          </a:p>
+        </p:txBody>
+      </p:sp>
+      <p:sp>
+        <p:nvSpPr>
+          <p:cNvPr id="46" name="PlaceHolder 5"/>
+          <p:cNvSpPr>
+            <a:spLocks noGrp="1"/>
+          </p:cNvSpPr>
+          <p:nvPr>
+            <p:ph type="body"/>
+          </p:nvPr>
+        </p:nvSpPr>
+        <p:spPr>
+          <a:xfrm>
+            <a:off x="504000" y="1656000"/>
+            <a:ext cx="9071280" cy="2958480"/>
+          </a:xfrm>
+          <a:prstGeom prst="rect">
+            <a:avLst/>
+          </a:prstGeom>
+        </p:spPr>
+        <p:txBody>
+          <a:bodyPr lIns="0" rIns="0" tIns="0" bIns="0">
+            <a:normAutofit/>
+          </a:bodyPr>
+          <a:p>
+            <a:pPr marL="432000" indent="-324000">
+              <a:spcBef>
+                <a:spcPts val="1417"/>
+              </a:spcBef>
+              <a:buClr>
+                <a:srgbClr val="000000"/>
+              </a:buClr>
+              <a:buSzPct val="45000"/>
+              <a:buFont typeface="Wingdings" charset="2"/>
+              <a:buChar char=""/>
+            </a:pPr>
+            <a:r>
+              <a:rPr b="0" lang="pt-BR" sz="1800" spc="-1" strike="noStrike">
+                <a:latin typeface="Arial"/>
+              </a:rPr>
+              <a:t>Clique para editar o formato do texto da estrutura de tópicos</a:t>
+            </a:r>
+            <a:endParaRPr b="0" lang="pt-BR" sz="1800" spc="-1" strike="noStrike">
+              <a:latin typeface="Arial"/>
+            </a:endParaRPr>
+          </a:p>
+          <a:p>
+            <a:pPr lvl="1" marL="864000" indent="-324000">
+              <a:spcBef>
+                <a:spcPts val="1134"/>
+              </a:spcBef>
+              <a:buClr>
+                <a:srgbClr val="000000"/>
+              </a:buClr>
+              <a:buSzPct val="75000"/>
+              <a:buFont typeface="Symbol" charset="2"/>
+              <a:buChar char=""/>
+            </a:pPr>
+            <a:r>
+              <a:rPr b="0" lang="pt-BR" sz="1800" spc="-1" strike="noStrike">
+                <a:latin typeface="Arial"/>
+              </a:rPr>
+              <a:t>2.º nível da estrutura de tópicos</a:t>
+            </a:r>
+            <a:endParaRPr b="0" lang="pt-BR" sz="1800" spc="-1" strike="noStrike">
+              <a:latin typeface="Arial"/>
+            </a:endParaRPr>
+          </a:p>
+          <a:p>
+            <a:pPr lvl="2" marL="1296000" indent="-288000">
+              <a:spcBef>
+                <a:spcPts val="850"/>
+              </a:spcBef>
+              <a:buClr>
+                <a:srgbClr val="000000"/>
+              </a:buClr>
+              <a:buSzPct val="45000"/>
+              <a:buFont typeface="Wingdings" charset="2"/>
+              <a:buChar char=""/>
+            </a:pPr>
+            <a:r>
+              <a:rPr b="0" lang="pt-BR" sz="1800" spc="-1" strike="noStrike">
+                <a:latin typeface="Arial"/>
+              </a:rPr>
+              <a:t>3.º nível da estrutura de tópicos</a:t>
+            </a:r>
+            <a:endParaRPr b="0" lang="pt-BR" sz="1800" spc="-1" strike="noStrike">
+              <a:latin typeface="Arial"/>
+            </a:endParaRPr>
+          </a:p>
+          <a:p>
+            <a:pPr lvl="3" marL="1728000" indent="-216000">
+              <a:spcBef>
+                <a:spcPts val="567"/>
+              </a:spcBef>
+              <a:buClr>
+                <a:srgbClr val="000000"/>
+              </a:buClr>
+              <a:buSzPct val="75000"/>
+              <a:buFont typeface="Symbol" charset="2"/>
+              <a:buChar char=""/>
+            </a:pPr>
+            <a:r>
+              <a:rPr b="0" lang="pt-BR" sz="1800" spc="-1" strike="noStrike">
+                <a:latin typeface="Arial"/>
+              </a:rPr>
+              <a:t>4.º nível da estrutura de tópicos</a:t>
+            </a:r>
+            <a:endParaRPr b="0" lang="pt-BR" sz="1800" spc="-1" strike="noStrike">
+              <a:latin typeface="Arial"/>
+            </a:endParaRPr>
+          </a:p>
+          <a:p>
+            <a:pPr lvl="4" marL="2160000" indent="-216000">
+              <a:spcBef>
+                <a:spcPts val="283"/>
+              </a:spcBef>
+              <a:buClr>
+                <a:srgbClr val="000000"/>
+              </a:buClr>
+              <a:buSzPct val="45000"/>
+              <a:buFont typeface="Wingdings" charset="2"/>
+              <a:buChar char=""/>
+            </a:pPr>
+            <a:r>
+              <a:rPr b="0" lang="pt-BR" sz="1800" spc="-1" strike="noStrike">
+                <a:latin typeface="Arial"/>
+              </a:rPr>
+              <a:t>5.º nível da estrutura de tópicos</a:t>
+            </a:r>
+            <a:endParaRPr b="0" lang="pt-BR" sz="1800" spc="-1" strike="noStrike">
+              <a:latin typeface="Arial"/>
+            </a:endParaRPr>
+          </a:p>
+          <a:p>
+            <a:pPr lvl="5" marL="2592000" indent="-216000">
+              <a:spcBef>
+                <a:spcPts val="283"/>
+              </a:spcBef>
+              <a:buClr>
+                <a:srgbClr val="000000"/>
+              </a:buClr>
+              <a:buSzPct val="45000"/>
+              <a:buFont typeface="Wingdings" charset="2"/>
+              <a:buChar char=""/>
+            </a:pPr>
+            <a:r>
+              <a:rPr b="0" lang="pt-BR" sz="1800" spc="-1" strike="noStrike">
+                <a:latin typeface="Arial"/>
+              </a:rPr>
+              <a:t>6.º nível da estrutura de tópicos</a:t>
+            </a:r>
+            <a:endParaRPr b="0" lang="pt-BR" sz="1800" spc="-1" strike="noStrike">
+              <a:latin typeface="Arial"/>
+            </a:endParaRPr>
+          </a:p>
+          <a:p>
+            <a:pPr lvl="6" marL="3024000" indent="-216000">
+              <a:spcBef>
+                <a:spcPts val="283"/>
+              </a:spcBef>
+              <a:buClr>
+                <a:srgbClr val="000000"/>
+              </a:buClr>
+              <a:buSzPct val="45000"/>
+              <a:buFont typeface="Wingdings" charset="2"/>
+              <a:buChar char=""/>
+            </a:pPr>
+            <a:r>
+              <a:rPr b="0" lang="pt-BR" sz="1800" spc="-1" strike="noStrike">
+                <a:latin typeface="Arial"/>
+              </a:rPr>
+              <a:t>7.º nível da estrutura de tópicos</a:t>
+            </a:r>
+            <a:endParaRPr b="0" lang="pt-BR" sz="1800" spc="-1" strike="noStrike">
+              <a:latin typeface="Arial"/>
             </a:endParaRPr>
           </a:p>
         </p:txBody>
@@ -3618,14 +3468,14 @@
       </p:grpSpPr>
       <p:sp>
         <p:nvSpPr>
-          <p:cNvPr id="87" name="TextShape 1"/>
-          <p:cNvSpPr txBox="1"/>
+          <p:cNvPr id="83" name="CustomShape 1"/>
+          <p:cNvSpPr/>
           <p:nvPr/>
         </p:nvSpPr>
         <p:spPr>
           <a:xfrm>
             <a:off x="7920" y="648000"/>
-            <a:ext cx="9071640" cy="2736000"/>
+            <a:ext cx="9071280" cy="2735640"/>
           </a:xfrm>
           <a:prstGeom prst="rect">
             <a:avLst/>
@@ -3637,9 +3487,20 @@
             <a:noFill/>
           </a:ln>
         </p:spPr>
+        <p:style>
+          <a:lnRef idx="0"/>
+          <a:fillRef idx="0"/>
+          <a:effectRef idx="0"/>
+          <a:fontRef idx="minor"/>
+        </p:style>
         <p:txBody>
           <a:bodyPr lIns="72000" rIns="0" tIns="0" bIns="0" anchor="ctr"/>
           <a:p>
+            <a:pPr>
+              <a:lnSpc>
+                <a:spcPct val="100000"/>
+              </a:lnSpc>
+            </a:pPr>
             <a:r>
               <a:rPr b="0" lang="pt-BR" sz="4400" spc="-1" strike="noStrike">
                 <a:solidFill>
@@ -3650,24 +3511,21 @@
               <a:t>CAR-CRUD</a:t>
             </a:r>
             <a:endParaRPr b="0" lang="pt-BR" sz="4400" spc="-1" strike="noStrike">
-              <a:solidFill>
-                <a:srgbClr val="ffffff"/>
-              </a:solidFill>
-              <a:latin typeface="Arial"/>
-            </a:endParaRPr>
-          </a:p>
-        </p:txBody>
-      </p:sp>
-      <p:sp>
-        <p:nvSpPr>
-          <p:cNvPr id="88" name="TextShape 2"/>
-          <p:cNvSpPr txBox="1"/>
+              <a:latin typeface="Arial"/>
+            </a:endParaRPr>
+          </a:p>
+        </p:txBody>
+      </p:sp>
+      <p:sp>
+        <p:nvSpPr>
+          <p:cNvPr id="84" name="CustomShape 2"/>
+          <p:cNvSpPr/>
           <p:nvPr/>
         </p:nvSpPr>
         <p:spPr>
           <a:xfrm>
             <a:off x="2160000" y="3600000"/>
-            <a:ext cx="6911640" cy="1367640"/>
+            <a:ext cx="6911280" cy="1367280"/>
           </a:xfrm>
           <a:prstGeom prst="rect">
             <a:avLst/>
@@ -3677,10 +3535,20 @@
             <a:noFill/>
           </a:ln>
         </p:spPr>
+        <p:style>
+          <a:lnRef idx="0"/>
+          <a:fillRef idx="0"/>
+          <a:effectRef idx="0"/>
+          <a:fontRef idx="minor"/>
+        </p:style>
         <p:txBody>
           <a:bodyPr lIns="0" rIns="0" tIns="0" bIns="0"/>
           <a:p>
-            <a:pPr algn="just"/>
+            <a:pPr algn="just">
+              <a:lnSpc>
+                <a:spcPct val="100000"/>
+              </a:lnSpc>
+            </a:pPr>
             <a:r>
               <a:rPr b="0" lang="pt-BR" sz="3200" spc="-1" strike="noStrike">
                 <a:latin typeface="Arial"/>
@@ -3702,6 +3570,795 @@
           <p:childTnLst>
             <p:seq>
               <p:cTn id="2" dur="indefinite" nodeType="mainSeq"/>
+              <p:prevCondLst>
+                <p:cond delay="0" evt="onPrev">
+                  <p:tgtEl>
+                    <p:sldTgt/>
+                  </p:tgtEl>
+                </p:cond>
+              </p:prevCondLst>
+              <p:nextCondLst>
+                <p:cond delay="0" evt="onNext">
+                  <p:tgtEl>
+                    <p:sldTgt/>
+                  </p:tgtEl>
+                </p:cond>
+              </p:nextCondLst>
+            </p:seq>
+          </p:childTnLst>
+        </p:cTn>
+      </p:par>
+    </p:tnLst>
+  </p:timing>
+</p:sld>
+</file>
+
+<file path=ppt/slides/slide10.xml><?xml version="1.0" encoding="utf-8"?>
+<p:sld xmlns:a="http://schemas.openxmlformats.org/drawingml/2006/main" xmlns:p="http://schemas.openxmlformats.org/presentationml/2006/main" xmlns:r="http://schemas.openxmlformats.org/officeDocument/2006/relationships" xmlns:p14="http://schemas.microsoft.com/office/powerpoint/2010/main" xmlns:p15="http://schemas.microsoft.com/office/powerpoint/2012/main" xmlns:mc="http://schemas.openxmlformats.org/markup-compatibility/2006">
+  <p:cSld>
+    <p:spTree>
+      <p:nvGrpSpPr>
+        <p:cNvPr id="1" name=""/>
+        <p:cNvGrpSpPr/>
+        <p:nvPr/>
+      </p:nvGrpSpPr>
+      <p:grpSpPr>
+        <a:xfrm>
+          <a:off x="0" y="0"/>
+          <a:ext cx="0" cy="0"/>
+          <a:chOff x="0" y="0"/>
+          <a:chExt cx="0" cy="0"/>
+        </a:xfrm>
+      </p:grpSpPr>
+      <p:pic>
+        <p:nvPicPr>
+          <p:cNvPr id="96" name="" descr=""/>
+          <p:cNvPicPr/>
+          <p:nvPr/>
+        </p:nvPicPr>
+        <p:blipFill>
+          <a:blip r:embed="rId1"/>
+          <a:stretch/>
+        </p:blipFill>
+        <p:spPr>
+          <a:xfrm>
+            <a:off x="2880000" y="1368000"/>
+            <a:ext cx="4933440" cy="2352240"/>
+          </a:xfrm>
+          <a:prstGeom prst="rect">
+            <a:avLst/>
+          </a:prstGeom>
+          <a:ln>
+            <a:noFill/>
+          </a:ln>
+        </p:spPr>
+      </p:pic>
+      <p:pic>
+        <p:nvPicPr>
+          <p:cNvPr id="97" name="" descr=""/>
+          <p:cNvPicPr/>
+          <p:nvPr/>
+        </p:nvPicPr>
+        <p:blipFill>
+          <a:blip r:embed="rId2"/>
+          <a:stretch/>
+        </p:blipFill>
+        <p:spPr>
+          <a:xfrm>
+            <a:off x="180000" y="371520"/>
+            <a:ext cx="9792000" cy="4668480"/>
+          </a:xfrm>
+          <a:prstGeom prst="rect">
+            <a:avLst/>
+          </a:prstGeom>
+          <a:ln>
+            <a:noFill/>
+          </a:ln>
+        </p:spPr>
+      </p:pic>
+    </p:spTree>
+  </p:cSld>
+  <p:timing>
+    <p:tnLst>
+      <p:par>
+        <p:cTn id="19" dur="indefinite" restart="never" nodeType="tmRoot">
+          <p:childTnLst>
+            <p:seq>
+              <p:cTn id="20" dur="indefinite" nodeType="mainSeq"/>
+              <p:prevCondLst>
+                <p:cond delay="0" evt="onPrev">
+                  <p:tgtEl>
+                    <p:sldTgt/>
+                  </p:tgtEl>
+                </p:cond>
+              </p:prevCondLst>
+              <p:nextCondLst>
+                <p:cond delay="0" evt="onNext">
+                  <p:tgtEl>
+                    <p:sldTgt/>
+                  </p:tgtEl>
+                </p:cond>
+              </p:nextCondLst>
+            </p:seq>
+          </p:childTnLst>
+        </p:cTn>
+      </p:par>
+    </p:tnLst>
+  </p:timing>
+</p:sld>
+</file>
+
+<file path=ppt/slides/slide11.xml><?xml version="1.0" encoding="utf-8"?>
+<p:sld xmlns:a="http://schemas.openxmlformats.org/drawingml/2006/main" xmlns:p="http://schemas.openxmlformats.org/presentationml/2006/main" xmlns:r="http://schemas.openxmlformats.org/officeDocument/2006/relationships" xmlns:p14="http://schemas.microsoft.com/office/powerpoint/2010/main" xmlns:p15="http://schemas.microsoft.com/office/powerpoint/2012/main" xmlns:mc="http://schemas.openxmlformats.org/markup-compatibility/2006">
+  <p:cSld>
+    <p:spTree>
+      <p:nvGrpSpPr>
+        <p:cNvPr id="1" name=""/>
+        <p:cNvGrpSpPr/>
+        <p:nvPr/>
+      </p:nvGrpSpPr>
+      <p:grpSpPr>
+        <a:xfrm>
+          <a:off x="0" y="0"/>
+          <a:ext cx="0" cy="0"/>
+          <a:chOff x="0" y="0"/>
+          <a:chExt cx="0" cy="0"/>
+        </a:xfrm>
+      </p:grpSpPr>
+      <p:pic>
+        <p:nvPicPr>
+          <p:cNvPr id="98" name="" descr=""/>
+          <p:cNvPicPr/>
+          <p:nvPr/>
+        </p:nvPicPr>
+        <p:blipFill>
+          <a:blip r:embed="rId1"/>
+          <a:stretch/>
+        </p:blipFill>
+        <p:spPr>
+          <a:xfrm>
+            <a:off x="226080" y="720000"/>
+            <a:ext cx="9709920" cy="3704400"/>
+          </a:xfrm>
+          <a:prstGeom prst="rect">
+            <a:avLst/>
+          </a:prstGeom>
+          <a:ln>
+            <a:noFill/>
+          </a:ln>
+        </p:spPr>
+      </p:pic>
+    </p:spTree>
+  </p:cSld>
+  <p:timing>
+    <p:tnLst>
+      <p:par>
+        <p:cTn id="21" dur="indefinite" restart="never" nodeType="tmRoot">
+          <p:childTnLst>
+            <p:seq>
+              <p:cTn id="22" dur="indefinite" nodeType="mainSeq"/>
+              <p:prevCondLst>
+                <p:cond delay="0" evt="onPrev">
+                  <p:tgtEl>
+                    <p:sldTgt/>
+                  </p:tgtEl>
+                </p:cond>
+              </p:prevCondLst>
+              <p:nextCondLst>
+                <p:cond delay="0" evt="onNext">
+                  <p:tgtEl>
+                    <p:sldTgt/>
+                  </p:tgtEl>
+                </p:cond>
+              </p:nextCondLst>
+            </p:seq>
+          </p:childTnLst>
+        </p:cTn>
+      </p:par>
+    </p:tnLst>
+  </p:timing>
+</p:sld>
+</file>
+
+<file path=ppt/slides/slide12.xml><?xml version="1.0" encoding="utf-8"?>
+<p:sld xmlns:a="http://schemas.openxmlformats.org/drawingml/2006/main" xmlns:p="http://schemas.openxmlformats.org/presentationml/2006/main" xmlns:r="http://schemas.openxmlformats.org/officeDocument/2006/relationships" xmlns:p14="http://schemas.microsoft.com/office/powerpoint/2010/main" xmlns:p15="http://schemas.microsoft.com/office/powerpoint/2012/main" xmlns:mc="http://schemas.openxmlformats.org/markup-compatibility/2006">
+  <p:cSld>
+    <p:spTree>
+      <p:nvGrpSpPr>
+        <p:cNvPr id="1" name=""/>
+        <p:cNvGrpSpPr/>
+        <p:nvPr/>
+      </p:nvGrpSpPr>
+      <p:grpSpPr>
+        <a:xfrm>
+          <a:off x="0" y="0"/>
+          <a:ext cx="0" cy="0"/>
+          <a:chOff x="0" y="0"/>
+          <a:chExt cx="0" cy="0"/>
+        </a:xfrm>
+      </p:grpSpPr>
+      <p:pic>
+        <p:nvPicPr>
+          <p:cNvPr id="99" name="" descr=""/>
+          <p:cNvPicPr/>
+          <p:nvPr/>
+        </p:nvPicPr>
+        <p:blipFill>
+          <a:blip r:embed="rId1"/>
+          <a:stretch/>
+        </p:blipFill>
+        <p:spPr>
+          <a:xfrm>
+            <a:off x="1008000" y="432000"/>
+            <a:ext cx="8457840" cy="4590720"/>
+          </a:xfrm>
+          <a:prstGeom prst="rect">
+            <a:avLst/>
+          </a:prstGeom>
+          <a:ln>
+            <a:noFill/>
+          </a:ln>
+        </p:spPr>
+      </p:pic>
+    </p:spTree>
+  </p:cSld>
+  <p:timing>
+    <p:tnLst>
+      <p:par>
+        <p:cTn id="23" dur="indefinite" restart="never" nodeType="tmRoot">
+          <p:childTnLst>
+            <p:seq>
+              <p:cTn id="24" dur="indefinite" nodeType="mainSeq"/>
+              <p:prevCondLst>
+                <p:cond delay="0" evt="onPrev">
+                  <p:tgtEl>
+                    <p:sldTgt/>
+                  </p:tgtEl>
+                </p:cond>
+              </p:prevCondLst>
+              <p:nextCondLst>
+                <p:cond delay="0" evt="onNext">
+                  <p:tgtEl>
+                    <p:sldTgt/>
+                  </p:tgtEl>
+                </p:cond>
+              </p:nextCondLst>
+            </p:seq>
+          </p:childTnLst>
+        </p:cTn>
+      </p:par>
+    </p:tnLst>
+  </p:timing>
+</p:sld>
+</file>
+
+<file path=ppt/slides/slide13.xml><?xml version="1.0" encoding="utf-8"?>
+<p:sld xmlns:a="http://schemas.openxmlformats.org/drawingml/2006/main" xmlns:p="http://schemas.openxmlformats.org/presentationml/2006/main" xmlns:r="http://schemas.openxmlformats.org/officeDocument/2006/relationships" xmlns:p14="http://schemas.microsoft.com/office/powerpoint/2010/main" xmlns:p15="http://schemas.microsoft.com/office/powerpoint/2012/main" xmlns:mc="http://schemas.openxmlformats.org/markup-compatibility/2006">
+  <p:cSld>
+    <p:spTree>
+      <p:nvGrpSpPr>
+        <p:cNvPr id="1" name=""/>
+        <p:cNvGrpSpPr/>
+        <p:nvPr/>
+      </p:nvGrpSpPr>
+      <p:grpSpPr>
+        <a:xfrm>
+          <a:off x="0" y="0"/>
+          <a:ext cx="0" cy="0"/>
+          <a:chOff x="0" y="0"/>
+          <a:chExt cx="0" cy="0"/>
+        </a:xfrm>
+      </p:grpSpPr>
+      <p:pic>
+        <p:nvPicPr>
+          <p:cNvPr id="100" name="" descr=""/>
+          <p:cNvPicPr/>
+          <p:nvPr/>
+        </p:nvPicPr>
+        <p:blipFill>
+          <a:blip r:embed="rId1"/>
+          <a:stretch/>
+        </p:blipFill>
+        <p:spPr>
+          <a:xfrm>
+            <a:off x="2074680" y="432000"/>
+            <a:ext cx="5773320" cy="4560120"/>
+          </a:xfrm>
+          <a:prstGeom prst="rect">
+            <a:avLst/>
+          </a:prstGeom>
+          <a:ln>
+            <a:noFill/>
+          </a:ln>
+        </p:spPr>
+      </p:pic>
+      <p:pic>
+        <p:nvPicPr>
+          <p:cNvPr id="101" name="" descr=""/>
+          <p:cNvPicPr/>
+          <p:nvPr/>
+        </p:nvPicPr>
+        <p:blipFill>
+          <a:blip r:embed="rId2"/>
+          <a:stretch/>
+        </p:blipFill>
+        <p:spPr>
+          <a:xfrm>
+            <a:off x="2075040" y="432360"/>
+            <a:ext cx="5773320" cy="4560120"/>
+          </a:xfrm>
+          <a:prstGeom prst="rect">
+            <a:avLst/>
+          </a:prstGeom>
+          <a:ln>
+            <a:noFill/>
+          </a:ln>
+        </p:spPr>
+      </p:pic>
+    </p:spTree>
+  </p:cSld>
+  <p:timing>
+    <p:tnLst>
+      <p:par>
+        <p:cTn id="25" dur="indefinite" restart="never" nodeType="tmRoot">
+          <p:childTnLst>
+            <p:seq>
+              <p:cTn id="26" dur="indefinite" nodeType="mainSeq"/>
+              <p:prevCondLst>
+                <p:cond delay="0" evt="onPrev">
+                  <p:tgtEl>
+                    <p:sldTgt/>
+                  </p:tgtEl>
+                </p:cond>
+              </p:prevCondLst>
+              <p:nextCondLst>
+                <p:cond delay="0" evt="onNext">
+                  <p:tgtEl>
+                    <p:sldTgt/>
+                  </p:tgtEl>
+                </p:cond>
+              </p:nextCondLst>
+            </p:seq>
+          </p:childTnLst>
+        </p:cTn>
+      </p:par>
+    </p:tnLst>
+  </p:timing>
+</p:sld>
+</file>
+
+<file path=ppt/slides/slide14.xml><?xml version="1.0" encoding="utf-8"?>
+<p:sld xmlns:a="http://schemas.openxmlformats.org/drawingml/2006/main" xmlns:p="http://schemas.openxmlformats.org/presentationml/2006/main" xmlns:r="http://schemas.openxmlformats.org/officeDocument/2006/relationships" xmlns:p14="http://schemas.microsoft.com/office/powerpoint/2010/main" xmlns:p15="http://schemas.microsoft.com/office/powerpoint/2012/main" xmlns:mc="http://schemas.openxmlformats.org/markup-compatibility/2006">
+  <p:cSld>
+    <p:spTree>
+      <p:nvGrpSpPr>
+        <p:cNvPr id="1" name=""/>
+        <p:cNvGrpSpPr/>
+        <p:nvPr/>
+      </p:nvGrpSpPr>
+      <p:grpSpPr>
+        <a:xfrm>
+          <a:off x="0" y="0"/>
+          <a:ext cx="0" cy="0"/>
+          <a:chOff x="0" y="0"/>
+          <a:chExt cx="0" cy="0"/>
+        </a:xfrm>
+      </p:grpSpPr>
+      <p:pic>
+        <p:nvPicPr>
+          <p:cNvPr id="102" name="" descr=""/>
+          <p:cNvPicPr/>
+          <p:nvPr/>
+        </p:nvPicPr>
+        <p:blipFill>
+          <a:blip r:embed="rId1"/>
+          <a:stretch/>
+        </p:blipFill>
+        <p:spPr>
+          <a:xfrm>
+            <a:off x="1963080" y="432000"/>
+            <a:ext cx="5884920" cy="4516560"/>
+          </a:xfrm>
+          <a:prstGeom prst="rect">
+            <a:avLst/>
+          </a:prstGeom>
+          <a:ln>
+            <a:noFill/>
+          </a:ln>
+        </p:spPr>
+      </p:pic>
+    </p:spTree>
+  </p:cSld>
+  <p:timing>
+    <p:tnLst>
+      <p:par>
+        <p:cTn id="27" dur="indefinite" restart="never" nodeType="tmRoot">
+          <p:childTnLst>
+            <p:seq>
+              <p:cTn id="28" dur="indefinite" nodeType="mainSeq"/>
+              <p:prevCondLst>
+                <p:cond delay="0" evt="onPrev">
+                  <p:tgtEl>
+                    <p:sldTgt/>
+                  </p:tgtEl>
+                </p:cond>
+              </p:prevCondLst>
+              <p:nextCondLst>
+                <p:cond delay="0" evt="onNext">
+                  <p:tgtEl>
+                    <p:sldTgt/>
+                  </p:tgtEl>
+                </p:cond>
+              </p:nextCondLst>
+            </p:seq>
+          </p:childTnLst>
+        </p:cTn>
+      </p:par>
+    </p:tnLst>
+  </p:timing>
+</p:sld>
+</file>
+
+<file path=ppt/slides/slide15.xml><?xml version="1.0" encoding="utf-8"?>
+<p:sld xmlns:a="http://schemas.openxmlformats.org/drawingml/2006/main" xmlns:p="http://schemas.openxmlformats.org/presentationml/2006/main" xmlns:r="http://schemas.openxmlformats.org/officeDocument/2006/relationships" xmlns:p14="http://schemas.microsoft.com/office/powerpoint/2010/main" xmlns:p15="http://schemas.microsoft.com/office/powerpoint/2012/main" xmlns:mc="http://schemas.openxmlformats.org/markup-compatibility/2006">
+  <p:cSld>
+    <p:spTree>
+      <p:nvGrpSpPr>
+        <p:cNvPr id="1" name=""/>
+        <p:cNvGrpSpPr/>
+        <p:nvPr/>
+      </p:nvGrpSpPr>
+      <p:grpSpPr>
+        <a:xfrm>
+          <a:off x="0" y="0"/>
+          <a:ext cx="0" cy="0"/>
+          <a:chOff x="0" y="0"/>
+          <a:chExt cx="0" cy="0"/>
+        </a:xfrm>
+      </p:grpSpPr>
+      <p:pic>
+        <p:nvPicPr>
+          <p:cNvPr id="103" name="" descr=""/>
+          <p:cNvPicPr/>
+          <p:nvPr/>
+        </p:nvPicPr>
+        <p:blipFill>
+          <a:blip r:embed="rId1"/>
+          <a:stretch/>
+        </p:blipFill>
+        <p:spPr>
+          <a:xfrm>
+            <a:off x="86040" y="1253880"/>
+            <a:ext cx="9885960" cy="2922120"/>
+          </a:xfrm>
+          <a:prstGeom prst="rect">
+            <a:avLst/>
+          </a:prstGeom>
+          <a:ln>
+            <a:noFill/>
+          </a:ln>
+        </p:spPr>
+      </p:pic>
+    </p:spTree>
+  </p:cSld>
+  <p:timing>
+    <p:tnLst>
+      <p:par>
+        <p:cTn id="29" dur="indefinite" restart="never" nodeType="tmRoot">
+          <p:childTnLst>
+            <p:seq>
+              <p:cTn id="30" dur="indefinite" nodeType="mainSeq"/>
+              <p:prevCondLst>
+                <p:cond delay="0" evt="onPrev">
+                  <p:tgtEl>
+                    <p:sldTgt/>
+                  </p:tgtEl>
+                </p:cond>
+              </p:prevCondLst>
+              <p:nextCondLst>
+                <p:cond delay="0" evt="onNext">
+                  <p:tgtEl>
+                    <p:sldTgt/>
+                  </p:tgtEl>
+                </p:cond>
+              </p:nextCondLst>
+            </p:seq>
+          </p:childTnLst>
+        </p:cTn>
+      </p:par>
+    </p:tnLst>
+  </p:timing>
+</p:sld>
+</file>
+
+<file path=ppt/slides/slide16.xml><?xml version="1.0" encoding="utf-8"?>
+<p:sld xmlns:a="http://schemas.openxmlformats.org/drawingml/2006/main" xmlns:p="http://schemas.openxmlformats.org/presentationml/2006/main" xmlns:r="http://schemas.openxmlformats.org/officeDocument/2006/relationships" xmlns:p14="http://schemas.microsoft.com/office/powerpoint/2010/main" xmlns:p15="http://schemas.microsoft.com/office/powerpoint/2012/main" xmlns:mc="http://schemas.openxmlformats.org/markup-compatibility/2006">
+  <p:cSld>
+    <p:spTree>
+      <p:nvGrpSpPr>
+        <p:cNvPr id="1" name=""/>
+        <p:cNvGrpSpPr/>
+        <p:nvPr/>
+      </p:nvGrpSpPr>
+      <p:grpSpPr>
+        <a:xfrm>
+          <a:off x="0" y="0"/>
+          <a:ext cx="0" cy="0"/>
+          <a:chOff x="0" y="0"/>
+          <a:chExt cx="0" cy="0"/>
+        </a:xfrm>
+      </p:grpSpPr>
+      <p:pic>
+        <p:nvPicPr>
+          <p:cNvPr id="104" name="" descr=""/>
+          <p:cNvPicPr/>
+          <p:nvPr/>
+        </p:nvPicPr>
+        <p:blipFill>
+          <a:blip r:embed="rId1"/>
+          <a:stretch/>
+        </p:blipFill>
+        <p:spPr>
+          <a:xfrm>
+            <a:off x="72000" y="996480"/>
+            <a:ext cx="9936720" cy="3539520"/>
+          </a:xfrm>
+          <a:prstGeom prst="rect">
+            <a:avLst/>
+          </a:prstGeom>
+          <a:ln>
+            <a:noFill/>
+          </a:ln>
+        </p:spPr>
+      </p:pic>
+    </p:spTree>
+  </p:cSld>
+  <p:timing>
+    <p:tnLst>
+      <p:par>
+        <p:cTn id="31" dur="indefinite" restart="never" nodeType="tmRoot">
+          <p:childTnLst>
+            <p:seq>
+              <p:cTn id="32" dur="indefinite" nodeType="mainSeq"/>
+              <p:prevCondLst>
+                <p:cond delay="0" evt="onPrev">
+                  <p:tgtEl>
+                    <p:sldTgt/>
+                  </p:tgtEl>
+                </p:cond>
+              </p:prevCondLst>
+              <p:nextCondLst>
+                <p:cond delay="0" evt="onNext">
+                  <p:tgtEl>
+                    <p:sldTgt/>
+                  </p:tgtEl>
+                </p:cond>
+              </p:nextCondLst>
+            </p:seq>
+          </p:childTnLst>
+        </p:cTn>
+      </p:par>
+    </p:tnLst>
+  </p:timing>
+</p:sld>
+</file>
+
+<file path=ppt/slides/slide17.xml><?xml version="1.0" encoding="utf-8"?>
+<p:sld xmlns:a="http://schemas.openxmlformats.org/drawingml/2006/main" xmlns:p="http://schemas.openxmlformats.org/presentationml/2006/main" xmlns:r="http://schemas.openxmlformats.org/officeDocument/2006/relationships" xmlns:p14="http://schemas.microsoft.com/office/powerpoint/2010/main" xmlns:p15="http://schemas.microsoft.com/office/powerpoint/2012/main" xmlns:mc="http://schemas.openxmlformats.org/markup-compatibility/2006">
+  <p:cSld>
+    <p:spTree>
+      <p:nvGrpSpPr>
+        <p:cNvPr id="1" name=""/>
+        <p:cNvGrpSpPr/>
+        <p:nvPr/>
+      </p:nvGrpSpPr>
+      <p:grpSpPr>
+        <a:xfrm>
+          <a:off x="0" y="0"/>
+          <a:ext cx="0" cy="0"/>
+          <a:chOff x="0" y="0"/>
+          <a:chExt cx="0" cy="0"/>
+        </a:xfrm>
+      </p:grpSpPr>
+      <p:pic>
+        <p:nvPicPr>
+          <p:cNvPr id="105" name="" descr=""/>
+          <p:cNvPicPr/>
+          <p:nvPr/>
+        </p:nvPicPr>
+        <p:blipFill>
+          <a:blip r:embed="rId1"/>
+          <a:stretch/>
+        </p:blipFill>
+        <p:spPr>
+          <a:xfrm>
+            <a:off x="72000" y="432000"/>
+            <a:ext cx="9968400" cy="2093040"/>
+          </a:xfrm>
+          <a:prstGeom prst="rect">
+            <a:avLst/>
+          </a:prstGeom>
+          <a:ln>
+            <a:noFill/>
+          </a:ln>
+        </p:spPr>
+      </p:pic>
+      <p:pic>
+        <p:nvPicPr>
+          <p:cNvPr id="106" name="" descr=""/>
+          <p:cNvPicPr/>
+          <p:nvPr/>
+        </p:nvPicPr>
+        <p:blipFill>
+          <a:blip r:embed="rId2"/>
+          <a:stretch/>
+        </p:blipFill>
+        <p:spPr>
+          <a:xfrm>
+            <a:off x="72000" y="2808000"/>
+            <a:ext cx="9936000" cy="1928520"/>
+          </a:xfrm>
+          <a:prstGeom prst="rect">
+            <a:avLst/>
+          </a:prstGeom>
+          <a:ln>
+            <a:noFill/>
+          </a:ln>
+        </p:spPr>
+      </p:pic>
+    </p:spTree>
+  </p:cSld>
+  <p:timing>
+    <p:tnLst>
+      <p:par>
+        <p:cTn id="33" dur="indefinite" restart="never" nodeType="tmRoot">
+          <p:childTnLst>
+            <p:seq>
+              <p:cTn id="34" dur="indefinite" nodeType="mainSeq"/>
+              <p:prevCondLst>
+                <p:cond delay="0" evt="onPrev">
+                  <p:tgtEl>
+                    <p:sldTgt/>
+                  </p:tgtEl>
+                </p:cond>
+              </p:prevCondLst>
+              <p:nextCondLst>
+                <p:cond delay="0" evt="onNext">
+                  <p:tgtEl>
+                    <p:sldTgt/>
+                  </p:tgtEl>
+                </p:cond>
+              </p:nextCondLst>
+            </p:seq>
+          </p:childTnLst>
+        </p:cTn>
+      </p:par>
+    </p:tnLst>
+  </p:timing>
+</p:sld>
+</file>
+
+<file path=ppt/slides/slide18.xml><?xml version="1.0" encoding="utf-8"?>
+<p:sld xmlns:a="http://schemas.openxmlformats.org/drawingml/2006/main" xmlns:p="http://schemas.openxmlformats.org/presentationml/2006/main" xmlns:r="http://schemas.openxmlformats.org/officeDocument/2006/relationships" xmlns:p14="http://schemas.microsoft.com/office/powerpoint/2010/main" xmlns:p15="http://schemas.microsoft.com/office/powerpoint/2012/main" xmlns:mc="http://schemas.openxmlformats.org/markup-compatibility/2006">
+  <p:cSld>
+    <p:spTree>
+      <p:nvGrpSpPr>
+        <p:cNvPr id="1" name=""/>
+        <p:cNvGrpSpPr/>
+        <p:nvPr/>
+      </p:nvGrpSpPr>
+      <p:grpSpPr>
+        <a:xfrm>
+          <a:off x="0" y="0"/>
+          <a:ext cx="0" cy="0"/>
+          <a:chOff x="0" y="0"/>
+          <a:chExt cx="0" cy="0"/>
+        </a:xfrm>
+      </p:grpSpPr>
+      <p:pic>
+        <p:nvPicPr>
+          <p:cNvPr id="107" name="" descr=""/>
+          <p:cNvPicPr/>
+          <p:nvPr/>
+        </p:nvPicPr>
+        <p:blipFill>
+          <a:blip r:embed="rId1"/>
+          <a:stretch/>
+        </p:blipFill>
+        <p:spPr>
+          <a:xfrm>
+            <a:off x="103320" y="432000"/>
+            <a:ext cx="9868680" cy="4474800"/>
+          </a:xfrm>
+          <a:prstGeom prst="rect">
+            <a:avLst/>
+          </a:prstGeom>
+          <a:ln>
+            <a:noFill/>
+          </a:ln>
+        </p:spPr>
+      </p:pic>
+    </p:spTree>
+  </p:cSld>
+  <p:timing>
+    <p:tnLst>
+      <p:par>
+        <p:cTn id="35" dur="indefinite" restart="never" nodeType="tmRoot">
+          <p:childTnLst>
+            <p:seq>
+              <p:cTn id="36" dur="indefinite" nodeType="mainSeq"/>
+              <p:prevCondLst>
+                <p:cond delay="0" evt="onPrev">
+                  <p:tgtEl>
+                    <p:sldTgt/>
+                  </p:tgtEl>
+                </p:cond>
+              </p:prevCondLst>
+              <p:nextCondLst>
+                <p:cond delay="0" evt="onNext">
+                  <p:tgtEl>
+                    <p:sldTgt/>
+                  </p:tgtEl>
+                </p:cond>
+              </p:nextCondLst>
+            </p:seq>
+          </p:childTnLst>
+        </p:cTn>
+      </p:par>
+    </p:tnLst>
+  </p:timing>
+</p:sld>
+</file>
+
+<file path=ppt/slides/slide19.xml><?xml version="1.0" encoding="utf-8"?>
+<p:sld xmlns:a="http://schemas.openxmlformats.org/drawingml/2006/main" xmlns:p="http://schemas.openxmlformats.org/presentationml/2006/main" xmlns:r="http://schemas.openxmlformats.org/officeDocument/2006/relationships" xmlns:p14="http://schemas.microsoft.com/office/powerpoint/2010/main" xmlns:p15="http://schemas.microsoft.com/office/powerpoint/2012/main" xmlns:mc="http://schemas.openxmlformats.org/markup-compatibility/2006">
+  <p:cSld>
+    <p:spTree>
+      <p:nvGrpSpPr>
+        <p:cNvPr id="1" name=""/>
+        <p:cNvGrpSpPr/>
+        <p:nvPr/>
+      </p:nvGrpSpPr>
+      <p:grpSpPr>
+        <a:xfrm>
+          <a:off x="0" y="0"/>
+          <a:ext cx="0" cy="0"/>
+          <a:chOff x="0" y="0"/>
+          <a:chExt cx="0" cy="0"/>
+        </a:xfrm>
+      </p:grpSpPr>
+      <p:pic>
+        <p:nvPicPr>
+          <p:cNvPr id="108" name="" descr=""/>
+          <p:cNvPicPr/>
+          <p:nvPr/>
+        </p:nvPicPr>
+        <p:blipFill>
+          <a:blip r:embed="rId1"/>
+          <a:stretch/>
+        </p:blipFill>
+        <p:spPr>
+          <a:xfrm>
+            <a:off x="231840" y="699120"/>
+            <a:ext cx="9696240" cy="4295520"/>
+          </a:xfrm>
+          <a:prstGeom prst="rect">
+            <a:avLst/>
+          </a:prstGeom>
+          <a:ln>
+            <a:noFill/>
+          </a:ln>
+        </p:spPr>
+      </p:pic>
+    </p:spTree>
+  </p:cSld>
+  <p:timing>
+    <p:tnLst>
+      <p:par>
+        <p:cTn id="37" dur="indefinite" restart="never" nodeType="tmRoot">
+          <p:childTnLst>
+            <p:seq>
+              <p:cTn id="38" dur="indefinite" nodeType="mainSeq"/>
               <p:prevCondLst>
                 <p:cond delay="0" evt="onPrev">
                   <p:tgtEl>
@@ -3744,14 +4401,14 @@
       </p:grpSpPr>
       <p:sp>
         <p:nvSpPr>
-          <p:cNvPr id="89" name="TextShape 1"/>
+          <p:cNvPr id="85" name="TextShape 1"/>
           <p:cNvSpPr txBox="1"/>
           <p:nvPr/>
         </p:nvSpPr>
         <p:spPr>
           <a:xfrm>
             <a:off x="504000" y="565560"/>
-            <a:ext cx="9071640" cy="946440"/>
+            <a:ext cx="9071280" cy="946080"/>
           </a:xfrm>
           <a:prstGeom prst="rect">
             <a:avLst/>
@@ -3764,25 +4421,35 @@
         <p:txBody>
           <a:bodyPr lIns="0" rIns="0" tIns="0" bIns="0" anchor="ctr"/>
           <a:p>
+            <a:pPr algn="ctr"/>
+            <a:r>
+              <a:rPr b="0" lang="pt-BR" sz="4400" spc="-1" strike="noStrike">
+                <a:latin typeface="Arial"/>
+              </a:rPr>
+              <a:t>Software de revenda de carros</a:t>
+            </a:r>
+            <a:r>
+              <a:rPr b="0" lang="pt-BR" sz="4400" spc="-1" strike="noStrike">
+                <a:latin typeface="Arial"/>
+              </a:rPr>
+              <a:t>	</a:t>
+            </a:r>
             <a:endParaRPr b="0" lang="pt-BR" sz="4400" spc="-1" strike="noStrike">
-              <a:solidFill>
-                <a:srgbClr val="c7243a"/>
-              </a:solidFill>
-              <a:latin typeface="Arial"/>
-            </a:endParaRPr>
-          </a:p>
-        </p:txBody>
-      </p:sp>
-      <p:sp>
-        <p:nvSpPr>
-          <p:cNvPr id="90" name="TextShape 2"/>
+              <a:latin typeface="Arial"/>
+            </a:endParaRPr>
+          </a:p>
+        </p:txBody>
+      </p:sp>
+      <p:sp>
+        <p:nvSpPr>
+          <p:cNvPr id="86" name="TextShape 2"/>
           <p:cNvSpPr txBox="1"/>
           <p:nvPr/>
         </p:nvSpPr>
         <p:spPr>
           <a:xfrm>
-            <a:off x="504000" y="1656000"/>
-            <a:ext cx="9071640" cy="3528000"/>
+            <a:off x="504000" y="1511640"/>
+            <a:ext cx="9072000" cy="3103560"/>
           </a:xfrm>
           <a:prstGeom prst="rect">
             <a:avLst/>
@@ -3797,6 +4464,111 @@
             <a:normAutofit/>
           </a:bodyPr>
           <a:p>
+            <a:pPr marL="432000" indent="-324000">
+              <a:spcBef>
+                <a:spcPts val="1417"/>
+              </a:spcBef>
+              <a:buClr>
+                <a:srgbClr val="000000"/>
+              </a:buClr>
+              <a:buSzPct val="45000"/>
+              <a:buFont typeface="Wingdings" charset="2"/>
+              <a:buChar char=""/>
+            </a:pPr>
+            <a:r>
+              <a:rPr b="0" lang="pt-BR" sz="3200" spc="-1" strike="noStrike">
+                <a:latin typeface="Arial"/>
+              </a:rPr>
+              <a:t>Chassi (String, Primary Key)</a:t>
+            </a:r>
+            <a:endParaRPr b="0" lang="pt-BR" sz="3200" spc="-1" strike="noStrike">
+              <a:latin typeface="Arial"/>
+            </a:endParaRPr>
+          </a:p>
+          <a:p>
+            <a:pPr marL="432000" indent="-324000">
+              <a:spcBef>
+                <a:spcPts val="1417"/>
+              </a:spcBef>
+              <a:buClr>
+                <a:srgbClr val="000000"/>
+              </a:buClr>
+              <a:buSzPct val="45000"/>
+              <a:buFont typeface="Wingdings" charset="2"/>
+              <a:buChar char=""/>
+            </a:pPr>
+            <a:r>
+              <a:rPr b="0" lang="pt-BR" sz="3200" spc="-1" strike="noStrike">
+                <a:latin typeface="Arial"/>
+              </a:rPr>
+              <a:t>Marca </a:t>
+            </a:r>
+            <a:endParaRPr b="0" lang="pt-BR" sz="3200" spc="-1" strike="noStrike">
+              <a:latin typeface="Arial"/>
+            </a:endParaRPr>
+          </a:p>
+          <a:p>
+            <a:pPr marL="432000" indent="-324000">
+              <a:spcBef>
+                <a:spcPts val="1417"/>
+              </a:spcBef>
+              <a:buClr>
+                <a:srgbClr val="000000"/>
+              </a:buClr>
+              <a:buSzPct val="45000"/>
+              <a:buFont typeface="Wingdings" charset="2"/>
+              <a:buChar char=""/>
+            </a:pPr>
+            <a:r>
+              <a:rPr b="0" lang="pt-BR" sz="3200" spc="-1" strike="noStrike">
+                <a:latin typeface="Arial"/>
+              </a:rPr>
+              <a:t>Modelo (Obrigatório)</a:t>
+            </a:r>
+            <a:endParaRPr b="0" lang="pt-BR" sz="3200" spc="-1" strike="noStrike">
+              <a:latin typeface="Arial"/>
+            </a:endParaRPr>
+          </a:p>
+          <a:p>
+            <a:pPr marL="432000" indent="-324000">
+              <a:spcBef>
+                <a:spcPts val="1417"/>
+              </a:spcBef>
+              <a:buClr>
+                <a:srgbClr val="000000"/>
+              </a:buClr>
+              <a:buSzPct val="45000"/>
+              <a:buFont typeface="Wingdings" charset="2"/>
+              <a:buChar char=""/>
+            </a:pPr>
+            <a:r>
+              <a:rPr b="0" lang="pt-BR" sz="3200" spc="-1" strike="noStrike">
+                <a:latin typeface="Arial"/>
+              </a:rPr>
+              <a:t>Ano</a:t>
+            </a:r>
+            <a:endParaRPr b="0" lang="pt-BR" sz="3200" spc="-1" strike="noStrike">
+              <a:latin typeface="Arial"/>
+            </a:endParaRPr>
+          </a:p>
+          <a:p>
+            <a:pPr marL="432000" indent="-324000">
+              <a:spcBef>
+                <a:spcPts val="1417"/>
+              </a:spcBef>
+              <a:buClr>
+                <a:srgbClr val="000000"/>
+              </a:buClr>
+              <a:buSzPct val="45000"/>
+              <a:buFont typeface="Wingdings" charset="2"/>
+              <a:buChar char=""/>
+            </a:pPr>
+            <a:r>
+              <a:rPr b="0" lang="pt-BR" sz="3200" spc="-1" strike="noStrike">
+                <a:latin typeface="Arial"/>
+              </a:rPr>
+              <a:t>Preço</a:t>
+            </a:r>
             <a:endParaRPr b="0" lang="pt-BR" sz="3200" spc="-1" strike="noStrike">
               <a:latin typeface="Arial"/>
             </a:endParaRPr>
@@ -3812,6 +4584,726 @@
           <p:childTnLst>
             <p:seq>
               <p:cTn id="4" dur="indefinite" nodeType="mainSeq"/>
+              <p:prevCondLst>
+                <p:cond delay="0" evt="onPrev">
+                  <p:tgtEl>
+                    <p:sldTgt/>
+                  </p:tgtEl>
+                </p:cond>
+              </p:prevCondLst>
+              <p:nextCondLst>
+                <p:cond delay="0" evt="onNext">
+                  <p:tgtEl>
+                    <p:sldTgt/>
+                  </p:tgtEl>
+                </p:cond>
+              </p:nextCondLst>
+            </p:seq>
+          </p:childTnLst>
+        </p:cTn>
+      </p:par>
+    </p:tnLst>
+  </p:timing>
+</p:sld>
+</file>
+
+<file path=ppt/slides/slide20.xml><?xml version="1.0" encoding="utf-8"?>
+<p:sld xmlns:a="http://schemas.openxmlformats.org/drawingml/2006/main" xmlns:p="http://schemas.openxmlformats.org/presentationml/2006/main" xmlns:r="http://schemas.openxmlformats.org/officeDocument/2006/relationships" xmlns:p14="http://schemas.microsoft.com/office/powerpoint/2010/main" xmlns:p15="http://schemas.microsoft.com/office/powerpoint/2012/main" xmlns:mc="http://schemas.openxmlformats.org/markup-compatibility/2006">
+  <p:cSld>
+    <p:spTree>
+      <p:nvGrpSpPr>
+        <p:cNvPr id="1" name=""/>
+        <p:cNvGrpSpPr/>
+        <p:nvPr/>
+      </p:nvGrpSpPr>
+      <p:grpSpPr>
+        <a:xfrm>
+          <a:off x="0" y="0"/>
+          <a:ext cx="0" cy="0"/>
+          <a:chOff x="0" y="0"/>
+          <a:chExt cx="0" cy="0"/>
+        </a:xfrm>
+      </p:grpSpPr>
+      <p:pic>
+        <p:nvPicPr>
+          <p:cNvPr id="109" name="" descr=""/>
+          <p:cNvPicPr/>
+          <p:nvPr/>
+        </p:nvPicPr>
+        <p:blipFill>
+          <a:blip r:embed="rId1"/>
+          <a:stretch/>
+        </p:blipFill>
+        <p:spPr>
+          <a:xfrm>
+            <a:off x="396000" y="504000"/>
+            <a:ext cx="9288000" cy="4549680"/>
+          </a:xfrm>
+          <a:prstGeom prst="rect">
+            <a:avLst/>
+          </a:prstGeom>
+          <a:ln>
+            <a:noFill/>
+          </a:ln>
+        </p:spPr>
+      </p:pic>
+    </p:spTree>
+  </p:cSld>
+  <p:timing>
+    <p:tnLst>
+      <p:par>
+        <p:cTn id="39" dur="indefinite" restart="never" nodeType="tmRoot">
+          <p:childTnLst>
+            <p:seq>
+              <p:cTn id="40" dur="indefinite" nodeType="mainSeq"/>
+              <p:prevCondLst>
+                <p:cond delay="0" evt="onPrev">
+                  <p:tgtEl>
+                    <p:sldTgt/>
+                  </p:tgtEl>
+                </p:cond>
+              </p:prevCondLst>
+              <p:nextCondLst>
+                <p:cond delay="0" evt="onNext">
+                  <p:tgtEl>
+                    <p:sldTgt/>
+                  </p:tgtEl>
+                </p:cond>
+              </p:nextCondLst>
+            </p:seq>
+          </p:childTnLst>
+        </p:cTn>
+      </p:par>
+    </p:tnLst>
+  </p:timing>
+</p:sld>
+</file>
+
+<file path=ppt/slides/slide21.xml><?xml version="1.0" encoding="utf-8"?>
+<p:sld xmlns:a="http://schemas.openxmlformats.org/drawingml/2006/main" xmlns:p="http://schemas.openxmlformats.org/presentationml/2006/main" xmlns:r="http://schemas.openxmlformats.org/officeDocument/2006/relationships" xmlns:p14="http://schemas.microsoft.com/office/powerpoint/2010/main" xmlns:p15="http://schemas.microsoft.com/office/powerpoint/2012/main" xmlns:mc="http://schemas.openxmlformats.org/markup-compatibility/2006">
+  <p:cSld>
+    <p:spTree>
+      <p:nvGrpSpPr>
+        <p:cNvPr id="1" name=""/>
+        <p:cNvGrpSpPr/>
+        <p:nvPr/>
+      </p:nvGrpSpPr>
+      <p:grpSpPr>
+        <a:xfrm>
+          <a:off x="0" y="0"/>
+          <a:ext cx="0" cy="0"/>
+          <a:chOff x="0" y="0"/>
+          <a:chExt cx="0" cy="0"/>
+        </a:xfrm>
+      </p:grpSpPr>
+      <p:pic>
+        <p:nvPicPr>
+          <p:cNvPr id="110" name="" descr=""/>
+          <p:cNvPicPr/>
+          <p:nvPr/>
+        </p:nvPicPr>
+        <p:blipFill>
+          <a:blip r:embed="rId1"/>
+          <a:stretch/>
+        </p:blipFill>
+        <p:spPr>
+          <a:xfrm>
+            <a:off x="2871720" y="360000"/>
+            <a:ext cx="4400280" cy="4680000"/>
+          </a:xfrm>
+          <a:prstGeom prst="rect">
+            <a:avLst/>
+          </a:prstGeom>
+          <a:ln>
+            <a:noFill/>
+          </a:ln>
+        </p:spPr>
+      </p:pic>
+    </p:spTree>
+  </p:cSld>
+  <p:timing>
+    <p:tnLst>
+      <p:par>
+        <p:cTn id="41" dur="indefinite" restart="never" nodeType="tmRoot">
+          <p:childTnLst>
+            <p:seq>
+              <p:cTn id="42" dur="indefinite" nodeType="mainSeq"/>
+              <p:prevCondLst>
+                <p:cond delay="0" evt="onPrev">
+                  <p:tgtEl>
+                    <p:sldTgt/>
+                  </p:tgtEl>
+                </p:cond>
+              </p:prevCondLst>
+              <p:nextCondLst>
+                <p:cond delay="0" evt="onNext">
+                  <p:tgtEl>
+                    <p:sldTgt/>
+                  </p:tgtEl>
+                </p:cond>
+              </p:nextCondLst>
+            </p:seq>
+          </p:childTnLst>
+        </p:cTn>
+      </p:par>
+    </p:tnLst>
+  </p:timing>
+</p:sld>
+</file>
+
+<file path=ppt/slides/slide22.xml><?xml version="1.0" encoding="utf-8"?>
+<p:sld xmlns:a="http://schemas.openxmlformats.org/drawingml/2006/main" xmlns:p="http://schemas.openxmlformats.org/presentationml/2006/main" xmlns:r="http://schemas.openxmlformats.org/officeDocument/2006/relationships" xmlns:p14="http://schemas.microsoft.com/office/powerpoint/2010/main" xmlns:p15="http://schemas.microsoft.com/office/powerpoint/2012/main" xmlns:mc="http://schemas.openxmlformats.org/markup-compatibility/2006">
+  <p:cSld>
+    <p:spTree>
+      <p:nvGrpSpPr>
+        <p:cNvPr id="1" name=""/>
+        <p:cNvGrpSpPr/>
+        <p:nvPr/>
+      </p:nvGrpSpPr>
+      <p:grpSpPr>
+        <a:xfrm>
+          <a:off x="0" y="0"/>
+          <a:ext cx="0" cy="0"/>
+          <a:chOff x="0" y="0"/>
+          <a:chExt cx="0" cy="0"/>
+        </a:xfrm>
+      </p:grpSpPr>
+      <p:pic>
+        <p:nvPicPr>
+          <p:cNvPr id="111" name="" descr=""/>
+          <p:cNvPicPr/>
+          <p:nvPr/>
+        </p:nvPicPr>
+        <p:blipFill>
+          <a:blip r:embed="rId1"/>
+          <a:stretch/>
+        </p:blipFill>
+        <p:spPr>
+          <a:xfrm>
+            <a:off x="1080000" y="432000"/>
+            <a:ext cx="8111520" cy="4469040"/>
+          </a:xfrm>
+          <a:prstGeom prst="rect">
+            <a:avLst/>
+          </a:prstGeom>
+          <a:ln>
+            <a:noFill/>
+          </a:ln>
+        </p:spPr>
+      </p:pic>
+    </p:spTree>
+  </p:cSld>
+  <p:timing>
+    <p:tnLst>
+      <p:par>
+        <p:cTn id="43" dur="indefinite" restart="never" nodeType="tmRoot">
+          <p:childTnLst>
+            <p:seq>
+              <p:cTn id="44" dur="indefinite" nodeType="mainSeq"/>
+              <p:prevCondLst>
+                <p:cond delay="0" evt="onPrev">
+                  <p:tgtEl>
+                    <p:sldTgt/>
+                  </p:tgtEl>
+                </p:cond>
+              </p:prevCondLst>
+              <p:nextCondLst>
+                <p:cond delay="0" evt="onNext">
+                  <p:tgtEl>
+                    <p:sldTgt/>
+                  </p:tgtEl>
+                </p:cond>
+              </p:nextCondLst>
+            </p:seq>
+          </p:childTnLst>
+        </p:cTn>
+      </p:par>
+    </p:tnLst>
+  </p:timing>
+</p:sld>
+</file>
+
+<file path=ppt/slides/slide23.xml><?xml version="1.0" encoding="utf-8"?>
+<p:sld xmlns:a="http://schemas.openxmlformats.org/drawingml/2006/main" xmlns:p="http://schemas.openxmlformats.org/presentationml/2006/main" xmlns:r="http://schemas.openxmlformats.org/officeDocument/2006/relationships" xmlns:p14="http://schemas.microsoft.com/office/powerpoint/2010/main" xmlns:p15="http://schemas.microsoft.com/office/powerpoint/2012/main" xmlns:mc="http://schemas.openxmlformats.org/markup-compatibility/2006">
+  <p:cSld>
+    <p:spTree>
+      <p:nvGrpSpPr>
+        <p:cNvPr id="1" name=""/>
+        <p:cNvGrpSpPr/>
+        <p:nvPr/>
+      </p:nvGrpSpPr>
+      <p:grpSpPr>
+        <a:xfrm>
+          <a:off x="0" y="0"/>
+          <a:ext cx="0" cy="0"/>
+          <a:chOff x="0" y="0"/>
+          <a:chExt cx="0" cy="0"/>
+        </a:xfrm>
+      </p:grpSpPr>
+      <p:pic>
+        <p:nvPicPr>
+          <p:cNvPr id="112" name="" descr=""/>
+          <p:cNvPicPr/>
+          <p:nvPr/>
+        </p:nvPicPr>
+        <p:blipFill>
+          <a:blip r:embed="rId1"/>
+          <a:stretch/>
+        </p:blipFill>
+        <p:spPr>
+          <a:xfrm>
+            <a:off x="2822760" y="432000"/>
+            <a:ext cx="4729320" cy="4619520"/>
+          </a:xfrm>
+          <a:prstGeom prst="rect">
+            <a:avLst/>
+          </a:prstGeom>
+          <a:ln>
+            <a:noFill/>
+          </a:ln>
+        </p:spPr>
+      </p:pic>
+    </p:spTree>
+  </p:cSld>
+  <p:timing>
+    <p:tnLst>
+      <p:par>
+        <p:cTn id="45" dur="indefinite" restart="never" nodeType="tmRoot">
+          <p:childTnLst>
+            <p:seq>
+              <p:cTn id="46" dur="indefinite" nodeType="mainSeq"/>
+              <p:prevCondLst>
+                <p:cond delay="0" evt="onPrev">
+                  <p:tgtEl>
+                    <p:sldTgt/>
+                  </p:tgtEl>
+                </p:cond>
+              </p:prevCondLst>
+              <p:nextCondLst>
+                <p:cond delay="0" evt="onNext">
+                  <p:tgtEl>
+                    <p:sldTgt/>
+                  </p:tgtEl>
+                </p:cond>
+              </p:nextCondLst>
+            </p:seq>
+          </p:childTnLst>
+        </p:cTn>
+      </p:par>
+    </p:tnLst>
+  </p:timing>
+</p:sld>
+</file>
+
+<file path=ppt/slides/slide24.xml><?xml version="1.0" encoding="utf-8"?>
+<p:sld xmlns:a="http://schemas.openxmlformats.org/drawingml/2006/main" xmlns:p="http://schemas.openxmlformats.org/presentationml/2006/main" xmlns:r="http://schemas.openxmlformats.org/officeDocument/2006/relationships" xmlns:p14="http://schemas.microsoft.com/office/powerpoint/2010/main" xmlns:p15="http://schemas.microsoft.com/office/powerpoint/2012/main" xmlns:mc="http://schemas.openxmlformats.org/markup-compatibility/2006">
+  <p:cSld>
+    <p:spTree>
+      <p:nvGrpSpPr>
+        <p:cNvPr id="1" name=""/>
+        <p:cNvGrpSpPr/>
+        <p:nvPr/>
+      </p:nvGrpSpPr>
+      <p:grpSpPr>
+        <a:xfrm>
+          <a:off x="0" y="0"/>
+          <a:ext cx="0" cy="0"/>
+          <a:chOff x="0" y="0"/>
+          <a:chExt cx="0" cy="0"/>
+        </a:xfrm>
+      </p:grpSpPr>
+      <p:pic>
+        <p:nvPicPr>
+          <p:cNvPr id="113" name="" descr=""/>
+          <p:cNvPicPr/>
+          <p:nvPr/>
+        </p:nvPicPr>
+        <p:blipFill>
+          <a:blip r:embed="rId1"/>
+          <a:stretch/>
+        </p:blipFill>
+        <p:spPr>
+          <a:xfrm>
+            <a:off x="1310040" y="432000"/>
+            <a:ext cx="7581960" cy="4552200"/>
+          </a:xfrm>
+          <a:prstGeom prst="rect">
+            <a:avLst/>
+          </a:prstGeom>
+          <a:ln>
+            <a:noFill/>
+          </a:ln>
+        </p:spPr>
+      </p:pic>
+    </p:spTree>
+  </p:cSld>
+  <p:timing>
+    <p:tnLst>
+      <p:par>
+        <p:cTn id="47" dur="indefinite" restart="never" nodeType="tmRoot">
+          <p:childTnLst>
+            <p:seq>
+              <p:cTn id="48" dur="indefinite" nodeType="mainSeq"/>
+              <p:prevCondLst>
+                <p:cond delay="0" evt="onPrev">
+                  <p:tgtEl>
+                    <p:sldTgt/>
+                  </p:tgtEl>
+                </p:cond>
+              </p:prevCondLst>
+              <p:nextCondLst>
+                <p:cond delay="0" evt="onNext">
+                  <p:tgtEl>
+                    <p:sldTgt/>
+                  </p:tgtEl>
+                </p:cond>
+              </p:nextCondLst>
+            </p:seq>
+          </p:childTnLst>
+        </p:cTn>
+      </p:par>
+    </p:tnLst>
+  </p:timing>
+</p:sld>
+</file>
+
+<file path=ppt/slides/slide25.xml><?xml version="1.0" encoding="utf-8"?>
+<p:sld xmlns:a="http://schemas.openxmlformats.org/drawingml/2006/main" xmlns:p="http://schemas.openxmlformats.org/presentationml/2006/main" xmlns:r="http://schemas.openxmlformats.org/officeDocument/2006/relationships" xmlns:p14="http://schemas.microsoft.com/office/powerpoint/2010/main" xmlns:p15="http://schemas.microsoft.com/office/powerpoint/2012/main" xmlns:mc="http://schemas.openxmlformats.org/markup-compatibility/2006">
+  <p:cSld>
+    <p:spTree>
+      <p:nvGrpSpPr>
+        <p:cNvPr id="1" name=""/>
+        <p:cNvGrpSpPr/>
+        <p:nvPr/>
+      </p:nvGrpSpPr>
+      <p:grpSpPr>
+        <a:xfrm>
+          <a:off x="0" y="0"/>
+          <a:ext cx="0" cy="0"/>
+          <a:chOff x="0" y="0"/>
+          <a:chExt cx="0" cy="0"/>
+        </a:xfrm>
+      </p:grpSpPr>
+      <p:pic>
+        <p:nvPicPr>
+          <p:cNvPr id="114" name="" descr=""/>
+          <p:cNvPicPr/>
+          <p:nvPr/>
+        </p:nvPicPr>
+        <p:blipFill>
+          <a:blip r:embed="rId1"/>
+          <a:stretch/>
+        </p:blipFill>
+        <p:spPr>
+          <a:xfrm>
+            <a:off x="257040" y="775440"/>
+            <a:ext cx="9534960" cy="3904560"/>
+          </a:xfrm>
+          <a:prstGeom prst="rect">
+            <a:avLst/>
+          </a:prstGeom>
+          <a:ln>
+            <a:noFill/>
+          </a:ln>
+        </p:spPr>
+      </p:pic>
+    </p:spTree>
+  </p:cSld>
+  <p:timing>
+    <p:tnLst>
+      <p:par>
+        <p:cTn id="49" dur="indefinite" restart="never" nodeType="tmRoot">
+          <p:childTnLst>
+            <p:seq>
+              <p:cTn id="50" dur="indefinite" nodeType="mainSeq"/>
+              <p:prevCondLst>
+                <p:cond delay="0" evt="onPrev">
+                  <p:tgtEl>
+                    <p:sldTgt/>
+                  </p:tgtEl>
+                </p:cond>
+              </p:prevCondLst>
+              <p:nextCondLst>
+                <p:cond delay="0" evt="onNext">
+                  <p:tgtEl>
+                    <p:sldTgt/>
+                  </p:tgtEl>
+                </p:cond>
+              </p:nextCondLst>
+            </p:seq>
+          </p:childTnLst>
+        </p:cTn>
+      </p:par>
+    </p:tnLst>
+  </p:timing>
+</p:sld>
+</file>
+
+<file path=ppt/slides/slide26.xml><?xml version="1.0" encoding="utf-8"?>
+<p:sld xmlns:a="http://schemas.openxmlformats.org/drawingml/2006/main" xmlns:p="http://schemas.openxmlformats.org/presentationml/2006/main" xmlns:r="http://schemas.openxmlformats.org/officeDocument/2006/relationships" xmlns:p14="http://schemas.microsoft.com/office/powerpoint/2010/main" xmlns:p15="http://schemas.microsoft.com/office/powerpoint/2012/main" xmlns:mc="http://schemas.openxmlformats.org/markup-compatibility/2006">
+  <p:cSld>
+    <p:spTree>
+      <p:nvGrpSpPr>
+        <p:cNvPr id="1" name=""/>
+        <p:cNvGrpSpPr/>
+        <p:nvPr/>
+      </p:nvGrpSpPr>
+      <p:grpSpPr>
+        <a:xfrm>
+          <a:off x="0" y="0"/>
+          <a:ext cx="0" cy="0"/>
+          <a:chOff x="0" y="0"/>
+          <a:chExt cx="0" cy="0"/>
+        </a:xfrm>
+      </p:grpSpPr>
+      <p:pic>
+        <p:nvPicPr>
+          <p:cNvPr id="115" name="" descr=""/>
+          <p:cNvPicPr/>
+          <p:nvPr/>
+        </p:nvPicPr>
+        <p:blipFill>
+          <a:blip r:embed="rId1"/>
+          <a:stretch/>
+        </p:blipFill>
+        <p:spPr>
+          <a:xfrm>
+            <a:off x="1152000" y="432000"/>
+            <a:ext cx="7632000" cy="4601880"/>
+          </a:xfrm>
+          <a:prstGeom prst="rect">
+            <a:avLst/>
+          </a:prstGeom>
+          <a:ln>
+            <a:noFill/>
+          </a:ln>
+        </p:spPr>
+      </p:pic>
+    </p:spTree>
+  </p:cSld>
+  <p:timing>
+    <p:tnLst>
+      <p:par>
+        <p:cTn id="51" dur="indefinite" restart="never" nodeType="tmRoot">
+          <p:childTnLst>
+            <p:seq>
+              <p:cTn id="52" dur="indefinite" nodeType="mainSeq"/>
+              <p:prevCondLst>
+                <p:cond delay="0" evt="onPrev">
+                  <p:tgtEl>
+                    <p:sldTgt/>
+                  </p:tgtEl>
+                </p:cond>
+              </p:prevCondLst>
+              <p:nextCondLst>
+                <p:cond delay="0" evt="onNext">
+                  <p:tgtEl>
+                    <p:sldTgt/>
+                  </p:tgtEl>
+                </p:cond>
+              </p:nextCondLst>
+            </p:seq>
+          </p:childTnLst>
+        </p:cTn>
+      </p:par>
+    </p:tnLst>
+  </p:timing>
+</p:sld>
+</file>
+
+<file path=ppt/slides/slide27.xml><?xml version="1.0" encoding="utf-8"?>
+<p:sld xmlns:a="http://schemas.openxmlformats.org/drawingml/2006/main" xmlns:p="http://schemas.openxmlformats.org/presentationml/2006/main" xmlns:r="http://schemas.openxmlformats.org/officeDocument/2006/relationships" xmlns:p14="http://schemas.microsoft.com/office/powerpoint/2010/main" xmlns:p15="http://schemas.microsoft.com/office/powerpoint/2012/main" xmlns:mc="http://schemas.openxmlformats.org/markup-compatibility/2006">
+  <p:cSld>
+    <p:spTree>
+      <p:nvGrpSpPr>
+        <p:cNvPr id="1" name=""/>
+        <p:cNvGrpSpPr/>
+        <p:nvPr/>
+      </p:nvGrpSpPr>
+      <p:grpSpPr>
+        <a:xfrm>
+          <a:off x="0" y="0"/>
+          <a:ext cx="0" cy="0"/>
+          <a:chOff x="0" y="0"/>
+          <a:chExt cx="0" cy="0"/>
+        </a:xfrm>
+      </p:grpSpPr>
+      <p:pic>
+        <p:nvPicPr>
+          <p:cNvPr id="116" name="" descr=""/>
+          <p:cNvPicPr/>
+          <p:nvPr/>
+        </p:nvPicPr>
+        <p:blipFill>
+          <a:blip r:embed="rId1"/>
+          <a:stretch/>
+        </p:blipFill>
+        <p:spPr>
+          <a:xfrm>
+            <a:off x="1282320" y="468720"/>
+            <a:ext cx="7429680" cy="4571280"/>
+          </a:xfrm>
+          <a:prstGeom prst="rect">
+            <a:avLst/>
+          </a:prstGeom>
+          <a:ln>
+            <a:noFill/>
+          </a:ln>
+        </p:spPr>
+      </p:pic>
+    </p:spTree>
+  </p:cSld>
+  <p:timing>
+    <p:tnLst>
+      <p:par>
+        <p:cTn id="53" dur="indefinite" restart="never" nodeType="tmRoot">
+          <p:childTnLst>
+            <p:seq>
+              <p:cTn id="54" dur="indefinite" nodeType="mainSeq"/>
+              <p:prevCondLst>
+                <p:cond delay="0" evt="onPrev">
+                  <p:tgtEl>
+                    <p:sldTgt/>
+                  </p:tgtEl>
+                </p:cond>
+              </p:prevCondLst>
+              <p:nextCondLst>
+                <p:cond delay="0" evt="onNext">
+                  <p:tgtEl>
+                    <p:sldTgt/>
+                  </p:tgtEl>
+                </p:cond>
+              </p:nextCondLst>
+            </p:seq>
+          </p:childTnLst>
+        </p:cTn>
+      </p:par>
+    </p:tnLst>
+  </p:timing>
+</p:sld>
+</file>
+
+<file path=ppt/slides/slide28.xml><?xml version="1.0" encoding="utf-8"?>
+<p:sld xmlns:a="http://schemas.openxmlformats.org/drawingml/2006/main" xmlns:p="http://schemas.openxmlformats.org/presentationml/2006/main" xmlns:r="http://schemas.openxmlformats.org/officeDocument/2006/relationships" xmlns:p14="http://schemas.microsoft.com/office/powerpoint/2010/main" xmlns:p15="http://schemas.microsoft.com/office/powerpoint/2012/main" xmlns:mc="http://schemas.openxmlformats.org/markup-compatibility/2006">
+  <p:cSld>
+    <p:spTree>
+      <p:nvGrpSpPr>
+        <p:cNvPr id="1" name=""/>
+        <p:cNvGrpSpPr/>
+        <p:nvPr/>
+      </p:nvGrpSpPr>
+      <p:grpSpPr>
+        <a:xfrm>
+          <a:off x="0" y="0"/>
+          <a:ext cx="0" cy="0"/>
+          <a:chOff x="0" y="0"/>
+          <a:chExt cx="0" cy="0"/>
+        </a:xfrm>
+      </p:grpSpPr>
+      <p:pic>
+        <p:nvPicPr>
+          <p:cNvPr id="117" name="" descr=""/>
+          <p:cNvPicPr/>
+          <p:nvPr/>
+        </p:nvPicPr>
+        <p:blipFill>
+          <a:blip r:embed="rId1"/>
+          <a:stretch/>
+        </p:blipFill>
+        <p:spPr>
+          <a:xfrm>
+            <a:off x="1816920" y="360000"/>
+            <a:ext cx="6751080" cy="4680000"/>
+          </a:xfrm>
+          <a:prstGeom prst="rect">
+            <a:avLst/>
+          </a:prstGeom>
+          <a:ln>
+            <a:noFill/>
+          </a:ln>
+        </p:spPr>
+      </p:pic>
+    </p:spTree>
+  </p:cSld>
+  <p:timing>
+    <p:tnLst>
+      <p:par>
+        <p:cTn id="55" dur="indefinite" restart="never" nodeType="tmRoot">
+          <p:childTnLst>
+            <p:seq>
+              <p:cTn id="56" dur="indefinite" nodeType="mainSeq"/>
+              <p:prevCondLst>
+                <p:cond delay="0" evt="onPrev">
+                  <p:tgtEl>
+                    <p:sldTgt/>
+                  </p:tgtEl>
+                </p:cond>
+              </p:prevCondLst>
+              <p:nextCondLst>
+                <p:cond delay="0" evt="onNext">
+                  <p:tgtEl>
+                    <p:sldTgt/>
+                  </p:tgtEl>
+                </p:cond>
+              </p:nextCondLst>
+            </p:seq>
+          </p:childTnLst>
+        </p:cTn>
+      </p:par>
+    </p:tnLst>
+  </p:timing>
+</p:sld>
+</file>
+
+<file path=ppt/slides/slide29.xml><?xml version="1.0" encoding="utf-8"?>
+<p:sld xmlns:a="http://schemas.openxmlformats.org/drawingml/2006/main" xmlns:p="http://schemas.openxmlformats.org/presentationml/2006/main" xmlns:r="http://schemas.openxmlformats.org/officeDocument/2006/relationships" xmlns:p14="http://schemas.microsoft.com/office/powerpoint/2010/main" xmlns:p15="http://schemas.microsoft.com/office/powerpoint/2012/main" xmlns:mc="http://schemas.openxmlformats.org/markup-compatibility/2006">
+  <p:cSld>
+    <p:spTree>
+      <p:nvGrpSpPr>
+        <p:cNvPr id="1" name=""/>
+        <p:cNvGrpSpPr/>
+        <p:nvPr/>
+      </p:nvGrpSpPr>
+      <p:grpSpPr>
+        <a:xfrm>
+          <a:off x="0" y="0"/>
+          <a:ext cx="0" cy="0"/>
+          <a:chOff x="0" y="0"/>
+          <a:chExt cx="0" cy="0"/>
+        </a:xfrm>
+      </p:grpSpPr>
+      <p:pic>
+        <p:nvPicPr>
+          <p:cNvPr id="118" name="" descr=""/>
+          <p:cNvPicPr/>
+          <p:nvPr/>
+        </p:nvPicPr>
+        <p:blipFill>
+          <a:blip r:embed="rId1"/>
+          <a:stretch/>
+        </p:blipFill>
+        <p:spPr>
+          <a:xfrm>
+            <a:off x="1328400" y="413280"/>
+            <a:ext cx="7419600" cy="4590720"/>
+          </a:xfrm>
+          <a:prstGeom prst="rect">
+            <a:avLst/>
+          </a:prstGeom>
+          <a:ln>
+            <a:noFill/>
+          </a:ln>
+        </p:spPr>
+      </p:pic>
+    </p:spTree>
+  </p:cSld>
+  <p:timing>
+    <p:tnLst>
+      <p:par>
+        <p:cTn id="57" dur="indefinite" restart="never" nodeType="tmRoot">
+          <p:childTnLst>
+            <p:seq>
+              <p:cTn id="58" dur="indefinite" nodeType="mainSeq"/>
               <p:prevCondLst>
                 <p:cond delay="0" evt="onPrev">
                   <p:tgtEl>
@@ -3852,884 +5344,52 @@
           <a:chExt cx="0" cy="0"/>
         </a:xfrm>
       </p:grpSpPr>
-      <p:sp>
-        <p:nvSpPr>
-          <p:cNvPr id="91" name="TextShape 1"/>
-          <p:cNvSpPr txBox="1"/>
+      <p:pic>
+        <p:nvPicPr>
+          <p:cNvPr id="87" name="" descr=""/>
+          <p:cNvPicPr/>
           <p:nvPr/>
-        </p:nvSpPr>
-        <p:spPr>
-          <a:xfrm>
-            <a:off x="504000" y="565560"/>
-            <a:ext cx="9071640" cy="946440"/>
-          </a:xfrm>
-          <a:prstGeom prst="rect">
-            <a:avLst/>
-          </a:prstGeom>
-          <a:noFill/>
+        </p:nvPicPr>
+        <p:blipFill>
+          <a:blip r:embed="rId1"/>
+          <a:stretch/>
+        </p:blipFill>
+        <p:spPr>
+          <a:xfrm>
+            <a:off x="1152000" y="1224000"/>
+            <a:ext cx="2437560" cy="2329200"/>
+          </a:xfrm>
+          <a:prstGeom prst="rect">
+            <a:avLst/>
+          </a:prstGeom>
           <a:ln>
             <a:noFill/>
           </a:ln>
         </p:spPr>
-        <p:txBody>
-          <a:bodyPr lIns="0" rIns="0" tIns="0" bIns="0" anchor="ctr"/>
-          <a:p>
-            <a:endParaRPr b="0" lang="pt-BR" sz="4400" spc="-1" strike="noStrike">
-              <a:solidFill>
-                <a:srgbClr val="c7243a"/>
-              </a:solidFill>
-              <a:latin typeface="Arial"/>
-            </a:endParaRPr>
-          </a:p>
-        </p:txBody>
-      </p:sp>
-      <p:graphicFrame>
-        <p:nvGraphicFramePr>
-          <p:cNvPr id="92" name="Table 2"/>
-          <p:cNvGraphicFramePr/>
+      </p:pic>
+      <p:pic>
+        <p:nvPicPr>
+          <p:cNvPr id="88" name="" descr=""/>
+          <p:cNvPicPr/>
           <p:nvPr/>
-        </p:nvGraphicFramePr>
-        <p:xfrm>
-          <a:off x="504000" y="1656000"/>
-          <a:ext cx="9071280" cy="3167640"/>
-        </p:xfrm>
-        <a:graphic>
-          <a:graphicData uri="http://schemas.openxmlformats.org/drawingml/2006/table">
-            <a:tbl>
-              <a:tblPr/>
-              <a:tblGrid>
-                <a:gridCol w="1814040"/>
-                <a:gridCol w="1814040"/>
-                <a:gridCol w="1814040"/>
-                <a:gridCol w="1814040"/>
-                <a:gridCol w="1815480"/>
-              </a:tblGrid>
-              <a:tr h="527760">
-                <a:tc>
-                  <a:tcPr marL="90000" marR="90000">
-                    <a:lnL w="720">
-                      <a:solidFill>
-                        <a:srgbClr val="ffffff"/>
-                      </a:solidFill>
-                    </a:lnL>
-                    <a:lnR w="720">
-                      <a:solidFill>
-                        <a:srgbClr val="ffffff"/>
-                      </a:solidFill>
-                    </a:lnR>
-                    <a:lnT w="720">
-                      <a:solidFill>
-                        <a:srgbClr val="ffffff"/>
-                      </a:solidFill>
-                    </a:lnT>
-                    <a:lnB w="720">
-                      <a:solidFill>
-                        <a:srgbClr val="ffffff"/>
-                      </a:solidFill>
-                    </a:lnB>
-                    <a:solidFill>
-                      <a:srgbClr val="b3b3b3"/>
-                    </a:solidFill>
-                  </a:tcPr>
-                </a:tc>
-                <a:tc>
-                  <a:tcPr marL="90000" marR="90000">
-                    <a:lnL w="720">
-                      <a:solidFill>
-                        <a:srgbClr val="ffffff"/>
-                      </a:solidFill>
-                    </a:lnL>
-                    <a:lnR w="720">
-                      <a:solidFill>
-                        <a:srgbClr val="ffffff"/>
-                      </a:solidFill>
-                    </a:lnR>
-                    <a:lnT w="720">
-                      <a:solidFill>
-                        <a:srgbClr val="ffffff"/>
-                      </a:solidFill>
-                    </a:lnT>
-                    <a:lnB w="720">
-                      <a:solidFill>
-                        <a:srgbClr val="ffffff"/>
-                      </a:solidFill>
-                    </a:lnB>
-                    <a:solidFill>
-                      <a:srgbClr val="b3b3b3"/>
-                    </a:solidFill>
-                  </a:tcPr>
-                </a:tc>
-                <a:tc>
-                  <a:tcPr marL="90000" marR="90000">
-                    <a:lnL w="720">
-                      <a:solidFill>
-                        <a:srgbClr val="ffffff"/>
-                      </a:solidFill>
-                    </a:lnL>
-                    <a:lnR w="720">
-                      <a:solidFill>
-                        <a:srgbClr val="ffffff"/>
-                      </a:solidFill>
-                    </a:lnR>
-                    <a:lnT w="720">
-                      <a:solidFill>
-                        <a:srgbClr val="ffffff"/>
-                      </a:solidFill>
-                    </a:lnT>
-                    <a:lnB w="720">
-                      <a:solidFill>
-                        <a:srgbClr val="ffffff"/>
-                      </a:solidFill>
-                    </a:lnB>
-                    <a:solidFill>
-                      <a:srgbClr val="b3b3b3"/>
-                    </a:solidFill>
-                  </a:tcPr>
-                </a:tc>
-                <a:tc>
-                  <a:tcPr marL="90000" marR="90000">
-                    <a:lnL w="720">
-                      <a:solidFill>
-                        <a:srgbClr val="ffffff"/>
-                      </a:solidFill>
-                    </a:lnL>
-                    <a:lnR w="720">
-                      <a:solidFill>
-                        <a:srgbClr val="ffffff"/>
-                      </a:solidFill>
-                    </a:lnR>
-                    <a:lnT w="720">
-                      <a:solidFill>
-                        <a:srgbClr val="ffffff"/>
-                      </a:solidFill>
-                    </a:lnT>
-                    <a:lnB w="720">
-                      <a:solidFill>
-                        <a:srgbClr val="ffffff"/>
-                      </a:solidFill>
-                    </a:lnB>
-                    <a:solidFill>
-                      <a:srgbClr val="b3b3b3"/>
-                    </a:solidFill>
-                  </a:tcPr>
-                </a:tc>
-                <a:tc>
-                  <a:tcPr marL="90000" marR="90000">
-                    <a:lnL w="720">
-                      <a:solidFill>
-                        <a:srgbClr val="ffffff"/>
-                      </a:solidFill>
-                    </a:lnL>
-                    <a:lnR w="720">
-                      <a:solidFill>
-                        <a:srgbClr val="ffffff"/>
-                      </a:solidFill>
-                    </a:lnR>
-                    <a:lnT w="720">
-                      <a:solidFill>
-                        <a:srgbClr val="ffffff"/>
-                      </a:solidFill>
-                    </a:lnT>
-                    <a:lnB w="720">
-                      <a:solidFill>
-                        <a:srgbClr val="ffffff"/>
-                      </a:solidFill>
-                    </a:lnB>
-                    <a:solidFill>
-                      <a:srgbClr val="b3b3b3"/>
-                    </a:solidFill>
-                  </a:tcPr>
-                </a:tc>
-              </a:tr>
-              <a:tr h="527760">
-                <a:tc>
-                  <a:tcPr marL="90000" marR="90000">
-                    <a:lnL w="720">
-                      <a:solidFill>
-                        <a:srgbClr val="ffffff"/>
-                      </a:solidFill>
-                    </a:lnL>
-                    <a:lnR w="720">
-                      <a:solidFill>
-                        <a:srgbClr val="ffffff"/>
-                      </a:solidFill>
-                    </a:lnR>
-                    <a:lnT w="720">
-                      <a:solidFill>
-                        <a:srgbClr val="ffffff"/>
-                      </a:solidFill>
-                    </a:lnT>
-                    <a:lnB w="720">
-                      <a:solidFill>
-                        <a:srgbClr val="ffffff"/>
-                      </a:solidFill>
-                    </a:lnB>
-                    <a:solidFill>
-                      <a:srgbClr val="cccccc"/>
-                    </a:solidFill>
-                  </a:tcPr>
-                </a:tc>
-                <a:tc>
-                  <a:tcPr marL="90000" marR="90000">
-                    <a:lnL w="720">
-                      <a:solidFill>
-                        <a:srgbClr val="ffffff"/>
-                      </a:solidFill>
-                    </a:lnL>
-                    <a:lnR w="720">
-                      <a:solidFill>
-                        <a:srgbClr val="ffffff"/>
-                      </a:solidFill>
-                    </a:lnR>
-                    <a:lnT w="720">
-                      <a:solidFill>
-                        <a:srgbClr val="ffffff"/>
-                      </a:solidFill>
-                    </a:lnT>
-                    <a:lnB w="720">
-                      <a:solidFill>
-                        <a:srgbClr val="ffffff"/>
-                      </a:solidFill>
-                    </a:lnB>
-                    <a:solidFill>
-                      <a:srgbClr val="cccccc"/>
-                    </a:solidFill>
-                  </a:tcPr>
-                </a:tc>
-                <a:tc>
-                  <a:tcPr marL="90000" marR="90000">
-                    <a:lnL w="720">
-                      <a:solidFill>
-                        <a:srgbClr val="ffffff"/>
-                      </a:solidFill>
-                    </a:lnL>
-                    <a:lnR w="720">
-                      <a:solidFill>
-                        <a:srgbClr val="ffffff"/>
-                      </a:solidFill>
-                    </a:lnR>
-                    <a:lnT w="720">
-                      <a:solidFill>
-                        <a:srgbClr val="ffffff"/>
-                      </a:solidFill>
-                    </a:lnT>
-                    <a:lnB w="720">
-                      <a:solidFill>
-                        <a:srgbClr val="ffffff"/>
-                      </a:solidFill>
-                    </a:lnB>
-                    <a:solidFill>
-                      <a:srgbClr val="cccccc"/>
-                    </a:solidFill>
-                  </a:tcPr>
-                </a:tc>
-                <a:tc>
-                  <a:tcPr marL="90000" marR="90000">
-                    <a:lnL w="720">
-                      <a:solidFill>
-                        <a:srgbClr val="ffffff"/>
-                      </a:solidFill>
-                    </a:lnL>
-                    <a:lnR w="720">
-                      <a:solidFill>
-                        <a:srgbClr val="ffffff"/>
-                      </a:solidFill>
-                    </a:lnR>
-                    <a:lnT w="720">
-                      <a:solidFill>
-                        <a:srgbClr val="ffffff"/>
-                      </a:solidFill>
-                    </a:lnT>
-                    <a:lnB w="720">
-                      <a:solidFill>
-                        <a:srgbClr val="ffffff"/>
-                      </a:solidFill>
-                    </a:lnB>
-                    <a:solidFill>
-                      <a:srgbClr val="cccccc"/>
-                    </a:solidFill>
-                  </a:tcPr>
-                </a:tc>
-                <a:tc>
-                  <a:tcPr marL="90000" marR="90000">
-                    <a:lnL w="720">
-                      <a:solidFill>
-                        <a:srgbClr val="ffffff"/>
-                      </a:solidFill>
-                    </a:lnL>
-                    <a:lnR w="720">
-                      <a:solidFill>
-                        <a:srgbClr val="ffffff"/>
-                      </a:solidFill>
-                    </a:lnR>
-                    <a:lnT w="720">
-                      <a:solidFill>
-                        <a:srgbClr val="ffffff"/>
-                      </a:solidFill>
-                    </a:lnT>
-                    <a:lnB w="720">
-                      <a:solidFill>
-                        <a:srgbClr val="ffffff"/>
-                      </a:solidFill>
-                    </a:lnB>
-                    <a:solidFill>
-                      <a:srgbClr val="cccccc"/>
-                    </a:solidFill>
-                  </a:tcPr>
-                </a:tc>
-              </a:tr>
-              <a:tr h="527760">
-                <a:tc>
-                  <a:tcPr marL="90000" marR="90000">
-                    <a:lnL w="720">
-                      <a:solidFill>
-                        <a:srgbClr val="ffffff"/>
-                      </a:solidFill>
-                    </a:lnL>
-                    <a:lnR w="720">
-                      <a:solidFill>
-                        <a:srgbClr val="ffffff"/>
-                      </a:solidFill>
-                    </a:lnR>
-                    <a:lnT w="720">
-                      <a:solidFill>
-                        <a:srgbClr val="ffffff"/>
-                      </a:solidFill>
-                    </a:lnT>
-                    <a:lnB w="720">
-                      <a:solidFill>
-                        <a:srgbClr val="ffffff"/>
-                      </a:solidFill>
-                    </a:lnB>
-                    <a:solidFill>
-                      <a:srgbClr val="e6e6e6"/>
-                    </a:solidFill>
-                  </a:tcPr>
-                </a:tc>
-                <a:tc>
-                  <a:tcPr marL="90000" marR="90000">
-                    <a:lnL w="720">
-                      <a:solidFill>
-                        <a:srgbClr val="ffffff"/>
-                      </a:solidFill>
-                    </a:lnL>
-                    <a:lnR w="720">
-                      <a:solidFill>
-                        <a:srgbClr val="ffffff"/>
-                      </a:solidFill>
-                    </a:lnR>
-                    <a:lnT w="720">
-                      <a:solidFill>
-                        <a:srgbClr val="ffffff"/>
-                      </a:solidFill>
-                    </a:lnT>
-                    <a:lnB w="720">
-                      <a:solidFill>
-                        <a:srgbClr val="ffffff"/>
-                      </a:solidFill>
-                    </a:lnB>
-                    <a:solidFill>
-                      <a:srgbClr val="e6e6e6"/>
-                    </a:solidFill>
-                  </a:tcPr>
-                </a:tc>
-                <a:tc>
-                  <a:tcPr marL="90000" marR="90000">
-                    <a:lnL w="720">
-                      <a:solidFill>
-                        <a:srgbClr val="ffffff"/>
-                      </a:solidFill>
-                    </a:lnL>
-                    <a:lnR w="720">
-                      <a:solidFill>
-                        <a:srgbClr val="ffffff"/>
-                      </a:solidFill>
-                    </a:lnR>
-                    <a:lnT w="720">
-                      <a:solidFill>
-                        <a:srgbClr val="ffffff"/>
-                      </a:solidFill>
-                    </a:lnT>
-                    <a:lnB w="720">
-                      <a:solidFill>
-                        <a:srgbClr val="ffffff"/>
-                      </a:solidFill>
-                    </a:lnB>
-                    <a:solidFill>
-                      <a:srgbClr val="e6e6e6"/>
-                    </a:solidFill>
-                  </a:tcPr>
-                </a:tc>
-                <a:tc>
-                  <a:tcPr marL="90000" marR="90000">
-                    <a:lnL w="720">
-                      <a:solidFill>
-                        <a:srgbClr val="ffffff"/>
-                      </a:solidFill>
-                    </a:lnL>
-                    <a:lnR w="720">
-                      <a:solidFill>
-                        <a:srgbClr val="ffffff"/>
-                      </a:solidFill>
-                    </a:lnR>
-                    <a:lnT w="720">
-                      <a:solidFill>
-                        <a:srgbClr val="ffffff"/>
-                      </a:solidFill>
-                    </a:lnT>
-                    <a:lnB w="720">
-                      <a:solidFill>
-                        <a:srgbClr val="ffffff"/>
-                      </a:solidFill>
-                    </a:lnB>
-                    <a:solidFill>
-                      <a:srgbClr val="e6e6e6"/>
-                    </a:solidFill>
-                  </a:tcPr>
-                </a:tc>
-                <a:tc>
-                  <a:tcPr marL="90000" marR="90000">
-                    <a:lnL w="720">
-                      <a:solidFill>
-                        <a:srgbClr val="ffffff"/>
-                      </a:solidFill>
-                    </a:lnL>
-                    <a:lnR w="720">
-                      <a:solidFill>
-                        <a:srgbClr val="ffffff"/>
-                      </a:solidFill>
-                    </a:lnR>
-                    <a:lnT w="720">
-                      <a:solidFill>
-                        <a:srgbClr val="ffffff"/>
-                      </a:solidFill>
-                    </a:lnT>
-                    <a:lnB w="720">
-                      <a:solidFill>
-                        <a:srgbClr val="ffffff"/>
-                      </a:solidFill>
-                    </a:lnB>
-                    <a:solidFill>
-                      <a:srgbClr val="e6e6e6"/>
-                    </a:solidFill>
-                  </a:tcPr>
-                </a:tc>
-              </a:tr>
-              <a:tr h="527760">
-                <a:tc>
-                  <a:tcPr marL="90000" marR="90000">
-                    <a:lnL w="720">
-                      <a:solidFill>
-                        <a:srgbClr val="ffffff"/>
-                      </a:solidFill>
-                    </a:lnL>
-                    <a:lnR w="720">
-                      <a:solidFill>
-                        <a:srgbClr val="ffffff"/>
-                      </a:solidFill>
-                    </a:lnR>
-                    <a:lnT w="720">
-                      <a:solidFill>
-                        <a:srgbClr val="ffffff"/>
-                      </a:solidFill>
-                    </a:lnT>
-                    <a:lnB w="720">
-                      <a:solidFill>
-                        <a:srgbClr val="ffffff"/>
-                      </a:solidFill>
-                    </a:lnB>
-                    <a:solidFill>
-                      <a:srgbClr val="cccccc"/>
-                    </a:solidFill>
-                  </a:tcPr>
-                </a:tc>
-                <a:tc>
-                  <a:tcPr marL="90000" marR="90000">
-                    <a:lnL w="720">
-                      <a:solidFill>
-                        <a:srgbClr val="ffffff"/>
-                      </a:solidFill>
-                    </a:lnL>
-                    <a:lnR w="720">
-                      <a:solidFill>
-                        <a:srgbClr val="ffffff"/>
-                      </a:solidFill>
-                    </a:lnR>
-                    <a:lnT w="720">
-                      <a:solidFill>
-                        <a:srgbClr val="ffffff"/>
-                      </a:solidFill>
-                    </a:lnT>
-                    <a:lnB w="720">
-                      <a:solidFill>
-                        <a:srgbClr val="ffffff"/>
-                      </a:solidFill>
-                    </a:lnB>
-                    <a:solidFill>
-                      <a:srgbClr val="cccccc"/>
-                    </a:solidFill>
-                  </a:tcPr>
-                </a:tc>
-                <a:tc>
-                  <a:tcPr marL="90000" marR="90000">
-                    <a:lnL w="720">
-                      <a:solidFill>
-                        <a:srgbClr val="ffffff"/>
-                      </a:solidFill>
-                    </a:lnL>
-                    <a:lnR w="720">
-                      <a:solidFill>
-                        <a:srgbClr val="ffffff"/>
-                      </a:solidFill>
-                    </a:lnR>
-                    <a:lnT w="720">
-                      <a:solidFill>
-                        <a:srgbClr val="ffffff"/>
-                      </a:solidFill>
-                    </a:lnT>
-                    <a:lnB w="720">
-                      <a:solidFill>
-                        <a:srgbClr val="ffffff"/>
-                      </a:solidFill>
-                    </a:lnB>
-                    <a:solidFill>
-                      <a:srgbClr val="cccccc"/>
-                    </a:solidFill>
-                  </a:tcPr>
-                </a:tc>
-                <a:tc>
-                  <a:tcPr marL="90000" marR="90000">
-                    <a:lnL w="720">
-                      <a:solidFill>
-                        <a:srgbClr val="ffffff"/>
-                      </a:solidFill>
-                    </a:lnL>
-                    <a:lnR w="720">
-                      <a:solidFill>
-                        <a:srgbClr val="ffffff"/>
-                      </a:solidFill>
-                    </a:lnR>
-                    <a:lnT w="720">
-                      <a:solidFill>
-                        <a:srgbClr val="ffffff"/>
-                      </a:solidFill>
-                    </a:lnT>
-                    <a:lnB w="720">
-                      <a:solidFill>
-                        <a:srgbClr val="ffffff"/>
-                      </a:solidFill>
-                    </a:lnB>
-                    <a:solidFill>
-                      <a:srgbClr val="cccccc"/>
-                    </a:solidFill>
-                  </a:tcPr>
-                </a:tc>
-                <a:tc>
-                  <a:tcPr marL="90000" marR="90000">
-                    <a:lnL w="720">
-                      <a:solidFill>
-                        <a:srgbClr val="ffffff"/>
-                      </a:solidFill>
-                    </a:lnL>
-                    <a:lnR w="720">
-                      <a:solidFill>
-                        <a:srgbClr val="ffffff"/>
-                      </a:solidFill>
-                    </a:lnR>
-                    <a:lnT w="720">
-                      <a:solidFill>
-                        <a:srgbClr val="ffffff"/>
-                      </a:solidFill>
-                    </a:lnT>
-                    <a:lnB w="720">
-                      <a:solidFill>
-                        <a:srgbClr val="ffffff"/>
-                      </a:solidFill>
-                    </a:lnB>
-                    <a:solidFill>
-                      <a:srgbClr val="cccccc"/>
-                    </a:solidFill>
-                  </a:tcPr>
-                </a:tc>
-              </a:tr>
-              <a:tr h="527760">
-                <a:tc>
-                  <a:tcPr marL="90000" marR="90000">
-                    <a:lnL w="720">
-                      <a:solidFill>
-                        <a:srgbClr val="ffffff"/>
-                      </a:solidFill>
-                    </a:lnL>
-                    <a:lnR w="720">
-                      <a:solidFill>
-                        <a:srgbClr val="ffffff"/>
-                      </a:solidFill>
-                    </a:lnR>
-                    <a:lnT w="720">
-                      <a:solidFill>
-                        <a:srgbClr val="ffffff"/>
-                      </a:solidFill>
-                    </a:lnT>
-                    <a:lnB w="720">
-                      <a:solidFill>
-                        <a:srgbClr val="ffffff"/>
-                      </a:solidFill>
-                    </a:lnB>
-                    <a:solidFill>
-                      <a:srgbClr val="e6e6e6"/>
-                    </a:solidFill>
-                  </a:tcPr>
-                </a:tc>
-                <a:tc>
-                  <a:tcPr marL="90000" marR="90000">
-                    <a:lnL w="720">
-                      <a:solidFill>
-                        <a:srgbClr val="ffffff"/>
-                      </a:solidFill>
-                    </a:lnL>
-                    <a:lnR w="720">
-                      <a:solidFill>
-                        <a:srgbClr val="ffffff"/>
-                      </a:solidFill>
-                    </a:lnR>
-                    <a:lnT w="720">
-                      <a:solidFill>
-                        <a:srgbClr val="ffffff"/>
-                      </a:solidFill>
-                    </a:lnT>
-                    <a:lnB w="720">
-                      <a:solidFill>
-                        <a:srgbClr val="ffffff"/>
-                      </a:solidFill>
-                    </a:lnB>
-                    <a:solidFill>
-                      <a:srgbClr val="e6e6e6"/>
-                    </a:solidFill>
-                  </a:tcPr>
-                </a:tc>
-                <a:tc>
-                  <a:tcPr marL="90000" marR="90000">
-                    <a:lnL w="720">
-                      <a:solidFill>
-                        <a:srgbClr val="ffffff"/>
-                      </a:solidFill>
-                    </a:lnL>
-                    <a:lnR w="720">
-                      <a:solidFill>
-                        <a:srgbClr val="ffffff"/>
-                      </a:solidFill>
-                    </a:lnR>
-                    <a:lnT w="720">
-                      <a:solidFill>
-                        <a:srgbClr val="ffffff"/>
-                      </a:solidFill>
-                    </a:lnT>
-                    <a:lnB w="720">
-                      <a:solidFill>
-                        <a:srgbClr val="ffffff"/>
-                      </a:solidFill>
-                    </a:lnB>
-                    <a:solidFill>
-                      <a:srgbClr val="e6e6e6"/>
-                    </a:solidFill>
-                  </a:tcPr>
-                </a:tc>
-                <a:tc>
-                  <a:tcPr marL="90000" marR="90000">
-                    <a:lnL w="720">
-                      <a:solidFill>
-                        <a:srgbClr val="ffffff"/>
-                      </a:solidFill>
-                    </a:lnL>
-                    <a:lnR w="720">
-                      <a:solidFill>
-                        <a:srgbClr val="ffffff"/>
-                      </a:solidFill>
-                    </a:lnR>
-                    <a:lnT w="720">
-                      <a:solidFill>
-                        <a:srgbClr val="ffffff"/>
-                      </a:solidFill>
-                    </a:lnT>
-                    <a:lnB w="720">
-                      <a:solidFill>
-                        <a:srgbClr val="ffffff"/>
-                      </a:solidFill>
-                    </a:lnB>
-                    <a:solidFill>
-                      <a:srgbClr val="e6e6e6"/>
-                    </a:solidFill>
-                  </a:tcPr>
-                </a:tc>
-                <a:tc>
-                  <a:tcPr marL="90000" marR="90000">
-                    <a:lnL w="720">
-                      <a:solidFill>
-                        <a:srgbClr val="ffffff"/>
-                      </a:solidFill>
-                    </a:lnL>
-                    <a:lnR w="720">
-                      <a:solidFill>
-                        <a:srgbClr val="ffffff"/>
-                      </a:solidFill>
-                    </a:lnR>
-                    <a:lnT w="720">
-                      <a:solidFill>
-                        <a:srgbClr val="ffffff"/>
-                      </a:solidFill>
-                    </a:lnT>
-                    <a:lnB w="720">
-                      <a:solidFill>
-                        <a:srgbClr val="ffffff"/>
-                      </a:solidFill>
-                    </a:lnB>
-                    <a:solidFill>
-                      <a:srgbClr val="e6e6e6"/>
-                    </a:solidFill>
-                  </a:tcPr>
-                </a:tc>
-              </a:tr>
-              <a:tr h="529200">
-                <a:tc>
-                  <a:tcPr marL="90000" marR="90000">
-                    <a:lnL w="720">
-                      <a:solidFill>
-                        <a:srgbClr val="ffffff"/>
-                      </a:solidFill>
-                    </a:lnL>
-                    <a:lnR w="720">
-                      <a:solidFill>
-                        <a:srgbClr val="ffffff"/>
-                      </a:solidFill>
-                    </a:lnR>
-                    <a:lnT w="720">
-                      <a:solidFill>
-                        <a:srgbClr val="ffffff"/>
-                      </a:solidFill>
-                    </a:lnT>
-                    <a:lnB w="720">
-                      <a:solidFill>
-                        <a:srgbClr val="ffffff"/>
-                      </a:solidFill>
-                    </a:lnB>
-                    <a:solidFill>
-                      <a:srgbClr val="cccccc"/>
-                    </a:solidFill>
-                  </a:tcPr>
-                </a:tc>
-                <a:tc>
-                  <a:tcPr marL="90000" marR="90000">
-                    <a:lnL w="720">
-                      <a:solidFill>
-                        <a:srgbClr val="ffffff"/>
-                      </a:solidFill>
-                    </a:lnL>
-                    <a:lnR w="720">
-                      <a:solidFill>
-                        <a:srgbClr val="ffffff"/>
-                      </a:solidFill>
-                    </a:lnR>
-                    <a:lnT w="720">
-                      <a:solidFill>
-                        <a:srgbClr val="ffffff"/>
-                      </a:solidFill>
-                    </a:lnT>
-                    <a:lnB w="720">
-                      <a:solidFill>
-                        <a:srgbClr val="ffffff"/>
-                      </a:solidFill>
-                    </a:lnB>
-                    <a:solidFill>
-                      <a:srgbClr val="cccccc"/>
-                    </a:solidFill>
-                  </a:tcPr>
-                </a:tc>
-                <a:tc>
-                  <a:tcPr marL="90000" marR="90000">
-                    <a:lnL w="720">
-                      <a:solidFill>
-                        <a:srgbClr val="ffffff"/>
-                      </a:solidFill>
-                    </a:lnL>
-                    <a:lnR w="720">
-                      <a:solidFill>
-                        <a:srgbClr val="ffffff"/>
-                      </a:solidFill>
-                    </a:lnR>
-                    <a:lnT w="720">
-                      <a:solidFill>
-                        <a:srgbClr val="ffffff"/>
-                      </a:solidFill>
-                    </a:lnT>
-                    <a:lnB w="720">
-                      <a:solidFill>
-                        <a:srgbClr val="ffffff"/>
-                      </a:solidFill>
-                    </a:lnB>
-                    <a:solidFill>
-                      <a:srgbClr val="cccccc"/>
-                    </a:solidFill>
-                  </a:tcPr>
-                </a:tc>
-                <a:tc>
-                  <a:tcPr marL="90000" marR="90000">
-                    <a:lnL w="720">
-                      <a:solidFill>
-                        <a:srgbClr val="ffffff"/>
-                      </a:solidFill>
-                    </a:lnL>
-                    <a:lnR w="720">
-                      <a:solidFill>
-                        <a:srgbClr val="ffffff"/>
-                      </a:solidFill>
-                    </a:lnR>
-                    <a:lnT w="720">
-                      <a:solidFill>
-                        <a:srgbClr val="ffffff"/>
-                      </a:solidFill>
-                    </a:lnT>
-                    <a:lnB w="720">
-                      <a:solidFill>
-                        <a:srgbClr val="ffffff"/>
-                      </a:solidFill>
-                    </a:lnB>
-                    <a:solidFill>
-                      <a:srgbClr val="cccccc"/>
-                    </a:solidFill>
-                  </a:tcPr>
-                </a:tc>
-                <a:tc>
-                  <a:tcPr marL="90000" marR="90000">
-                    <a:lnL w="720">
-                      <a:solidFill>
-                        <a:srgbClr val="ffffff"/>
-                      </a:solidFill>
-                    </a:lnL>
-                    <a:lnR w="720">
-                      <a:solidFill>
-                        <a:srgbClr val="ffffff"/>
-                      </a:solidFill>
-                    </a:lnR>
-                    <a:lnT w="720">
-                      <a:solidFill>
-                        <a:srgbClr val="ffffff"/>
-                      </a:solidFill>
-                    </a:lnT>
-                    <a:lnB w="720">
-                      <a:solidFill>
-                        <a:srgbClr val="ffffff"/>
-                      </a:solidFill>
-                    </a:lnB>
-                    <a:solidFill>
-                      <a:srgbClr val="cccccc"/>
-                    </a:solidFill>
-                  </a:tcPr>
-                </a:tc>
-              </a:tr>
-            </a:tbl>
-          </a:graphicData>
-        </a:graphic>
-      </p:graphicFrame>
+        </p:nvPicPr>
+        <p:blipFill>
+          <a:blip r:embed="rId2"/>
+          <a:stretch/>
+        </p:blipFill>
+        <p:spPr>
+          <a:xfrm>
+            <a:off x="5050440" y="1823760"/>
+            <a:ext cx="4381560" cy="1344240"/>
+          </a:xfrm>
+          <a:prstGeom prst="rect">
+            <a:avLst/>
+          </a:prstGeom>
+          <a:ln>
+            <a:noFill/>
+          </a:ln>
+        </p:spPr>
+      </p:pic>
     </p:spTree>
   </p:cSld>
   <p:timing>
@@ -4739,6 +5399,150 @@
           <p:childTnLst>
             <p:seq>
               <p:cTn id="6" dur="indefinite" nodeType="mainSeq"/>
+              <p:prevCondLst>
+                <p:cond delay="0" evt="onPrev">
+                  <p:tgtEl>
+                    <p:sldTgt/>
+                  </p:tgtEl>
+                </p:cond>
+              </p:prevCondLst>
+              <p:nextCondLst>
+                <p:cond delay="0" evt="onNext">
+                  <p:tgtEl>
+                    <p:sldTgt/>
+                  </p:tgtEl>
+                </p:cond>
+              </p:nextCondLst>
+            </p:seq>
+          </p:childTnLst>
+        </p:cTn>
+      </p:par>
+    </p:tnLst>
+  </p:timing>
+</p:sld>
+</file>
+
+<file path=ppt/slides/slide30.xml><?xml version="1.0" encoding="utf-8"?>
+<p:sld xmlns:a="http://schemas.openxmlformats.org/drawingml/2006/main" xmlns:p="http://schemas.openxmlformats.org/presentationml/2006/main" xmlns:r="http://schemas.openxmlformats.org/officeDocument/2006/relationships" xmlns:p14="http://schemas.microsoft.com/office/powerpoint/2010/main" xmlns:p15="http://schemas.microsoft.com/office/powerpoint/2012/main" xmlns:mc="http://schemas.openxmlformats.org/markup-compatibility/2006">
+  <p:cSld>
+    <p:spTree>
+      <p:nvGrpSpPr>
+        <p:cNvPr id="1" name=""/>
+        <p:cNvGrpSpPr/>
+        <p:nvPr/>
+      </p:nvGrpSpPr>
+      <p:grpSpPr>
+        <a:xfrm>
+          <a:off x="0" y="0"/>
+          <a:ext cx="0" cy="0"/>
+          <a:chOff x="0" y="0"/>
+          <a:chExt cx="0" cy="0"/>
+        </a:xfrm>
+      </p:grpSpPr>
+      <p:pic>
+        <p:nvPicPr>
+          <p:cNvPr id="119" name="" descr=""/>
+          <p:cNvPicPr/>
+          <p:nvPr/>
+        </p:nvPicPr>
+        <p:blipFill>
+          <a:blip r:embed="rId1"/>
+          <a:stretch/>
+        </p:blipFill>
+        <p:spPr>
+          <a:xfrm>
+            <a:off x="1622520" y="407880"/>
+            <a:ext cx="6914880" cy="4524120"/>
+          </a:xfrm>
+          <a:prstGeom prst="rect">
+            <a:avLst/>
+          </a:prstGeom>
+          <a:ln>
+            <a:noFill/>
+          </a:ln>
+        </p:spPr>
+      </p:pic>
+    </p:spTree>
+  </p:cSld>
+  <p:timing>
+    <p:tnLst>
+      <p:par>
+        <p:cTn id="59" dur="indefinite" restart="never" nodeType="tmRoot">
+          <p:childTnLst>
+            <p:seq>
+              <p:cTn id="60" dur="indefinite" nodeType="mainSeq"/>
+              <p:prevCondLst>
+                <p:cond delay="0" evt="onPrev">
+                  <p:tgtEl>
+                    <p:sldTgt/>
+                  </p:tgtEl>
+                </p:cond>
+              </p:prevCondLst>
+              <p:nextCondLst>
+                <p:cond delay="0" evt="onNext">
+                  <p:tgtEl>
+                    <p:sldTgt/>
+                  </p:tgtEl>
+                </p:cond>
+              </p:nextCondLst>
+            </p:seq>
+          </p:childTnLst>
+        </p:cTn>
+      </p:par>
+    </p:tnLst>
+  </p:timing>
+</p:sld>
+</file>
+
+<file path=ppt/slides/slide31.xml><?xml version="1.0" encoding="utf-8"?>
+<p:sld xmlns:a="http://schemas.openxmlformats.org/drawingml/2006/main" xmlns:p="http://schemas.openxmlformats.org/presentationml/2006/main" xmlns:r="http://schemas.openxmlformats.org/officeDocument/2006/relationships" xmlns:p14="http://schemas.microsoft.com/office/powerpoint/2010/main" xmlns:p15="http://schemas.microsoft.com/office/powerpoint/2012/main" xmlns:mc="http://schemas.openxmlformats.org/markup-compatibility/2006">
+  <p:cSld>
+    <p:spTree>
+      <p:nvGrpSpPr>
+        <p:cNvPr id="1" name=""/>
+        <p:cNvGrpSpPr/>
+        <p:nvPr/>
+      </p:nvGrpSpPr>
+      <p:grpSpPr>
+        <a:xfrm>
+          <a:off x="0" y="0"/>
+          <a:ext cx="0" cy="0"/>
+          <a:chOff x="0" y="0"/>
+          <a:chExt cx="0" cy="0"/>
+        </a:xfrm>
+      </p:grpSpPr>
+      <p:pic>
+        <p:nvPicPr>
+          <p:cNvPr id="120" name="" descr=""/>
+          <p:cNvPicPr/>
+          <p:nvPr/>
+        </p:nvPicPr>
+        <p:blipFill>
+          <a:blip r:embed="rId1"/>
+          <a:stretch/>
+        </p:blipFill>
+        <p:spPr>
+          <a:xfrm>
+            <a:off x="1872000" y="453240"/>
+            <a:ext cx="6293880" cy="4514760"/>
+          </a:xfrm>
+          <a:prstGeom prst="rect">
+            <a:avLst/>
+          </a:prstGeom>
+          <a:ln>
+            <a:noFill/>
+          </a:ln>
+        </p:spPr>
+      </p:pic>
+    </p:spTree>
+  </p:cSld>
+  <p:timing>
+    <p:tnLst>
+      <p:par>
+        <p:cTn id="61" dur="indefinite" restart="never" nodeType="tmRoot">
+          <p:childTnLst>
+            <p:seq>
+              <p:cTn id="62" dur="indefinite" nodeType="mainSeq"/>
               <p:prevCondLst>
                 <p:cond delay="0" evt="onPrev">
                   <p:tgtEl>
@@ -4779,202 +5583,29 @@
           <a:chExt cx="0" cy="0"/>
         </a:xfrm>
       </p:grpSpPr>
-      <p:sp>
-        <p:nvSpPr>
-          <p:cNvPr id="93" name="TextShape 1"/>
-          <p:cNvSpPr txBox="1"/>
+      <p:pic>
+        <p:nvPicPr>
+          <p:cNvPr id="89" name="" descr=""/>
+          <p:cNvPicPr/>
           <p:nvPr/>
-        </p:nvSpPr>
-        <p:spPr>
-          <a:xfrm>
-            <a:off x="504000" y="565560"/>
-            <a:ext cx="9071640" cy="946440"/>
-          </a:xfrm>
-          <a:prstGeom prst="rect">
-            <a:avLst/>
-          </a:prstGeom>
-          <a:noFill/>
+        </p:nvPicPr>
+        <p:blipFill>
+          <a:blip r:embed="rId1"/>
+          <a:stretch/>
+        </p:blipFill>
+        <p:spPr>
+          <a:xfrm>
+            <a:off x="2830320" y="360000"/>
+            <a:ext cx="4657680" cy="4657680"/>
+          </a:xfrm>
+          <a:prstGeom prst="rect">
+            <a:avLst/>
+          </a:prstGeom>
           <a:ln>
             <a:noFill/>
           </a:ln>
         </p:spPr>
-        <p:txBody>
-          <a:bodyPr lIns="0" rIns="0" tIns="0" bIns="0" anchor="ctr"/>
-          <a:p>
-            <a:endParaRPr b="0" lang="pt-BR" sz="4400" spc="-1" strike="noStrike">
-              <a:solidFill>
-                <a:srgbClr val="c7243a"/>
-              </a:solidFill>
-              <a:latin typeface="Arial"/>
-            </a:endParaRPr>
-          </a:p>
-        </p:txBody>
-      </p:sp>
-      <p:sp>
-        <p:nvSpPr>
-          <p:cNvPr id="94" name="CustomShape 2"/>
-          <p:cNvSpPr/>
-          <p:nvPr/>
-        </p:nvSpPr>
-        <p:spPr>
-          <a:xfrm>
-            <a:off x="1152000" y="2160000"/>
-            <a:ext cx="2736000" cy="2160000"/>
-          </a:xfrm>
-          <a:custGeom>
-            <a:avLst/>
-            <a:gdLst/>
-            <a:ahLst/>
-            <a:rect l="0" t="0" r="r" b="b"/>
-            <a:pathLst>
-              <a:path w="7601" h="6002">
-                <a:moveTo>
-                  <a:pt x="0" y="0"/>
-                </a:moveTo>
-                <a:lnTo>
-                  <a:pt x="5700" y="0"/>
-                </a:lnTo>
-                <a:lnTo>
-                  <a:pt x="7600" y="3000"/>
-                </a:lnTo>
-                <a:lnTo>
-                  <a:pt x="5700" y="6001"/>
-                </a:lnTo>
-                <a:lnTo>
-                  <a:pt x="0" y="6001"/>
-                </a:lnTo>
-                <a:lnTo>
-                  <a:pt x="0" y="0"/>
-                </a:lnTo>
-              </a:path>
-            </a:pathLst>
-          </a:custGeom>
-          <a:solidFill>
-            <a:srgbClr val="c7243a"/>
-          </a:solidFill>
-          <a:ln>
-            <a:noFill/>
-          </a:ln>
-        </p:spPr>
-        <p:style>
-          <a:lnRef idx="0"/>
-          <a:fillRef idx="0"/>
-          <a:effectRef idx="0"/>
-          <a:fontRef idx="minor"/>
-        </p:style>
-      </p:sp>
-      <p:sp>
-        <p:nvSpPr>
-          <p:cNvPr id="95" name="CustomShape 3"/>
-          <p:cNvSpPr/>
-          <p:nvPr/>
-        </p:nvSpPr>
-        <p:spPr>
-          <a:xfrm>
-            <a:off x="3672000" y="2160000"/>
-            <a:ext cx="2808000" cy="2160000"/>
-          </a:xfrm>
-          <a:custGeom>
-            <a:avLst/>
-            <a:gdLst/>
-            <a:ahLst/>
-            <a:rect l="0" t="0" r="r" b="b"/>
-            <a:pathLst>
-              <a:path w="7802" h="6002">
-                <a:moveTo>
-                  <a:pt x="0" y="0"/>
-                </a:moveTo>
-                <a:lnTo>
-                  <a:pt x="5850" y="0"/>
-                </a:lnTo>
-                <a:lnTo>
-                  <a:pt x="7801" y="3000"/>
-                </a:lnTo>
-                <a:lnTo>
-                  <a:pt x="5850" y="6001"/>
-                </a:lnTo>
-                <a:lnTo>
-                  <a:pt x="0" y="6001"/>
-                </a:lnTo>
-                <a:lnTo>
-                  <a:pt x="1950" y="3000"/>
-                </a:lnTo>
-                <a:lnTo>
-                  <a:pt x="0" y="0"/>
-                </a:lnTo>
-              </a:path>
-            </a:pathLst>
-          </a:custGeom>
-          <a:solidFill>
-            <a:srgbClr val="edad0b"/>
-          </a:solidFill>
-          <a:ln>
-            <a:noFill/>
-          </a:ln>
-        </p:spPr>
-        <p:style>
-          <a:lnRef idx="0"/>
-          <a:fillRef idx="0"/>
-          <a:effectRef idx="0"/>
-          <a:fontRef idx="minor"/>
-        </p:style>
-      </p:sp>
-      <p:sp>
-        <p:nvSpPr>
-          <p:cNvPr id="96" name="CustomShape 4"/>
-          <p:cNvSpPr/>
-          <p:nvPr/>
-        </p:nvSpPr>
-        <p:spPr>
-          <a:xfrm>
-            <a:off x="6229440" y="2160000"/>
-            <a:ext cx="2808000" cy="2160000"/>
-          </a:xfrm>
-          <a:custGeom>
-            <a:avLst/>
-            <a:gdLst/>
-            <a:ahLst/>
-            <a:rect l="0" t="0" r="r" b="b"/>
-            <a:pathLst>
-              <a:path w="7802" h="6002">
-                <a:moveTo>
-                  <a:pt x="0" y="0"/>
-                </a:moveTo>
-                <a:lnTo>
-                  <a:pt x="5850" y="0"/>
-                </a:lnTo>
-                <a:lnTo>
-                  <a:pt x="7801" y="3000"/>
-                </a:lnTo>
-                <a:lnTo>
-                  <a:pt x="5850" y="6001"/>
-                </a:lnTo>
-                <a:lnTo>
-                  <a:pt x="0" y="6001"/>
-                </a:lnTo>
-                <a:lnTo>
-                  <a:pt x="1950" y="3000"/>
-                </a:lnTo>
-                <a:lnTo>
-                  <a:pt x="0" y="0"/>
-                </a:lnTo>
-              </a:path>
-            </a:pathLst>
-          </a:custGeom>
-          <a:solidFill>
-            <a:srgbClr val="009f8c"/>
-          </a:solidFill>
-          <a:ln>
-            <a:noFill/>
-          </a:ln>
-        </p:spPr>
-        <p:style>
-          <a:lnRef idx="0"/>
-          <a:fillRef idx="0"/>
-          <a:effectRef idx="0"/>
-          <a:fontRef idx="minor"/>
-        </p:style>
-      </p:sp>
+      </p:pic>
     </p:spTree>
   </p:cSld>
   <p:timing>
@@ -4984,6 +5615,401 @@
           <p:childTnLst>
             <p:seq>
               <p:cTn id="8" dur="indefinite" nodeType="mainSeq"/>
+              <p:prevCondLst>
+                <p:cond delay="0" evt="onPrev">
+                  <p:tgtEl>
+                    <p:sldTgt/>
+                  </p:tgtEl>
+                </p:cond>
+              </p:prevCondLst>
+              <p:nextCondLst>
+                <p:cond delay="0" evt="onNext">
+                  <p:tgtEl>
+                    <p:sldTgt/>
+                  </p:tgtEl>
+                </p:cond>
+              </p:nextCondLst>
+            </p:seq>
+          </p:childTnLst>
+        </p:cTn>
+      </p:par>
+    </p:tnLst>
+  </p:timing>
+</p:sld>
+</file>
+
+<file path=ppt/slides/slide5.xml><?xml version="1.0" encoding="utf-8"?>
+<p:sld xmlns:a="http://schemas.openxmlformats.org/drawingml/2006/main" xmlns:p="http://schemas.openxmlformats.org/presentationml/2006/main" xmlns:r="http://schemas.openxmlformats.org/officeDocument/2006/relationships" xmlns:p14="http://schemas.microsoft.com/office/powerpoint/2010/main" xmlns:p15="http://schemas.microsoft.com/office/powerpoint/2012/main" xmlns:mc="http://schemas.openxmlformats.org/markup-compatibility/2006">
+  <p:cSld>
+    <p:spTree>
+      <p:nvGrpSpPr>
+        <p:cNvPr id="1" name=""/>
+        <p:cNvGrpSpPr/>
+        <p:nvPr/>
+      </p:nvGrpSpPr>
+      <p:grpSpPr>
+        <a:xfrm>
+          <a:off x="0" y="0"/>
+          <a:ext cx="0" cy="0"/>
+          <a:chOff x="0" y="0"/>
+          <a:chExt cx="0" cy="0"/>
+        </a:xfrm>
+      </p:grpSpPr>
+      <p:pic>
+        <p:nvPicPr>
+          <p:cNvPr id="90" name="" descr=""/>
+          <p:cNvPicPr/>
+          <p:nvPr/>
+        </p:nvPicPr>
+        <p:blipFill>
+          <a:blip r:embed="rId1"/>
+          <a:stretch/>
+        </p:blipFill>
+        <p:spPr>
+          <a:xfrm>
+            <a:off x="2803320" y="391320"/>
+            <a:ext cx="4540680" cy="4540680"/>
+          </a:xfrm>
+          <a:prstGeom prst="rect">
+            <a:avLst/>
+          </a:prstGeom>
+          <a:ln>
+            <a:noFill/>
+          </a:ln>
+        </p:spPr>
+      </p:pic>
+    </p:spTree>
+  </p:cSld>
+  <p:timing>
+    <p:tnLst>
+      <p:par>
+        <p:cTn id="9" dur="indefinite" restart="never" nodeType="tmRoot">
+          <p:childTnLst>
+            <p:seq>
+              <p:cTn id="10" dur="indefinite" nodeType="mainSeq"/>
+              <p:prevCondLst>
+                <p:cond delay="0" evt="onPrev">
+                  <p:tgtEl>
+                    <p:sldTgt/>
+                  </p:tgtEl>
+                </p:cond>
+              </p:prevCondLst>
+              <p:nextCondLst>
+                <p:cond delay="0" evt="onNext">
+                  <p:tgtEl>
+                    <p:sldTgt/>
+                  </p:tgtEl>
+                </p:cond>
+              </p:nextCondLst>
+            </p:seq>
+          </p:childTnLst>
+        </p:cTn>
+      </p:par>
+    </p:tnLst>
+  </p:timing>
+</p:sld>
+</file>
+
+<file path=ppt/slides/slide6.xml><?xml version="1.0" encoding="utf-8"?>
+<p:sld xmlns:a="http://schemas.openxmlformats.org/drawingml/2006/main" xmlns:p="http://schemas.openxmlformats.org/presentationml/2006/main" xmlns:r="http://schemas.openxmlformats.org/officeDocument/2006/relationships" xmlns:p14="http://schemas.microsoft.com/office/powerpoint/2010/main" xmlns:p15="http://schemas.microsoft.com/office/powerpoint/2012/main" xmlns:mc="http://schemas.openxmlformats.org/markup-compatibility/2006">
+  <p:cSld>
+    <p:spTree>
+      <p:nvGrpSpPr>
+        <p:cNvPr id="1" name=""/>
+        <p:cNvGrpSpPr/>
+        <p:nvPr/>
+      </p:nvGrpSpPr>
+      <p:grpSpPr>
+        <a:xfrm>
+          <a:off x="0" y="0"/>
+          <a:ext cx="0" cy="0"/>
+          <a:chOff x="0" y="0"/>
+          <a:chExt cx="0" cy="0"/>
+        </a:xfrm>
+      </p:grpSpPr>
+      <p:pic>
+        <p:nvPicPr>
+          <p:cNvPr id="91" name="" descr=""/>
+          <p:cNvPicPr/>
+          <p:nvPr/>
+        </p:nvPicPr>
+        <p:blipFill>
+          <a:blip r:embed="rId1"/>
+          <a:stretch/>
+        </p:blipFill>
+        <p:spPr>
+          <a:xfrm>
+            <a:off x="2812320" y="397800"/>
+            <a:ext cx="4536000" cy="4551120"/>
+          </a:xfrm>
+          <a:prstGeom prst="rect">
+            <a:avLst/>
+          </a:prstGeom>
+          <a:ln>
+            <a:noFill/>
+          </a:ln>
+        </p:spPr>
+      </p:pic>
+    </p:spTree>
+  </p:cSld>
+  <p:timing>
+    <p:tnLst>
+      <p:par>
+        <p:cTn id="11" dur="indefinite" restart="never" nodeType="tmRoot">
+          <p:childTnLst>
+            <p:seq>
+              <p:cTn id="12" dur="indefinite" nodeType="mainSeq"/>
+              <p:prevCondLst>
+                <p:cond delay="0" evt="onPrev">
+                  <p:tgtEl>
+                    <p:sldTgt/>
+                  </p:tgtEl>
+                </p:cond>
+              </p:prevCondLst>
+              <p:nextCondLst>
+                <p:cond delay="0" evt="onNext">
+                  <p:tgtEl>
+                    <p:sldTgt/>
+                  </p:tgtEl>
+                </p:cond>
+              </p:nextCondLst>
+            </p:seq>
+          </p:childTnLst>
+        </p:cTn>
+      </p:par>
+    </p:tnLst>
+  </p:timing>
+</p:sld>
+</file>
+
+<file path=ppt/slides/slide7.xml><?xml version="1.0" encoding="utf-8"?>
+<p:sld xmlns:a="http://schemas.openxmlformats.org/drawingml/2006/main" xmlns:p="http://schemas.openxmlformats.org/presentationml/2006/main" xmlns:r="http://schemas.openxmlformats.org/officeDocument/2006/relationships" xmlns:p14="http://schemas.microsoft.com/office/powerpoint/2010/main" xmlns:p15="http://schemas.microsoft.com/office/powerpoint/2012/main" xmlns:mc="http://schemas.openxmlformats.org/markup-compatibility/2006">
+  <p:cSld>
+    <p:spTree>
+      <p:nvGrpSpPr>
+        <p:cNvPr id="1" name=""/>
+        <p:cNvGrpSpPr/>
+        <p:nvPr/>
+      </p:nvGrpSpPr>
+      <p:grpSpPr>
+        <a:xfrm>
+          <a:off x="0" y="0"/>
+          <a:ext cx="0" cy="0"/>
+          <a:chOff x="0" y="0"/>
+          <a:chExt cx="0" cy="0"/>
+        </a:xfrm>
+      </p:grpSpPr>
+      <p:pic>
+        <p:nvPicPr>
+          <p:cNvPr id="92" name="" descr=""/>
+          <p:cNvPicPr/>
+          <p:nvPr/>
+        </p:nvPicPr>
+        <p:blipFill>
+          <a:blip r:embed="rId1"/>
+          <a:stretch/>
+        </p:blipFill>
+        <p:spPr>
+          <a:xfrm>
+            <a:off x="2844000" y="396000"/>
+            <a:ext cx="4536000" cy="4513680"/>
+          </a:xfrm>
+          <a:prstGeom prst="rect">
+            <a:avLst/>
+          </a:prstGeom>
+          <a:ln>
+            <a:noFill/>
+          </a:ln>
+        </p:spPr>
+      </p:pic>
+    </p:spTree>
+  </p:cSld>
+  <p:timing>
+    <p:tnLst>
+      <p:par>
+        <p:cTn id="13" dur="indefinite" restart="never" nodeType="tmRoot">
+          <p:childTnLst>
+            <p:seq>
+              <p:cTn id="14" dur="indefinite" nodeType="mainSeq"/>
+              <p:prevCondLst>
+                <p:cond delay="0" evt="onPrev">
+                  <p:tgtEl>
+                    <p:sldTgt/>
+                  </p:tgtEl>
+                </p:cond>
+              </p:prevCondLst>
+              <p:nextCondLst>
+                <p:cond delay="0" evt="onNext">
+                  <p:tgtEl>
+                    <p:sldTgt/>
+                  </p:tgtEl>
+                </p:cond>
+              </p:nextCondLst>
+            </p:seq>
+          </p:childTnLst>
+        </p:cTn>
+      </p:par>
+    </p:tnLst>
+  </p:timing>
+</p:sld>
+</file>
+
+<file path=ppt/slides/slide8.xml><?xml version="1.0" encoding="utf-8"?>
+<p:sld xmlns:a="http://schemas.openxmlformats.org/drawingml/2006/main" xmlns:p="http://schemas.openxmlformats.org/presentationml/2006/main" xmlns:r="http://schemas.openxmlformats.org/officeDocument/2006/relationships" xmlns:p14="http://schemas.microsoft.com/office/powerpoint/2010/main" xmlns:p15="http://schemas.microsoft.com/office/powerpoint/2012/main" xmlns:mc="http://schemas.openxmlformats.org/markup-compatibility/2006">
+  <p:cSld>
+    <p:spTree>
+      <p:nvGrpSpPr>
+        <p:cNvPr id="1" name=""/>
+        <p:cNvGrpSpPr/>
+        <p:nvPr/>
+      </p:nvGrpSpPr>
+      <p:grpSpPr>
+        <a:xfrm>
+          <a:off x="0" y="0"/>
+          <a:ext cx="0" cy="0"/>
+          <a:chOff x="0" y="0"/>
+          <a:chExt cx="0" cy="0"/>
+        </a:xfrm>
+      </p:grpSpPr>
+      <p:pic>
+        <p:nvPicPr>
+          <p:cNvPr id="93" name="" descr=""/>
+          <p:cNvPicPr/>
+          <p:nvPr/>
+        </p:nvPicPr>
+        <p:blipFill>
+          <a:blip r:embed="rId1"/>
+          <a:stretch/>
+        </p:blipFill>
+        <p:spPr>
+          <a:xfrm>
+            <a:off x="2808000" y="360000"/>
+            <a:ext cx="4608000" cy="4615920"/>
+          </a:xfrm>
+          <a:prstGeom prst="rect">
+            <a:avLst/>
+          </a:prstGeom>
+          <a:ln>
+            <a:noFill/>
+          </a:ln>
+        </p:spPr>
+      </p:pic>
+    </p:spTree>
+  </p:cSld>
+  <p:timing>
+    <p:tnLst>
+      <p:par>
+        <p:cTn id="15" dur="indefinite" restart="never" nodeType="tmRoot">
+          <p:childTnLst>
+            <p:seq>
+              <p:cTn id="16" dur="indefinite" nodeType="mainSeq"/>
+              <p:prevCondLst>
+                <p:cond delay="0" evt="onPrev">
+                  <p:tgtEl>
+                    <p:sldTgt/>
+                  </p:tgtEl>
+                </p:cond>
+              </p:prevCondLst>
+              <p:nextCondLst>
+                <p:cond delay="0" evt="onNext">
+                  <p:tgtEl>
+                    <p:sldTgt/>
+                  </p:tgtEl>
+                </p:cond>
+              </p:nextCondLst>
+            </p:seq>
+          </p:childTnLst>
+        </p:cTn>
+      </p:par>
+    </p:tnLst>
+  </p:timing>
+</p:sld>
+</file>
+
+<file path=ppt/slides/slide9.xml><?xml version="1.0" encoding="utf-8"?>
+<p:sld xmlns:a="http://schemas.openxmlformats.org/drawingml/2006/main" xmlns:p="http://schemas.openxmlformats.org/presentationml/2006/main" xmlns:r="http://schemas.openxmlformats.org/officeDocument/2006/relationships" xmlns:p14="http://schemas.microsoft.com/office/powerpoint/2010/main" xmlns:p15="http://schemas.microsoft.com/office/powerpoint/2012/main" xmlns:mc="http://schemas.openxmlformats.org/markup-compatibility/2006">
+  <p:cSld>
+    <p:spTree>
+      <p:nvGrpSpPr>
+        <p:cNvPr id="1" name=""/>
+        <p:cNvGrpSpPr/>
+        <p:nvPr/>
+      </p:nvGrpSpPr>
+      <p:grpSpPr>
+        <a:xfrm>
+          <a:off x="0" y="0"/>
+          <a:ext cx="0" cy="0"/>
+          <a:chOff x="0" y="0"/>
+          <a:chExt cx="0" cy="0"/>
+        </a:xfrm>
+      </p:grpSpPr>
+      <p:sp>
+        <p:nvSpPr>
+          <p:cNvPr id="94" name="TextShape 1"/>
+          <p:cNvSpPr txBox="1"/>
+          <p:nvPr/>
+        </p:nvSpPr>
+        <p:spPr>
+          <a:xfrm>
+            <a:off x="504000" y="565560"/>
+            <a:ext cx="9071280" cy="946080"/>
+          </a:xfrm>
+          <a:prstGeom prst="rect">
+            <a:avLst/>
+          </a:prstGeom>
+          <a:noFill/>
+          <a:ln>
+            <a:noFill/>
+          </a:ln>
+        </p:spPr>
+        <p:txBody>
+          <a:bodyPr lIns="0" rIns="0" tIns="0" bIns="0" anchor="ctr"/>
+          <a:p>
+            <a:pPr algn="ctr"/>
+            <a:r>
+              <a:rPr b="0" lang="pt-BR" sz="4400" spc="-1" strike="noStrike">
+                <a:latin typeface="Arial"/>
+              </a:rPr>
+              <a:t>Estrutura</a:t>
+            </a:r>
+            <a:endParaRPr b="0" lang="pt-BR" sz="4400" spc="-1" strike="noStrike">
+              <a:latin typeface="Arial"/>
+            </a:endParaRPr>
+          </a:p>
+        </p:txBody>
+      </p:sp>
+      <p:pic>
+        <p:nvPicPr>
+          <p:cNvPr id="95" name="" descr=""/>
+          <p:cNvPicPr/>
+          <p:nvPr/>
+        </p:nvPicPr>
+        <p:blipFill>
+          <a:blip r:embed="rId1"/>
+          <a:stretch/>
+        </p:blipFill>
+        <p:spPr>
+          <a:xfrm>
+            <a:off x="4004280" y="1607400"/>
+            <a:ext cx="2071080" cy="3288600"/>
+          </a:xfrm>
+          <a:prstGeom prst="rect">
+            <a:avLst/>
+          </a:prstGeom>
+          <a:ln>
+            <a:noFill/>
+          </a:ln>
+        </p:spPr>
+      </p:pic>
+    </p:spTree>
+  </p:cSld>
+  <p:timing>
+    <p:tnLst>
+      <p:par>
+        <p:cTn id="17" dur="indefinite" restart="never" nodeType="tmRoot">
+          <p:childTnLst>
+            <p:seq>
+              <p:cTn id="18" dur="indefinite" nodeType="mainSeq"/>
               <p:prevCondLst>
                 <p:cond delay="0" evt="onPrev">
                   <p:tgtEl>

--- a/Trabalho 1/Trabalho 1.pptx
+++ b/Trabalho 1/Trabalho 1.pptx
@@ -37,6 +37,7 @@
     <p:sldId id="284" r:id="rId32"/>
     <p:sldId id="285" r:id="rId33"/>
     <p:sldId id="286" r:id="rId34"/>
+    <p:sldId id="287" r:id="rId35"/>
   </p:sldIdLst>
   <p:sldSz cx="10080625" cy="5670550"/>
   <p:notesSz cx="7559675" cy="10691812"/>
@@ -3201,7 +3202,7 @@
                 <a:spcPct val="100000"/>
               </a:lnSpc>
             </a:pPr>
-            <a:fld id="{8C58584F-7D75-4BD8-8F4A-627DBC806EF4}" type="slidenum">
+            <a:fld id="{000696CD-5F4B-4BDD-9801-9955D8DA69B0}" type="slidenum">
               <a:rPr b="0" lang="pt-BR" sz="1400" spc="-1" strike="noStrike">
                 <a:solidFill>
                   <a:srgbClr val="ffffff"/>
@@ -5543,6 +5544,89 @@
           <p:childTnLst>
             <p:seq>
               <p:cTn id="62" dur="indefinite" nodeType="mainSeq"/>
+              <p:prevCondLst>
+                <p:cond delay="0" evt="onPrev">
+                  <p:tgtEl>
+                    <p:sldTgt/>
+                  </p:tgtEl>
+                </p:cond>
+              </p:prevCondLst>
+              <p:nextCondLst>
+                <p:cond delay="0" evt="onNext">
+                  <p:tgtEl>
+                    <p:sldTgt/>
+                  </p:tgtEl>
+                </p:cond>
+              </p:nextCondLst>
+            </p:seq>
+          </p:childTnLst>
+        </p:cTn>
+      </p:par>
+    </p:tnLst>
+  </p:timing>
+</p:sld>
+</file>
+
+<file path=ppt/slides/slide32.xml><?xml version="1.0" encoding="utf-8"?>
+<p:sld xmlns:a="http://schemas.openxmlformats.org/drawingml/2006/main" xmlns:p="http://schemas.openxmlformats.org/presentationml/2006/main" xmlns:r="http://schemas.openxmlformats.org/officeDocument/2006/relationships" xmlns:p14="http://schemas.microsoft.com/office/powerpoint/2010/main" xmlns:p15="http://schemas.microsoft.com/office/powerpoint/2012/main" xmlns:mc="http://schemas.openxmlformats.org/markup-compatibility/2006">
+  <p:cSld>
+    <p:spTree>
+      <p:nvGrpSpPr>
+        <p:cNvPr id="1" name=""/>
+        <p:cNvGrpSpPr/>
+        <p:nvPr/>
+      </p:nvGrpSpPr>
+      <p:grpSpPr>
+        <a:xfrm>
+          <a:off x="0" y="0"/>
+          <a:ext cx="0" cy="0"/>
+          <a:chOff x="0" y="0"/>
+          <a:chExt cx="0" cy="0"/>
+        </a:xfrm>
+      </p:grpSpPr>
+      <p:sp>
+        <p:nvSpPr>
+          <p:cNvPr id="121" name="TextShape 1"/>
+          <p:cNvSpPr txBox="1"/>
+          <p:nvPr/>
+        </p:nvSpPr>
+        <p:spPr>
+          <a:xfrm>
+            <a:off x="4290120" y="2376000"/>
+            <a:ext cx="1181880" cy="346320"/>
+          </a:xfrm>
+          <a:prstGeom prst="rect">
+            <a:avLst/>
+          </a:prstGeom>
+          <a:noFill/>
+          <a:ln>
+            <a:noFill/>
+          </a:ln>
+        </p:spPr>
+        <p:txBody>
+          <a:bodyPr lIns="90000" rIns="90000" tIns="45000" bIns="45000"/>
+          <a:p>
+            <a:r>
+              <a:rPr b="0" lang="pt-BR" sz="1800" spc="-1" strike="noStrike">
+                <a:latin typeface="Arial"/>
+              </a:rPr>
+              <a:t>Obrigado!</a:t>
+            </a:r>
+            <a:endParaRPr b="0" lang="pt-BR" sz="1800" spc="-1" strike="noStrike">
+              <a:latin typeface="Arial"/>
+            </a:endParaRPr>
+          </a:p>
+        </p:txBody>
+      </p:sp>
+    </p:spTree>
+  </p:cSld>
+  <p:timing>
+    <p:tnLst>
+      <p:par>
+        <p:cTn id="63" dur="indefinite" restart="never" nodeType="tmRoot">
+          <p:childTnLst>
+            <p:seq>
+              <p:cTn id="64" dur="indefinite" nodeType="mainSeq"/>
               <p:prevCondLst>
                 <p:cond delay="0" evt="onPrev">
                   <p:tgtEl>
